--- a/Pending/Prolegomenes_ATOME.pptx
+++ b/Pending/Prolegomenes_ATOME.pptx
@@ -5,13 +5,16 @@
     <p:sldMasterId id="2147483648" r:id="rId1"/>
   </p:sldMasterIdLst>
   <p:notesMasterIdLst>
-    <p:notesMasterId r:id="rId6"/>
+    <p:notesMasterId r:id="rId9"/>
   </p:notesMasterIdLst>
   <p:sldIdLst>
     <p:sldId id="256" r:id="rId2"/>
     <p:sldId id="257" r:id="rId3"/>
     <p:sldId id="259" r:id="rId4"/>
     <p:sldId id="258" r:id="rId5"/>
+    <p:sldId id="260" r:id="rId6"/>
+    <p:sldId id="261" r:id="rId7"/>
+    <p:sldId id="262" r:id="rId8"/>
   </p:sldIdLst>
   <p:sldSz cx="12192000" cy="6858000"/>
   <p:notesSz cx="6858000" cy="9144000"/>
@@ -113,7 +116,7 @@
   <p:extLst>
     <p:ext uri="{EFAFB233-063F-42B5-8137-9DF3F51BA10A}">
       <p15:sldGuideLst xmlns:p15="http://schemas.microsoft.com/office/powerpoint/2012/main">
-        <p15:guide id="1" orient="horz" pos="2160" userDrawn="1">
+        <p15:guide id="1" orient="horz" pos="2137" userDrawn="1">
           <p15:clr>
             <a:srgbClr val="A4A3A4"/>
           </p15:clr>
@@ -127,6 +130,4043 @@
     </p:ext>
   </p:extLst>
 </p:presentation>
+</file>
+
+<file path=ppt/diagrams/colors1.xml><?xml version="1.0" encoding="utf-8"?>
+<dgm:colorsDef xmlns:dgm="http://schemas.openxmlformats.org/drawingml/2006/diagram" xmlns:a="http://schemas.openxmlformats.org/drawingml/2006/main" uniqueId="urn:microsoft.com/office/officeart/2005/8/colors/accent1_2">
+  <dgm:title val=""/>
+  <dgm:desc val=""/>
+  <dgm:catLst>
+    <dgm:cat type="accent1" pri="11200"/>
+  </dgm:catLst>
+  <dgm:styleLbl name="node0">
+    <dgm:fillClrLst meth="repeat">
+      <a:schemeClr val="accent1"/>
+    </dgm:fillClrLst>
+    <dgm:linClrLst meth="repeat">
+      <a:schemeClr val="lt1"/>
+    </dgm:linClrLst>
+    <dgm:effectClrLst/>
+    <dgm:txLinClrLst/>
+    <dgm:txFillClrLst/>
+    <dgm:txEffectClrLst/>
+  </dgm:styleLbl>
+  <dgm:styleLbl name="alignNode1">
+    <dgm:fillClrLst meth="repeat">
+      <a:schemeClr val="accent1"/>
+    </dgm:fillClrLst>
+    <dgm:linClrLst meth="repeat">
+      <a:schemeClr val="accent1"/>
+    </dgm:linClrLst>
+    <dgm:effectClrLst/>
+    <dgm:txLinClrLst/>
+    <dgm:txFillClrLst/>
+    <dgm:txEffectClrLst/>
+  </dgm:styleLbl>
+  <dgm:styleLbl name="node1">
+    <dgm:fillClrLst meth="repeat">
+      <a:schemeClr val="accent1"/>
+    </dgm:fillClrLst>
+    <dgm:linClrLst meth="repeat">
+      <a:schemeClr val="lt1"/>
+    </dgm:linClrLst>
+    <dgm:effectClrLst/>
+    <dgm:txLinClrLst/>
+    <dgm:txFillClrLst/>
+    <dgm:txEffectClrLst/>
+  </dgm:styleLbl>
+  <dgm:styleLbl name="lnNode1">
+    <dgm:fillClrLst meth="repeat">
+      <a:schemeClr val="accent1"/>
+    </dgm:fillClrLst>
+    <dgm:linClrLst meth="repeat">
+      <a:schemeClr val="lt1"/>
+    </dgm:linClrLst>
+    <dgm:effectClrLst/>
+    <dgm:txLinClrLst/>
+    <dgm:txFillClrLst/>
+    <dgm:txEffectClrLst/>
+  </dgm:styleLbl>
+  <dgm:styleLbl name="vennNode1">
+    <dgm:fillClrLst meth="repeat">
+      <a:schemeClr val="accent1">
+        <a:alpha val="50000"/>
+      </a:schemeClr>
+    </dgm:fillClrLst>
+    <dgm:linClrLst meth="repeat">
+      <a:schemeClr val="lt1"/>
+    </dgm:linClrLst>
+    <dgm:effectClrLst/>
+    <dgm:txLinClrLst/>
+    <dgm:txFillClrLst/>
+    <dgm:txEffectClrLst/>
+  </dgm:styleLbl>
+  <dgm:styleLbl name="node2">
+    <dgm:fillClrLst meth="repeat">
+      <a:schemeClr val="accent1"/>
+    </dgm:fillClrLst>
+    <dgm:linClrLst meth="repeat">
+      <a:schemeClr val="lt1"/>
+    </dgm:linClrLst>
+    <dgm:effectClrLst/>
+    <dgm:txLinClrLst/>
+    <dgm:txFillClrLst/>
+    <dgm:txEffectClrLst/>
+  </dgm:styleLbl>
+  <dgm:styleLbl name="node3">
+    <dgm:fillClrLst meth="repeat">
+      <a:schemeClr val="accent1"/>
+    </dgm:fillClrLst>
+    <dgm:linClrLst meth="repeat">
+      <a:schemeClr val="lt1"/>
+    </dgm:linClrLst>
+    <dgm:effectClrLst/>
+    <dgm:txLinClrLst/>
+    <dgm:txFillClrLst/>
+    <dgm:txEffectClrLst/>
+  </dgm:styleLbl>
+  <dgm:styleLbl name="node4">
+    <dgm:fillClrLst meth="repeat">
+      <a:schemeClr val="accent1"/>
+    </dgm:fillClrLst>
+    <dgm:linClrLst meth="repeat">
+      <a:schemeClr val="lt1"/>
+    </dgm:linClrLst>
+    <dgm:effectClrLst/>
+    <dgm:txLinClrLst/>
+    <dgm:txFillClrLst/>
+    <dgm:txEffectClrLst/>
+  </dgm:styleLbl>
+  <dgm:styleLbl name="fgImgPlace1">
+    <dgm:fillClrLst meth="repeat">
+      <a:schemeClr val="accent1">
+        <a:tint val="50000"/>
+      </a:schemeClr>
+    </dgm:fillClrLst>
+    <dgm:linClrLst meth="repeat">
+      <a:schemeClr val="lt1"/>
+    </dgm:linClrLst>
+    <dgm:effectClrLst/>
+    <dgm:txLinClrLst/>
+    <dgm:txFillClrLst meth="repeat">
+      <a:schemeClr val="lt1"/>
+    </dgm:txFillClrLst>
+    <dgm:txEffectClrLst/>
+  </dgm:styleLbl>
+  <dgm:styleLbl name="alignImgPlace1">
+    <dgm:fillClrLst meth="repeat">
+      <a:schemeClr val="accent1">
+        <a:tint val="50000"/>
+      </a:schemeClr>
+    </dgm:fillClrLst>
+    <dgm:linClrLst meth="repeat">
+      <a:schemeClr val="lt1"/>
+    </dgm:linClrLst>
+    <dgm:effectClrLst/>
+    <dgm:txLinClrLst/>
+    <dgm:txFillClrLst meth="repeat">
+      <a:schemeClr val="lt1"/>
+    </dgm:txFillClrLst>
+    <dgm:txEffectClrLst/>
+  </dgm:styleLbl>
+  <dgm:styleLbl name="bgImgPlace1">
+    <dgm:fillClrLst meth="repeat">
+      <a:schemeClr val="accent1">
+        <a:tint val="50000"/>
+      </a:schemeClr>
+    </dgm:fillClrLst>
+    <dgm:linClrLst meth="repeat">
+      <a:schemeClr val="lt1"/>
+    </dgm:linClrLst>
+    <dgm:effectClrLst/>
+    <dgm:txLinClrLst/>
+    <dgm:txFillClrLst meth="repeat">
+      <a:schemeClr val="lt1"/>
+    </dgm:txFillClrLst>
+    <dgm:txEffectClrLst/>
+  </dgm:styleLbl>
+  <dgm:styleLbl name="sibTrans2D1">
+    <dgm:fillClrLst meth="repeat">
+      <a:schemeClr val="accent1">
+        <a:tint val="60000"/>
+      </a:schemeClr>
+    </dgm:fillClrLst>
+    <dgm:linClrLst meth="repeat">
+      <a:schemeClr val="accent1">
+        <a:tint val="60000"/>
+      </a:schemeClr>
+    </dgm:linClrLst>
+    <dgm:effectClrLst/>
+    <dgm:txLinClrLst/>
+    <dgm:txFillClrLst/>
+    <dgm:txEffectClrLst/>
+  </dgm:styleLbl>
+  <dgm:styleLbl name="fgSibTrans2D1">
+    <dgm:fillClrLst meth="repeat">
+      <a:schemeClr val="accent1">
+        <a:tint val="60000"/>
+      </a:schemeClr>
+    </dgm:fillClrLst>
+    <dgm:linClrLst meth="repeat">
+      <a:schemeClr val="accent1">
+        <a:tint val="60000"/>
+      </a:schemeClr>
+    </dgm:linClrLst>
+    <dgm:effectClrLst/>
+    <dgm:txLinClrLst/>
+    <dgm:txFillClrLst/>
+    <dgm:txEffectClrLst/>
+  </dgm:styleLbl>
+  <dgm:styleLbl name="bgSibTrans2D1">
+    <dgm:fillClrLst meth="repeat">
+      <a:schemeClr val="accent1">
+        <a:tint val="60000"/>
+      </a:schemeClr>
+    </dgm:fillClrLst>
+    <dgm:linClrLst meth="repeat">
+      <a:schemeClr val="accent1">
+        <a:tint val="60000"/>
+      </a:schemeClr>
+    </dgm:linClrLst>
+    <dgm:effectClrLst/>
+    <dgm:txLinClrLst/>
+    <dgm:txFillClrLst/>
+    <dgm:txEffectClrLst/>
+  </dgm:styleLbl>
+  <dgm:styleLbl name="sibTrans1D1">
+    <dgm:fillClrLst meth="repeat">
+      <a:schemeClr val="accent1"/>
+    </dgm:fillClrLst>
+    <dgm:linClrLst meth="repeat">
+      <a:schemeClr val="accent1"/>
+    </dgm:linClrLst>
+    <dgm:effectClrLst/>
+    <dgm:txLinClrLst/>
+    <dgm:txFillClrLst meth="repeat">
+      <a:schemeClr val="tx1"/>
+    </dgm:txFillClrLst>
+    <dgm:txEffectClrLst/>
+  </dgm:styleLbl>
+  <dgm:styleLbl name="callout">
+    <dgm:fillClrLst meth="repeat">
+      <a:schemeClr val="accent1"/>
+    </dgm:fillClrLst>
+    <dgm:linClrLst meth="repeat">
+      <a:schemeClr val="accent1">
+        <a:tint val="50000"/>
+      </a:schemeClr>
+    </dgm:linClrLst>
+    <dgm:effectClrLst/>
+    <dgm:txLinClrLst/>
+    <dgm:txFillClrLst meth="repeat">
+      <a:schemeClr val="tx1"/>
+    </dgm:txFillClrLst>
+    <dgm:txEffectClrLst/>
+  </dgm:styleLbl>
+  <dgm:styleLbl name="asst0">
+    <dgm:fillClrLst meth="repeat">
+      <a:schemeClr val="accent1"/>
+    </dgm:fillClrLst>
+    <dgm:linClrLst meth="repeat">
+      <a:schemeClr val="lt1"/>
+    </dgm:linClrLst>
+    <dgm:effectClrLst/>
+    <dgm:txLinClrLst/>
+    <dgm:txFillClrLst/>
+    <dgm:txEffectClrLst/>
+  </dgm:styleLbl>
+  <dgm:styleLbl name="asst1">
+    <dgm:fillClrLst meth="repeat">
+      <a:schemeClr val="accent1"/>
+    </dgm:fillClrLst>
+    <dgm:linClrLst meth="repeat">
+      <a:schemeClr val="lt1"/>
+    </dgm:linClrLst>
+    <dgm:effectClrLst/>
+    <dgm:txLinClrLst/>
+    <dgm:txFillClrLst/>
+    <dgm:txEffectClrLst/>
+  </dgm:styleLbl>
+  <dgm:styleLbl name="asst2">
+    <dgm:fillClrLst meth="repeat">
+      <a:schemeClr val="accent1"/>
+    </dgm:fillClrLst>
+    <dgm:linClrLst meth="repeat">
+      <a:schemeClr val="lt1"/>
+    </dgm:linClrLst>
+    <dgm:effectClrLst/>
+    <dgm:txLinClrLst/>
+    <dgm:txFillClrLst/>
+    <dgm:txEffectClrLst/>
+  </dgm:styleLbl>
+  <dgm:styleLbl name="asst3">
+    <dgm:fillClrLst meth="repeat">
+      <a:schemeClr val="accent1"/>
+    </dgm:fillClrLst>
+    <dgm:linClrLst meth="repeat">
+      <a:schemeClr val="lt1"/>
+    </dgm:linClrLst>
+    <dgm:effectClrLst/>
+    <dgm:txLinClrLst/>
+    <dgm:txFillClrLst/>
+    <dgm:txEffectClrLst/>
+  </dgm:styleLbl>
+  <dgm:styleLbl name="asst4">
+    <dgm:fillClrLst meth="repeat">
+      <a:schemeClr val="accent1"/>
+    </dgm:fillClrLst>
+    <dgm:linClrLst meth="repeat">
+      <a:schemeClr val="lt1"/>
+    </dgm:linClrLst>
+    <dgm:effectClrLst/>
+    <dgm:txLinClrLst/>
+    <dgm:txFillClrLst/>
+    <dgm:txEffectClrLst/>
+  </dgm:styleLbl>
+  <dgm:styleLbl name="parChTrans2D1">
+    <dgm:fillClrLst meth="repeat">
+      <a:schemeClr val="accent1">
+        <a:tint val="60000"/>
+      </a:schemeClr>
+    </dgm:fillClrLst>
+    <dgm:linClrLst meth="repeat">
+      <a:schemeClr val="accent1">
+        <a:tint val="60000"/>
+      </a:schemeClr>
+    </dgm:linClrLst>
+    <dgm:effectClrLst/>
+    <dgm:txLinClrLst/>
+    <dgm:txFillClrLst meth="repeat">
+      <a:schemeClr val="lt1"/>
+    </dgm:txFillClrLst>
+    <dgm:txEffectClrLst/>
+  </dgm:styleLbl>
+  <dgm:styleLbl name="parChTrans2D2">
+    <dgm:fillClrLst meth="repeat">
+      <a:schemeClr val="accent1"/>
+    </dgm:fillClrLst>
+    <dgm:linClrLst meth="repeat">
+      <a:schemeClr val="accent1"/>
+    </dgm:linClrLst>
+    <dgm:effectClrLst/>
+    <dgm:txLinClrLst/>
+    <dgm:txFillClrLst meth="repeat">
+      <a:schemeClr val="lt1"/>
+    </dgm:txFillClrLst>
+    <dgm:txEffectClrLst/>
+  </dgm:styleLbl>
+  <dgm:styleLbl name="parChTrans2D3">
+    <dgm:fillClrLst meth="repeat">
+      <a:schemeClr val="accent1"/>
+    </dgm:fillClrLst>
+    <dgm:linClrLst meth="repeat">
+      <a:schemeClr val="accent1"/>
+    </dgm:linClrLst>
+    <dgm:effectClrLst/>
+    <dgm:txLinClrLst/>
+    <dgm:txFillClrLst meth="repeat">
+      <a:schemeClr val="lt1"/>
+    </dgm:txFillClrLst>
+    <dgm:txEffectClrLst/>
+  </dgm:styleLbl>
+  <dgm:styleLbl name="parChTrans2D4">
+    <dgm:fillClrLst meth="repeat">
+      <a:schemeClr val="accent1"/>
+    </dgm:fillClrLst>
+    <dgm:linClrLst meth="repeat">
+      <a:schemeClr val="accent1"/>
+    </dgm:linClrLst>
+    <dgm:effectClrLst/>
+    <dgm:txLinClrLst/>
+    <dgm:txFillClrLst meth="repeat">
+      <a:schemeClr val="lt1"/>
+    </dgm:txFillClrLst>
+    <dgm:txEffectClrLst/>
+  </dgm:styleLbl>
+  <dgm:styleLbl name="parChTrans1D1">
+    <dgm:fillClrLst meth="repeat">
+      <a:schemeClr val="accent1"/>
+    </dgm:fillClrLst>
+    <dgm:linClrLst meth="repeat">
+      <a:schemeClr val="accent1">
+        <a:shade val="60000"/>
+      </a:schemeClr>
+    </dgm:linClrLst>
+    <dgm:effectClrLst/>
+    <dgm:txLinClrLst/>
+    <dgm:txFillClrLst meth="repeat">
+      <a:schemeClr val="tx1"/>
+    </dgm:txFillClrLst>
+    <dgm:txEffectClrLst/>
+  </dgm:styleLbl>
+  <dgm:styleLbl name="parChTrans1D2">
+    <dgm:fillClrLst meth="repeat">
+      <a:schemeClr val="accent1"/>
+    </dgm:fillClrLst>
+    <dgm:linClrLst meth="repeat">
+      <a:schemeClr val="accent1">
+        <a:shade val="60000"/>
+      </a:schemeClr>
+    </dgm:linClrLst>
+    <dgm:effectClrLst/>
+    <dgm:txLinClrLst/>
+    <dgm:txFillClrLst meth="repeat">
+      <a:schemeClr val="tx1"/>
+    </dgm:txFillClrLst>
+    <dgm:txEffectClrLst/>
+  </dgm:styleLbl>
+  <dgm:styleLbl name="parChTrans1D3">
+    <dgm:fillClrLst meth="repeat">
+      <a:schemeClr val="accent1"/>
+    </dgm:fillClrLst>
+    <dgm:linClrLst meth="repeat">
+      <a:schemeClr val="accent1">
+        <a:shade val="80000"/>
+      </a:schemeClr>
+    </dgm:linClrLst>
+    <dgm:effectClrLst/>
+    <dgm:txLinClrLst/>
+    <dgm:txFillClrLst meth="repeat">
+      <a:schemeClr val="tx1"/>
+    </dgm:txFillClrLst>
+    <dgm:txEffectClrLst/>
+  </dgm:styleLbl>
+  <dgm:styleLbl name="parChTrans1D4">
+    <dgm:fillClrLst meth="repeat">
+      <a:schemeClr val="accent1"/>
+    </dgm:fillClrLst>
+    <dgm:linClrLst meth="repeat">
+      <a:schemeClr val="accent1">
+        <a:shade val="80000"/>
+      </a:schemeClr>
+    </dgm:linClrLst>
+    <dgm:effectClrLst/>
+    <dgm:txLinClrLst/>
+    <dgm:txFillClrLst meth="repeat">
+      <a:schemeClr val="tx1"/>
+    </dgm:txFillClrLst>
+    <dgm:txEffectClrLst/>
+  </dgm:styleLbl>
+  <dgm:styleLbl name="fgAcc1">
+    <dgm:fillClrLst meth="repeat">
+      <a:schemeClr val="lt1">
+        <a:alpha val="90000"/>
+      </a:schemeClr>
+    </dgm:fillClrLst>
+    <dgm:linClrLst meth="repeat">
+      <a:schemeClr val="accent1"/>
+    </dgm:linClrLst>
+    <dgm:effectClrLst/>
+    <dgm:txLinClrLst/>
+    <dgm:txFillClrLst meth="repeat">
+      <a:schemeClr val="dk1"/>
+    </dgm:txFillClrLst>
+    <dgm:txEffectClrLst/>
+  </dgm:styleLbl>
+  <dgm:styleLbl name="conFgAcc1">
+    <dgm:fillClrLst meth="repeat">
+      <a:schemeClr val="lt1">
+        <a:alpha val="90000"/>
+      </a:schemeClr>
+    </dgm:fillClrLst>
+    <dgm:linClrLst meth="repeat">
+      <a:schemeClr val="accent1"/>
+    </dgm:linClrLst>
+    <dgm:effectClrLst/>
+    <dgm:txLinClrLst/>
+    <dgm:txFillClrLst meth="repeat">
+      <a:schemeClr val="dk1"/>
+    </dgm:txFillClrLst>
+    <dgm:txEffectClrLst/>
+  </dgm:styleLbl>
+  <dgm:styleLbl name="alignAcc1">
+    <dgm:fillClrLst meth="repeat">
+      <a:schemeClr val="lt1">
+        <a:alpha val="90000"/>
+      </a:schemeClr>
+    </dgm:fillClrLst>
+    <dgm:linClrLst meth="repeat">
+      <a:schemeClr val="accent1"/>
+    </dgm:linClrLst>
+    <dgm:effectClrLst/>
+    <dgm:txLinClrLst/>
+    <dgm:txFillClrLst meth="repeat">
+      <a:schemeClr val="dk1"/>
+    </dgm:txFillClrLst>
+    <dgm:txEffectClrLst/>
+  </dgm:styleLbl>
+  <dgm:styleLbl name="trAlignAcc1">
+    <dgm:fillClrLst meth="repeat">
+      <a:schemeClr val="lt1">
+        <a:alpha val="40000"/>
+      </a:schemeClr>
+    </dgm:fillClrLst>
+    <dgm:linClrLst meth="repeat">
+      <a:schemeClr val="accent1"/>
+    </dgm:linClrLst>
+    <dgm:effectClrLst/>
+    <dgm:txLinClrLst/>
+    <dgm:txFillClrLst meth="repeat">
+      <a:schemeClr val="dk1"/>
+    </dgm:txFillClrLst>
+    <dgm:txEffectClrLst/>
+  </dgm:styleLbl>
+  <dgm:styleLbl name="bgAcc1">
+    <dgm:fillClrLst meth="repeat">
+      <a:schemeClr val="lt1">
+        <a:alpha val="90000"/>
+      </a:schemeClr>
+    </dgm:fillClrLst>
+    <dgm:linClrLst meth="repeat">
+      <a:schemeClr val="accent1"/>
+    </dgm:linClrLst>
+    <dgm:effectClrLst/>
+    <dgm:txLinClrLst/>
+    <dgm:txFillClrLst meth="repeat">
+      <a:schemeClr val="dk1"/>
+    </dgm:txFillClrLst>
+    <dgm:txEffectClrLst/>
+  </dgm:styleLbl>
+  <dgm:styleLbl name="solidFgAcc1">
+    <dgm:fillClrLst meth="repeat">
+      <a:schemeClr val="lt1"/>
+    </dgm:fillClrLst>
+    <dgm:linClrLst meth="repeat">
+      <a:schemeClr val="accent1"/>
+    </dgm:linClrLst>
+    <dgm:effectClrLst/>
+    <dgm:txLinClrLst/>
+    <dgm:txFillClrLst meth="repeat">
+      <a:schemeClr val="dk1"/>
+    </dgm:txFillClrLst>
+    <dgm:txEffectClrLst/>
+  </dgm:styleLbl>
+  <dgm:styleLbl name="solidAlignAcc1">
+    <dgm:fillClrLst meth="repeat">
+      <a:schemeClr val="lt1"/>
+    </dgm:fillClrLst>
+    <dgm:linClrLst meth="repeat">
+      <a:schemeClr val="accent1"/>
+    </dgm:linClrLst>
+    <dgm:effectClrLst/>
+    <dgm:txLinClrLst/>
+    <dgm:txFillClrLst meth="repeat">
+      <a:schemeClr val="dk1"/>
+    </dgm:txFillClrLst>
+    <dgm:txEffectClrLst/>
+  </dgm:styleLbl>
+  <dgm:styleLbl name="solidBgAcc1">
+    <dgm:fillClrLst meth="repeat">
+      <a:schemeClr val="lt1"/>
+    </dgm:fillClrLst>
+    <dgm:linClrLst meth="repeat">
+      <a:schemeClr val="accent1"/>
+    </dgm:linClrLst>
+    <dgm:effectClrLst/>
+    <dgm:txLinClrLst/>
+    <dgm:txFillClrLst meth="repeat">
+      <a:schemeClr val="dk1"/>
+    </dgm:txFillClrLst>
+    <dgm:txEffectClrLst/>
+  </dgm:styleLbl>
+  <dgm:styleLbl name="fgAccFollowNode1">
+    <dgm:fillClrLst meth="repeat">
+      <a:schemeClr val="accent1">
+        <a:alpha val="90000"/>
+        <a:tint val="40000"/>
+      </a:schemeClr>
+    </dgm:fillClrLst>
+    <dgm:linClrLst meth="repeat">
+      <a:schemeClr val="accent1">
+        <a:alpha val="90000"/>
+        <a:tint val="40000"/>
+      </a:schemeClr>
+    </dgm:linClrLst>
+    <dgm:effectClrLst/>
+    <dgm:txLinClrLst/>
+    <dgm:txFillClrLst meth="repeat">
+      <a:schemeClr val="dk1"/>
+    </dgm:txFillClrLst>
+    <dgm:txEffectClrLst/>
+  </dgm:styleLbl>
+  <dgm:styleLbl name="alignAccFollowNode1">
+    <dgm:fillClrLst meth="repeat">
+      <a:schemeClr val="accent1">
+        <a:alpha val="90000"/>
+        <a:tint val="40000"/>
+      </a:schemeClr>
+    </dgm:fillClrLst>
+    <dgm:linClrLst meth="repeat">
+      <a:schemeClr val="accent1">
+        <a:alpha val="90000"/>
+        <a:tint val="40000"/>
+      </a:schemeClr>
+    </dgm:linClrLst>
+    <dgm:effectClrLst/>
+    <dgm:txLinClrLst/>
+    <dgm:txFillClrLst meth="repeat">
+      <a:schemeClr val="dk1"/>
+    </dgm:txFillClrLst>
+    <dgm:txEffectClrLst/>
+  </dgm:styleLbl>
+  <dgm:styleLbl name="bgAccFollowNode1">
+    <dgm:fillClrLst meth="repeat">
+      <a:schemeClr val="accent1">
+        <a:alpha val="90000"/>
+        <a:tint val="40000"/>
+      </a:schemeClr>
+    </dgm:fillClrLst>
+    <dgm:linClrLst meth="repeat">
+      <a:schemeClr val="accent1">
+        <a:alpha val="90000"/>
+        <a:tint val="40000"/>
+      </a:schemeClr>
+    </dgm:linClrLst>
+    <dgm:effectClrLst/>
+    <dgm:txLinClrLst/>
+    <dgm:txFillClrLst meth="repeat">
+      <a:schemeClr val="dk1"/>
+    </dgm:txFillClrLst>
+    <dgm:txEffectClrLst/>
+  </dgm:styleLbl>
+  <dgm:styleLbl name="fgAcc0">
+    <dgm:fillClrLst meth="repeat">
+      <a:schemeClr val="lt1">
+        <a:alpha val="90000"/>
+      </a:schemeClr>
+    </dgm:fillClrLst>
+    <dgm:linClrLst meth="repeat">
+      <a:schemeClr val="accent1"/>
+    </dgm:linClrLst>
+    <dgm:effectClrLst/>
+    <dgm:txLinClrLst/>
+    <dgm:txFillClrLst meth="repeat">
+      <a:schemeClr val="dk1"/>
+    </dgm:txFillClrLst>
+    <dgm:txEffectClrLst/>
+  </dgm:styleLbl>
+  <dgm:styleLbl name="fgAcc2">
+    <dgm:fillClrLst meth="repeat">
+      <a:schemeClr val="lt1">
+        <a:alpha val="90000"/>
+      </a:schemeClr>
+    </dgm:fillClrLst>
+    <dgm:linClrLst meth="repeat">
+      <a:schemeClr val="accent1"/>
+    </dgm:linClrLst>
+    <dgm:effectClrLst/>
+    <dgm:txLinClrLst/>
+    <dgm:txFillClrLst meth="repeat">
+      <a:schemeClr val="dk1"/>
+    </dgm:txFillClrLst>
+    <dgm:txEffectClrLst/>
+  </dgm:styleLbl>
+  <dgm:styleLbl name="fgAcc3">
+    <dgm:fillClrLst meth="repeat">
+      <a:schemeClr val="lt1">
+        <a:alpha val="90000"/>
+      </a:schemeClr>
+    </dgm:fillClrLst>
+    <dgm:linClrLst meth="repeat">
+      <a:schemeClr val="accent1"/>
+    </dgm:linClrLst>
+    <dgm:effectClrLst/>
+    <dgm:txLinClrLst/>
+    <dgm:txFillClrLst meth="repeat">
+      <a:schemeClr val="dk1"/>
+    </dgm:txFillClrLst>
+    <dgm:txEffectClrLst/>
+  </dgm:styleLbl>
+  <dgm:styleLbl name="fgAcc4">
+    <dgm:fillClrLst meth="repeat">
+      <a:schemeClr val="lt1">
+        <a:alpha val="90000"/>
+      </a:schemeClr>
+    </dgm:fillClrLst>
+    <dgm:linClrLst meth="repeat">
+      <a:schemeClr val="accent1"/>
+    </dgm:linClrLst>
+    <dgm:effectClrLst/>
+    <dgm:txLinClrLst/>
+    <dgm:txFillClrLst meth="repeat">
+      <a:schemeClr val="dk1"/>
+    </dgm:txFillClrLst>
+    <dgm:txEffectClrLst/>
+  </dgm:styleLbl>
+  <dgm:styleLbl name="bgShp">
+    <dgm:fillClrLst meth="repeat">
+      <a:schemeClr val="accent1">
+        <a:tint val="40000"/>
+      </a:schemeClr>
+    </dgm:fillClrLst>
+    <dgm:linClrLst meth="repeat">
+      <a:schemeClr val="accent1"/>
+    </dgm:linClrLst>
+    <dgm:effectClrLst/>
+    <dgm:txLinClrLst/>
+    <dgm:txFillClrLst meth="repeat">
+      <a:schemeClr val="dk1"/>
+    </dgm:txFillClrLst>
+    <dgm:txEffectClrLst/>
+  </dgm:styleLbl>
+  <dgm:styleLbl name="dkBgShp">
+    <dgm:fillClrLst meth="repeat">
+      <a:schemeClr val="accent1">
+        <a:shade val="80000"/>
+      </a:schemeClr>
+    </dgm:fillClrLst>
+    <dgm:linClrLst meth="repeat">
+      <a:schemeClr val="accent1"/>
+    </dgm:linClrLst>
+    <dgm:effectClrLst/>
+    <dgm:txLinClrLst/>
+    <dgm:txFillClrLst meth="repeat">
+      <a:schemeClr val="lt1"/>
+    </dgm:txFillClrLst>
+    <dgm:txEffectClrLst/>
+  </dgm:styleLbl>
+  <dgm:styleLbl name="trBgShp">
+    <dgm:fillClrLst meth="repeat">
+      <a:schemeClr val="accent1">
+        <a:tint val="50000"/>
+        <a:alpha val="40000"/>
+      </a:schemeClr>
+    </dgm:fillClrLst>
+    <dgm:linClrLst meth="repeat">
+      <a:schemeClr val="accent1"/>
+    </dgm:linClrLst>
+    <dgm:effectClrLst/>
+    <dgm:txLinClrLst/>
+    <dgm:txFillClrLst meth="repeat">
+      <a:schemeClr val="lt1"/>
+    </dgm:txFillClrLst>
+    <dgm:txEffectClrLst/>
+  </dgm:styleLbl>
+  <dgm:styleLbl name="fgShp">
+    <dgm:fillClrLst meth="repeat">
+      <a:schemeClr val="accent1">
+        <a:tint val="60000"/>
+      </a:schemeClr>
+    </dgm:fillClrLst>
+    <dgm:linClrLst meth="repeat">
+      <a:schemeClr val="lt1"/>
+    </dgm:linClrLst>
+    <dgm:effectClrLst/>
+    <dgm:txLinClrLst/>
+    <dgm:txFillClrLst meth="repeat">
+      <a:schemeClr val="dk1"/>
+    </dgm:txFillClrLst>
+    <dgm:txEffectClrLst/>
+  </dgm:styleLbl>
+  <dgm:styleLbl name="revTx">
+    <dgm:fillClrLst meth="repeat">
+      <a:schemeClr val="lt1">
+        <a:alpha val="0"/>
+      </a:schemeClr>
+    </dgm:fillClrLst>
+    <dgm:linClrLst meth="repeat">
+      <a:schemeClr val="dk1">
+        <a:alpha val="0"/>
+      </a:schemeClr>
+    </dgm:linClrLst>
+    <dgm:effectClrLst/>
+    <dgm:txLinClrLst/>
+    <dgm:txFillClrLst meth="repeat">
+      <a:schemeClr val="tx1"/>
+    </dgm:txFillClrLst>
+    <dgm:txEffectClrLst/>
+  </dgm:styleLbl>
+</dgm:colorsDef>
+</file>
+
+<file path=ppt/diagrams/data1.xml><?xml version="1.0" encoding="utf-8"?>
+<dgm:dataModel xmlns:dgm="http://schemas.openxmlformats.org/drawingml/2006/diagram" xmlns:a="http://schemas.openxmlformats.org/drawingml/2006/main">
+  <dgm:ptLst>
+    <dgm:pt modelId="{3EAAC84E-14AB-4366-A147-9DB3384889BF}" type="doc">
+      <dgm:prSet loTypeId="urn:microsoft.com/office/officeart/2009/3/layout/HorizontalOrganizationChart" loCatId="hierarchy" qsTypeId="urn:microsoft.com/office/officeart/2005/8/quickstyle/simple1" qsCatId="simple" csTypeId="urn:microsoft.com/office/officeart/2005/8/colors/accent1_2" csCatId="accent1" phldr="1"/>
+      <dgm:spPr/>
+      <dgm:t>
+        <a:bodyPr/>
+        <a:lstStyle/>
+        <a:p>
+          <a:endParaRPr lang="fr-FR"/>
+        </a:p>
+      </dgm:t>
+    </dgm:pt>
+    <dgm:pt modelId="{0DBEFCF1-ADD8-422F-A68F-1612D53CD1C1}">
+      <dgm:prSet phldrT="[Texte]" phldr="0"/>
+      <dgm:spPr/>
+      <dgm:t>
+        <a:bodyPr/>
+        <a:lstStyle/>
+        <a:p>
+          <a:r>
+            <a:rPr lang="fr-FR" dirty="0"/>
+            <a:t>Atome</a:t>
+          </a:r>
+        </a:p>
+      </dgm:t>
+    </dgm:pt>
+    <dgm:pt modelId="{1B36189D-12E9-44B5-8977-16FD47A8D944}" type="parTrans" cxnId="{16271554-E631-4EEB-A28F-2190AA146A1F}">
+      <dgm:prSet/>
+      <dgm:spPr/>
+      <dgm:t>
+        <a:bodyPr/>
+        <a:lstStyle/>
+        <a:p>
+          <a:endParaRPr lang="fr-FR"/>
+        </a:p>
+      </dgm:t>
+    </dgm:pt>
+    <dgm:pt modelId="{DC0986E9-6BE5-4B3F-B523-B36195EA5596}" type="sibTrans" cxnId="{16271554-E631-4EEB-A28F-2190AA146A1F}">
+      <dgm:prSet/>
+      <dgm:spPr/>
+      <dgm:t>
+        <a:bodyPr/>
+        <a:lstStyle/>
+        <a:p>
+          <a:endParaRPr lang="fr-FR"/>
+        </a:p>
+      </dgm:t>
+    </dgm:pt>
+    <dgm:pt modelId="{68525FAE-9405-450F-AFD1-525D1BF7FA29}">
+      <dgm:prSet phldrT="[Texte]" phldr="0"/>
+      <dgm:spPr/>
+      <dgm:t>
+        <a:bodyPr/>
+        <a:lstStyle/>
+        <a:p>
+          <a:r>
+            <a:rPr lang="fr-FR" dirty="0"/>
+            <a:t>Nucléons </a:t>
+          </a:r>
+        </a:p>
+      </dgm:t>
+    </dgm:pt>
+    <dgm:pt modelId="{BEEFCC0A-D84E-47CC-9F2D-4B6A3E7B19BD}" type="parTrans" cxnId="{C96865FA-7458-44CE-BEFF-63F195A5ABCA}">
+      <dgm:prSet/>
+      <dgm:spPr/>
+      <dgm:t>
+        <a:bodyPr/>
+        <a:lstStyle/>
+        <a:p>
+          <a:endParaRPr lang="fr-FR"/>
+        </a:p>
+      </dgm:t>
+    </dgm:pt>
+    <dgm:pt modelId="{DB82EB6A-39FF-4909-9808-BA0F19D1DFD3}" type="sibTrans" cxnId="{C96865FA-7458-44CE-BEFF-63F195A5ABCA}">
+      <dgm:prSet/>
+      <dgm:spPr/>
+      <dgm:t>
+        <a:bodyPr/>
+        <a:lstStyle/>
+        <a:p>
+          <a:endParaRPr lang="fr-FR"/>
+        </a:p>
+      </dgm:t>
+    </dgm:pt>
+    <dgm:pt modelId="{AB7D6793-BFCF-4E79-B966-236E78C62110}">
+      <dgm:prSet phldrT="[Texte]" phldr="0"/>
+      <dgm:spPr/>
+      <dgm:t>
+        <a:bodyPr/>
+        <a:lstStyle/>
+        <a:p>
+          <a:r>
+            <a:rPr lang="fr-FR" dirty="0"/>
+            <a:t>Électrons </a:t>
+          </a:r>
+        </a:p>
+      </dgm:t>
+    </dgm:pt>
+    <dgm:pt modelId="{5CCCFB8B-D8A9-4158-A01E-E631C1579871}" type="parTrans" cxnId="{244F6259-5351-42D5-831D-415BEFA5A3AA}">
+      <dgm:prSet/>
+      <dgm:spPr/>
+      <dgm:t>
+        <a:bodyPr/>
+        <a:lstStyle/>
+        <a:p>
+          <a:endParaRPr lang="fr-FR"/>
+        </a:p>
+      </dgm:t>
+    </dgm:pt>
+    <dgm:pt modelId="{6077C2B1-CAFE-414B-B220-59E271FB7218}" type="sibTrans" cxnId="{244F6259-5351-42D5-831D-415BEFA5A3AA}">
+      <dgm:prSet/>
+      <dgm:spPr/>
+      <dgm:t>
+        <a:bodyPr/>
+        <a:lstStyle/>
+        <a:p>
+          <a:endParaRPr lang="fr-FR"/>
+        </a:p>
+      </dgm:t>
+    </dgm:pt>
+    <dgm:pt modelId="{0BD8E702-8D2D-4A26-B235-984A67274933}">
+      <dgm:prSet phldrT="[Texte]" phldr="0"/>
+      <dgm:spPr/>
+      <dgm:t>
+        <a:bodyPr/>
+        <a:lstStyle/>
+        <a:p>
+          <a:r>
+            <a:rPr lang="fr-FR" dirty="0"/>
+            <a:t>Protons </a:t>
+          </a:r>
+        </a:p>
+      </dgm:t>
+    </dgm:pt>
+    <dgm:pt modelId="{F217445B-4F70-456A-8B82-BFF0043D7FD0}" type="parTrans" cxnId="{F55153D8-43D8-4B48-942C-D92B85FE383B}">
+      <dgm:prSet/>
+      <dgm:spPr/>
+    </dgm:pt>
+    <dgm:pt modelId="{F5F57A6A-7D97-471D-9B0D-7C03D1DC63DF}" type="sibTrans" cxnId="{F55153D8-43D8-4B48-942C-D92B85FE383B}">
+      <dgm:prSet/>
+      <dgm:spPr/>
+    </dgm:pt>
+    <dgm:pt modelId="{878A7BC1-C3CC-4E71-8D13-D6337EC8F2A4}">
+      <dgm:prSet phldrT="[Texte]" phldr="0"/>
+      <dgm:spPr/>
+      <dgm:t>
+        <a:bodyPr/>
+        <a:lstStyle/>
+        <a:p>
+          <a:r>
+            <a:rPr lang="fr-FR" dirty="0"/>
+            <a:t>Neutrons </a:t>
+          </a:r>
+        </a:p>
+      </dgm:t>
+    </dgm:pt>
+    <dgm:pt modelId="{6D143C95-66C0-4460-90DC-904D29903060}" type="parTrans" cxnId="{766C957B-4DA7-43C3-A2C9-C23E883AED27}">
+      <dgm:prSet/>
+      <dgm:spPr/>
+    </dgm:pt>
+    <dgm:pt modelId="{D0CB050F-E8E4-4DBE-AD07-5AE5DE7A75FD}" type="sibTrans" cxnId="{766C957B-4DA7-43C3-A2C9-C23E883AED27}">
+      <dgm:prSet/>
+      <dgm:spPr/>
+    </dgm:pt>
+    <dgm:pt modelId="{4DDFB69E-95EF-4C61-96B3-654B0EA771F9}" type="pres">
+      <dgm:prSet presAssocID="{3EAAC84E-14AB-4366-A147-9DB3384889BF}" presName="hierChild1" presStyleCnt="0">
+        <dgm:presLayoutVars>
+          <dgm:orgChart val="1"/>
+          <dgm:chPref val="1"/>
+          <dgm:dir/>
+          <dgm:animOne val="branch"/>
+          <dgm:animLvl val="lvl"/>
+          <dgm:resizeHandles/>
+        </dgm:presLayoutVars>
+      </dgm:prSet>
+      <dgm:spPr/>
+    </dgm:pt>
+    <dgm:pt modelId="{8EB3095E-D211-4716-BD55-8AD2F34ABE5B}" type="pres">
+      <dgm:prSet presAssocID="{0DBEFCF1-ADD8-422F-A68F-1612D53CD1C1}" presName="hierRoot1" presStyleCnt="0">
+        <dgm:presLayoutVars>
+          <dgm:hierBranch val="init"/>
+        </dgm:presLayoutVars>
+      </dgm:prSet>
+      <dgm:spPr/>
+    </dgm:pt>
+    <dgm:pt modelId="{83BE5C32-FBEE-457A-A8D1-C92972F3F57A}" type="pres">
+      <dgm:prSet presAssocID="{0DBEFCF1-ADD8-422F-A68F-1612D53CD1C1}" presName="rootComposite1" presStyleCnt="0"/>
+      <dgm:spPr/>
+    </dgm:pt>
+    <dgm:pt modelId="{D818BA0F-373E-44D9-A76F-1C967ED56EAF}" type="pres">
+      <dgm:prSet presAssocID="{0DBEFCF1-ADD8-422F-A68F-1612D53CD1C1}" presName="rootText1" presStyleLbl="node0" presStyleIdx="0" presStyleCnt="1">
+        <dgm:presLayoutVars>
+          <dgm:chPref val="3"/>
+        </dgm:presLayoutVars>
+      </dgm:prSet>
+      <dgm:spPr/>
+    </dgm:pt>
+    <dgm:pt modelId="{39AD3E86-6D5B-4211-9DC6-F4E681CEECD8}" type="pres">
+      <dgm:prSet presAssocID="{0DBEFCF1-ADD8-422F-A68F-1612D53CD1C1}" presName="rootConnector1" presStyleLbl="node1" presStyleIdx="0" presStyleCnt="0"/>
+      <dgm:spPr/>
+    </dgm:pt>
+    <dgm:pt modelId="{5CFE2090-2AB7-49F8-A740-29EAC8200555}" type="pres">
+      <dgm:prSet presAssocID="{0DBEFCF1-ADD8-422F-A68F-1612D53CD1C1}" presName="hierChild2" presStyleCnt="0"/>
+      <dgm:spPr/>
+    </dgm:pt>
+    <dgm:pt modelId="{C75F6DD9-6844-4F6C-BF15-49A52550E27C}" type="pres">
+      <dgm:prSet presAssocID="{BEEFCC0A-D84E-47CC-9F2D-4B6A3E7B19BD}" presName="Name64" presStyleLbl="parChTrans1D2" presStyleIdx="0" presStyleCnt="2"/>
+      <dgm:spPr/>
+    </dgm:pt>
+    <dgm:pt modelId="{5ED07C85-DE8C-4156-B046-A759367CF5A1}" type="pres">
+      <dgm:prSet presAssocID="{68525FAE-9405-450F-AFD1-525D1BF7FA29}" presName="hierRoot2" presStyleCnt="0">
+        <dgm:presLayoutVars>
+          <dgm:hierBranch val="init"/>
+        </dgm:presLayoutVars>
+      </dgm:prSet>
+      <dgm:spPr/>
+    </dgm:pt>
+    <dgm:pt modelId="{0790A948-6A51-4133-9441-8A09C481FC9B}" type="pres">
+      <dgm:prSet presAssocID="{68525FAE-9405-450F-AFD1-525D1BF7FA29}" presName="rootComposite" presStyleCnt="0"/>
+      <dgm:spPr/>
+    </dgm:pt>
+    <dgm:pt modelId="{54F59169-43B5-430F-9A0C-CCA262E13031}" type="pres">
+      <dgm:prSet presAssocID="{68525FAE-9405-450F-AFD1-525D1BF7FA29}" presName="rootText" presStyleLbl="node2" presStyleIdx="0" presStyleCnt="2">
+        <dgm:presLayoutVars>
+          <dgm:chPref val="3"/>
+        </dgm:presLayoutVars>
+      </dgm:prSet>
+      <dgm:spPr/>
+    </dgm:pt>
+    <dgm:pt modelId="{2B08A739-58E7-45FA-BE6D-0891B2C260A2}" type="pres">
+      <dgm:prSet presAssocID="{68525FAE-9405-450F-AFD1-525D1BF7FA29}" presName="rootConnector" presStyleLbl="node2" presStyleIdx="0" presStyleCnt="2"/>
+      <dgm:spPr/>
+    </dgm:pt>
+    <dgm:pt modelId="{5706947C-5BD7-4384-96C7-2DB4061BA4C5}" type="pres">
+      <dgm:prSet presAssocID="{68525FAE-9405-450F-AFD1-525D1BF7FA29}" presName="hierChild4" presStyleCnt="0"/>
+      <dgm:spPr/>
+    </dgm:pt>
+    <dgm:pt modelId="{1F7E409E-E748-4D46-91CB-5BB1A5728966}" type="pres">
+      <dgm:prSet presAssocID="{F217445B-4F70-456A-8B82-BFF0043D7FD0}" presName="Name64" presStyleLbl="parChTrans1D3" presStyleIdx="0" presStyleCnt="2"/>
+      <dgm:spPr/>
+    </dgm:pt>
+    <dgm:pt modelId="{70F2E01C-45A4-44D0-B2E7-DDDF977DEEA5}" type="pres">
+      <dgm:prSet presAssocID="{0BD8E702-8D2D-4A26-B235-984A67274933}" presName="hierRoot2" presStyleCnt="0">
+        <dgm:presLayoutVars>
+          <dgm:hierBranch val="init"/>
+        </dgm:presLayoutVars>
+      </dgm:prSet>
+      <dgm:spPr/>
+    </dgm:pt>
+    <dgm:pt modelId="{445EF4FF-FE29-4E0D-B23C-0D022E415319}" type="pres">
+      <dgm:prSet presAssocID="{0BD8E702-8D2D-4A26-B235-984A67274933}" presName="rootComposite" presStyleCnt="0"/>
+      <dgm:spPr/>
+    </dgm:pt>
+    <dgm:pt modelId="{DCC2BE8F-0CFA-4CAB-9AB6-803E00A44F63}" type="pres">
+      <dgm:prSet presAssocID="{0BD8E702-8D2D-4A26-B235-984A67274933}" presName="rootText" presStyleLbl="node3" presStyleIdx="0" presStyleCnt="2">
+        <dgm:presLayoutVars>
+          <dgm:chPref val="3"/>
+        </dgm:presLayoutVars>
+      </dgm:prSet>
+      <dgm:spPr/>
+    </dgm:pt>
+    <dgm:pt modelId="{43AD76C0-A71B-4381-B6B6-EACBAB71F94B}" type="pres">
+      <dgm:prSet presAssocID="{0BD8E702-8D2D-4A26-B235-984A67274933}" presName="rootConnector" presStyleLbl="node3" presStyleIdx="0" presStyleCnt="2"/>
+      <dgm:spPr/>
+    </dgm:pt>
+    <dgm:pt modelId="{3BB2E96B-55A4-4C02-BF6D-C6C16C25EECB}" type="pres">
+      <dgm:prSet presAssocID="{0BD8E702-8D2D-4A26-B235-984A67274933}" presName="hierChild4" presStyleCnt="0"/>
+      <dgm:spPr/>
+    </dgm:pt>
+    <dgm:pt modelId="{42823F85-69B8-4BB7-8C24-D18FF2EC97A8}" type="pres">
+      <dgm:prSet presAssocID="{0BD8E702-8D2D-4A26-B235-984A67274933}" presName="hierChild5" presStyleCnt="0"/>
+      <dgm:spPr/>
+    </dgm:pt>
+    <dgm:pt modelId="{D36D7E2A-E00A-48CF-9B30-4B5617C82FDC}" type="pres">
+      <dgm:prSet presAssocID="{6D143C95-66C0-4460-90DC-904D29903060}" presName="Name64" presStyleLbl="parChTrans1D3" presStyleIdx="1" presStyleCnt="2"/>
+      <dgm:spPr/>
+    </dgm:pt>
+    <dgm:pt modelId="{9FE83573-CEC4-4DDA-92DD-C5BA58C1CEF9}" type="pres">
+      <dgm:prSet presAssocID="{878A7BC1-C3CC-4E71-8D13-D6337EC8F2A4}" presName="hierRoot2" presStyleCnt="0">
+        <dgm:presLayoutVars>
+          <dgm:hierBranch val="init"/>
+        </dgm:presLayoutVars>
+      </dgm:prSet>
+      <dgm:spPr/>
+    </dgm:pt>
+    <dgm:pt modelId="{8147EB47-8687-42F3-970D-5066361ED2CD}" type="pres">
+      <dgm:prSet presAssocID="{878A7BC1-C3CC-4E71-8D13-D6337EC8F2A4}" presName="rootComposite" presStyleCnt="0"/>
+      <dgm:spPr/>
+    </dgm:pt>
+    <dgm:pt modelId="{03AEBCA7-8553-46C5-9D09-0B9A975440FC}" type="pres">
+      <dgm:prSet presAssocID="{878A7BC1-C3CC-4E71-8D13-D6337EC8F2A4}" presName="rootText" presStyleLbl="node3" presStyleIdx="1" presStyleCnt="2">
+        <dgm:presLayoutVars>
+          <dgm:chPref val="3"/>
+        </dgm:presLayoutVars>
+      </dgm:prSet>
+      <dgm:spPr/>
+    </dgm:pt>
+    <dgm:pt modelId="{008A96BD-F15E-4218-93DB-7C44001D1668}" type="pres">
+      <dgm:prSet presAssocID="{878A7BC1-C3CC-4E71-8D13-D6337EC8F2A4}" presName="rootConnector" presStyleLbl="node3" presStyleIdx="1" presStyleCnt="2"/>
+      <dgm:spPr/>
+    </dgm:pt>
+    <dgm:pt modelId="{64849954-E06F-419B-BD42-5FC87659F920}" type="pres">
+      <dgm:prSet presAssocID="{878A7BC1-C3CC-4E71-8D13-D6337EC8F2A4}" presName="hierChild4" presStyleCnt="0"/>
+      <dgm:spPr/>
+    </dgm:pt>
+    <dgm:pt modelId="{B9C57585-0E0D-4564-A344-E551B4EDBC4E}" type="pres">
+      <dgm:prSet presAssocID="{878A7BC1-C3CC-4E71-8D13-D6337EC8F2A4}" presName="hierChild5" presStyleCnt="0"/>
+      <dgm:spPr/>
+    </dgm:pt>
+    <dgm:pt modelId="{0A721D9B-6E2C-49F0-AD07-FB317C0D62B2}" type="pres">
+      <dgm:prSet presAssocID="{68525FAE-9405-450F-AFD1-525D1BF7FA29}" presName="hierChild5" presStyleCnt="0"/>
+      <dgm:spPr/>
+    </dgm:pt>
+    <dgm:pt modelId="{D91456EC-3E29-4888-9B81-FE62BB37CD18}" type="pres">
+      <dgm:prSet presAssocID="{5CCCFB8B-D8A9-4158-A01E-E631C1579871}" presName="Name64" presStyleLbl="parChTrans1D2" presStyleIdx="1" presStyleCnt="2"/>
+      <dgm:spPr/>
+    </dgm:pt>
+    <dgm:pt modelId="{8CA9DF26-7047-49FE-A773-D50BFB76F858}" type="pres">
+      <dgm:prSet presAssocID="{AB7D6793-BFCF-4E79-B966-236E78C62110}" presName="hierRoot2" presStyleCnt="0">
+        <dgm:presLayoutVars>
+          <dgm:hierBranch val="init"/>
+        </dgm:presLayoutVars>
+      </dgm:prSet>
+      <dgm:spPr/>
+    </dgm:pt>
+    <dgm:pt modelId="{8D5BA75B-AE43-4672-8CED-ACB287C8E26B}" type="pres">
+      <dgm:prSet presAssocID="{AB7D6793-BFCF-4E79-B966-236E78C62110}" presName="rootComposite" presStyleCnt="0"/>
+      <dgm:spPr/>
+    </dgm:pt>
+    <dgm:pt modelId="{2F3F22D1-6627-4FB6-A726-9649F37CA58A}" type="pres">
+      <dgm:prSet presAssocID="{AB7D6793-BFCF-4E79-B966-236E78C62110}" presName="rootText" presStyleLbl="node2" presStyleIdx="1" presStyleCnt="2">
+        <dgm:presLayoutVars>
+          <dgm:chPref val="3"/>
+        </dgm:presLayoutVars>
+      </dgm:prSet>
+      <dgm:spPr/>
+    </dgm:pt>
+    <dgm:pt modelId="{249A16B0-E107-40AC-B4BC-C79ABDA34F20}" type="pres">
+      <dgm:prSet presAssocID="{AB7D6793-BFCF-4E79-B966-236E78C62110}" presName="rootConnector" presStyleLbl="node2" presStyleIdx="1" presStyleCnt="2"/>
+      <dgm:spPr/>
+    </dgm:pt>
+    <dgm:pt modelId="{9975AEF1-7B08-48FF-9441-80B6D266E771}" type="pres">
+      <dgm:prSet presAssocID="{AB7D6793-BFCF-4E79-B966-236E78C62110}" presName="hierChild4" presStyleCnt="0"/>
+      <dgm:spPr/>
+    </dgm:pt>
+    <dgm:pt modelId="{D2E7BDF7-814B-479A-B5B3-FDE8378BD28C}" type="pres">
+      <dgm:prSet presAssocID="{AB7D6793-BFCF-4E79-B966-236E78C62110}" presName="hierChild5" presStyleCnt="0"/>
+      <dgm:spPr/>
+    </dgm:pt>
+    <dgm:pt modelId="{BBFA3A17-F3E7-4530-A75C-A890D28D5067}" type="pres">
+      <dgm:prSet presAssocID="{0DBEFCF1-ADD8-422F-A68F-1612D53CD1C1}" presName="hierChild3" presStyleCnt="0"/>
+      <dgm:spPr/>
+    </dgm:pt>
+  </dgm:ptLst>
+  <dgm:cxnLst>
+    <dgm:cxn modelId="{D8580B14-E686-4B84-AFBA-596CA2410EB6}" type="presOf" srcId="{5CCCFB8B-D8A9-4158-A01E-E631C1579871}" destId="{D91456EC-3E29-4888-9B81-FE62BB37CD18}" srcOrd="0" destOrd="0" presId="urn:microsoft.com/office/officeart/2009/3/layout/HorizontalOrganizationChart"/>
+    <dgm:cxn modelId="{168E7B25-7B67-44EC-93F8-24202181B42C}" type="presOf" srcId="{AB7D6793-BFCF-4E79-B966-236E78C62110}" destId="{2F3F22D1-6627-4FB6-A726-9649F37CA58A}" srcOrd="0" destOrd="0" presId="urn:microsoft.com/office/officeart/2009/3/layout/HorizontalOrganizationChart"/>
+    <dgm:cxn modelId="{E0116836-11C0-407E-A00C-CC05957CC381}" type="presOf" srcId="{0DBEFCF1-ADD8-422F-A68F-1612D53CD1C1}" destId="{D818BA0F-373E-44D9-A76F-1C967ED56EAF}" srcOrd="0" destOrd="0" presId="urn:microsoft.com/office/officeart/2009/3/layout/HorizontalOrganizationChart"/>
+    <dgm:cxn modelId="{889A7F3C-ADAA-42D6-8EE8-E87DCBF7A7DE}" type="presOf" srcId="{878A7BC1-C3CC-4E71-8D13-D6337EC8F2A4}" destId="{008A96BD-F15E-4218-93DB-7C44001D1668}" srcOrd="1" destOrd="0" presId="urn:microsoft.com/office/officeart/2009/3/layout/HorizontalOrganizationChart"/>
+    <dgm:cxn modelId="{56CE053E-4372-4BE3-A9F9-B29C17D75214}" type="presOf" srcId="{F217445B-4F70-456A-8B82-BFF0043D7FD0}" destId="{1F7E409E-E748-4D46-91CB-5BB1A5728966}" srcOrd="0" destOrd="0" presId="urn:microsoft.com/office/officeart/2009/3/layout/HorizontalOrganizationChart"/>
+    <dgm:cxn modelId="{5B1D154F-1E09-4984-8FE8-ADA38A15704E}" type="presOf" srcId="{68525FAE-9405-450F-AFD1-525D1BF7FA29}" destId="{54F59169-43B5-430F-9A0C-CCA262E13031}" srcOrd="0" destOrd="0" presId="urn:microsoft.com/office/officeart/2009/3/layout/HorizontalOrganizationChart"/>
+    <dgm:cxn modelId="{44BCF26F-C42B-4543-9500-F2F957E34688}" type="presOf" srcId="{AB7D6793-BFCF-4E79-B966-236E78C62110}" destId="{249A16B0-E107-40AC-B4BC-C79ABDA34F20}" srcOrd="1" destOrd="0" presId="urn:microsoft.com/office/officeart/2009/3/layout/HorizontalOrganizationChart"/>
+    <dgm:cxn modelId="{16271554-E631-4EEB-A28F-2190AA146A1F}" srcId="{3EAAC84E-14AB-4366-A147-9DB3384889BF}" destId="{0DBEFCF1-ADD8-422F-A68F-1612D53CD1C1}" srcOrd="0" destOrd="0" parTransId="{1B36189D-12E9-44B5-8977-16FD47A8D944}" sibTransId="{DC0986E9-6BE5-4B3F-B523-B36195EA5596}"/>
+    <dgm:cxn modelId="{244F6259-5351-42D5-831D-415BEFA5A3AA}" srcId="{0DBEFCF1-ADD8-422F-A68F-1612D53CD1C1}" destId="{AB7D6793-BFCF-4E79-B966-236E78C62110}" srcOrd="1" destOrd="0" parTransId="{5CCCFB8B-D8A9-4158-A01E-E631C1579871}" sibTransId="{6077C2B1-CAFE-414B-B220-59E271FB7218}"/>
+    <dgm:cxn modelId="{766C957B-4DA7-43C3-A2C9-C23E883AED27}" srcId="{68525FAE-9405-450F-AFD1-525D1BF7FA29}" destId="{878A7BC1-C3CC-4E71-8D13-D6337EC8F2A4}" srcOrd="1" destOrd="0" parTransId="{6D143C95-66C0-4460-90DC-904D29903060}" sibTransId="{D0CB050F-E8E4-4DBE-AD07-5AE5DE7A75FD}"/>
+    <dgm:cxn modelId="{4CBD8989-74AF-4361-A3A6-E9343160E58C}" type="presOf" srcId="{6D143C95-66C0-4460-90DC-904D29903060}" destId="{D36D7E2A-E00A-48CF-9B30-4B5617C82FDC}" srcOrd="0" destOrd="0" presId="urn:microsoft.com/office/officeart/2009/3/layout/HorizontalOrganizationChart"/>
+    <dgm:cxn modelId="{17663E99-5F06-4B1E-A3C4-8B205EFE225F}" type="presOf" srcId="{0DBEFCF1-ADD8-422F-A68F-1612D53CD1C1}" destId="{39AD3E86-6D5B-4211-9DC6-F4E681CEECD8}" srcOrd="1" destOrd="0" presId="urn:microsoft.com/office/officeart/2009/3/layout/HorizontalOrganizationChart"/>
+    <dgm:cxn modelId="{AA2DFDA2-AF57-4906-82E6-0D23A20EA69B}" type="presOf" srcId="{0BD8E702-8D2D-4A26-B235-984A67274933}" destId="{DCC2BE8F-0CFA-4CAB-9AB6-803E00A44F63}" srcOrd="0" destOrd="0" presId="urn:microsoft.com/office/officeart/2009/3/layout/HorizontalOrganizationChart"/>
+    <dgm:cxn modelId="{08AEFBB3-C91A-4FA1-A4F9-C6B6A726D45D}" type="presOf" srcId="{BEEFCC0A-D84E-47CC-9F2D-4B6A3E7B19BD}" destId="{C75F6DD9-6844-4F6C-BF15-49A52550E27C}" srcOrd="0" destOrd="0" presId="urn:microsoft.com/office/officeart/2009/3/layout/HorizontalOrganizationChart"/>
+    <dgm:cxn modelId="{300062B5-1921-477C-BE81-697C08191849}" type="presOf" srcId="{3EAAC84E-14AB-4366-A147-9DB3384889BF}" destId="{4DDFB69E-95EF-4C61-96B3-654B0EA771F9}" srcOrd="0" destOrd="0" presId="urn:microsoft.com/office/officeart/2009/3/layout/HorizontalOrganizationChart"/>
+    <dgm:cxn modelId="{77FDBDD4-BBD3-427F-8C0E-00B2F9B3683B}" type="presOf" srcId="{68525FAE-9405-450F-AFD1-525D1BF7FA29}" destId="{2B08A739-58E7-45FA-BE6D-0891B2C260A2}" srcOrd="1" destOrd="0" presId="urn:microsoft.com/office/officeart/2009/3/layout/HorizontalOrganizationChart"/>
+    <dgm:cxn modelId="{F55153D8-43D8-4B48-942C-D92B85FE383B}" srcId="{68525FAE-9405-450F-AFD1-525D1BF7FA29}" destId="{0BD8E702-8D2D-4A26-B235-984A67274933}" srcOrd="0" destOrd="0" parTransId="{F217445B-4F70-456A-8B82-BFF0043D7FD0}" sibTransId="{F5F57A6A-7D97-471D-9B0D-7C03D1DC63DF}"/>
+    <dgm:cxn modelId="{20BFFAEC-1832-41F7-9F9C-64AE9BE23AED}" type="presOf" srcId="{0BD8E702-8D2D-4A26-B235-984A67274933}" destId="{43AD76C0-A71B-4381-B6B6-EACBAB71F94B}" srcOrd="1" destOrd="0" presId="urn:microsoft.com/office/officeart/2009/3/layout/HorizontalOrganizationChart"/>
+    <dgm:cxn modelId="{1BE440EF-7867-4509-ADE1-04553E299983}" type="presOf" srcId="{878A7BC1-C3CC-4E71-8D13-D6337EC8F2A4}" destId="{03AEBCA7-8553-46C5-9D09-0B9A975440FC}" srcOrd="0" destOrd="0" presId="urn:microsoft.com/office/officeart/2009/3/layout/HorizontalOrganizationChart"/>
+    <dgm:cxn modelId="{C96865FA-7458-44CE-BEFF-63F195A5ABCA}" srcId="{0DBEFCF1-ADD8-422F-A68F-1612D53CD1C1}" destId="{68525FAE-9405-450F-AFD1-525D1BF7FA29}" srcOrd="0" destOrd="0" parTransId="{BEEFCC0A-D84E-47CC-9F2D-4B6A3E7B19BD}" sibTransId="{DB82EB6A-39FF-4909-9808-BA0F19D1DFD3}"/>
+    <dgm:cxn modelId="{A65BE7EA-169B-4BFD-BEC5-64CE97E3F485}" type="presParOf" srcId="{4DDFB69E-95EF-4C61-96B3-654B0EA771F9}" destId="{8EB3095E-D211-4716-BD55-8AD2F34ABE5B}" srcOrd="0" destOrd="0" presId="urn:microsoft.com/office/officeart/2009/3/layout/HorizontalOrganizationChart"/>
+    <dgm:cxn modelId="{9A9456FB-6B47-4855-891F-C556E7460127}" type="presParOf" srcId="{8EB3095E-D211-4716-BD55-8AD2F34ABE5B}" destId="{83BE5C32-FBEE-457A-A8D1-C92972F3F57A}" srcOrd="0" destOrd="0" presId="urn:microsoft.com/office/officeart/2009/3/layout/HorizontalOrganizationChart"/>
+    <dgm:cxn modelId="{704DA9C6-A18C-463A-8ED0-D6CB17DEF2D3}" type="presParOf" srcId="{83BE5C32-FBEE-457A-A8D1-C92972F3F57A}" destId="{D818BA0F-373E-44D9-A76F-1C967ED56EAF}" srcOrd="0" destOrd="0" presId="urn:microsoft.com/office/officeart/2009/3/layout/HorizontalOrganizationChart"/>
+    <dgm:cxn modelId="{F09B9A68-9875-430D-9C60-6038505743D8}" type="presParOf" srcId="{83BE5C32-FBEE-457A-A8D1-C92972F3F57A}" destId="{39AD3E86-6D5B-4211-9DC6-F4E681CEECD8}" srcOrd="1" destOrd="0" presId="urn:microsoft.com/office/officeart/2009/3/layout/HorizontalOrganizationChart"/>
+    <dgm:cxn modelId="{463FC8C3-6EC2-4C0B-AC02-B9EF2EF3BED4}" type="presParOf" srcId="{8EB3095E-D211-4716-BD55-8AD2F34ABE5B}" destId="{5CFE2090-2AB7-49F8-A740-29EAC8200555}" srcOrd="1" destOrd="0" presId="urn:microsoft.com/office/officeart/2009/3/layout/HorizontalOrganizationChart"/>
+    <dgm:cxn modelId="{8F231F8C-0F94-44AA-9BFF-155373F05038}" type="presParOf" srcId="{5CFE2090-2AB7-49F8-A740-29EAC8200555}" destId="{C75F6DD9-6844-4F6C-BF15-49A52550E27C}" srcOrd="0" destOrd="0" presId="urn:microsoft.com/office/officeart/2009/3/layout/HorizontalOrganizationChart"/>
+    <dgm:cxn modelId="{AC25CB85-5389-4B99-9295-9D50FC7B27D8}" type="presParOf" srcId="{5CFE2090-2AB7-49F8-A740-29EAC8200555}" destId="{5ED07C85-DE8C-4156-B046-A759367CF5A1}" srcOrd="1" destOrd="0" presId="urn:microsoft.com/office/officeart/2009/3/layout/HorizontalOrganizationChart"/>
+    <dgm:cxn modelId="{533D8D37-E037-4867-8755-DEF675ADE7BE}" type="presParOf" srcId="{5ED07C85-DE8C-4156-B046-A759367CF5A1}" destId="{0790A948-6A51-4133-9441-8A09C481FC9B}" srcOrd="0" destOrd="0" presId="urn:microsoft.com/office/officeart/2009/3/layout/HorizontalOrganizationChart"/>
+    <dgm:cxn modelId="{15E8DBA9-EA27-4EEA-AF72-B1C9386A2354}" type="presParOf" srcId="{0790A948-6A51-4133-9441-8A09C481FC9B}" destId="{54F59169-43B5-430F-9A0C-CCA262E13031}" srcOrd="0" destOrd="0" presId="urn:microsoft.com/office/officeart/2009/3/layout/HorizontalOrganizationChart"/>
+    <dgm:cxn modelId="{623DA9D8-AA5F-4D65-9B8D-429045634B5E}" type="presParOf" srcId="{0790A948-6A51-4133-9441-8A09C481FC9B}" destId="{2B08A739-58E7-45FA-BE6D-0891B2C260A2}" srcOrd="1" destOrd="0" presId="urn:microsoft.com/office/officeart/2009/3/layout/HorizontalOrganizationChart"/>
+    <dgm:cxn modelId="{34C87FEC-43A8-43A3-9EC6-AA337F797584}" type="presParOf" srcId="{5ED07C85-DE8C-4156-B046-A759367CF5A1}" destId="{5706947C-5BD7-4384-96C7-2DB4061BA4C5}" srcOrd="1" destOrd="0" presId="urn:microsoft.com/office/officeart/2009/3/layout/HorizontalOrganizationChart"/>
+    <dgm:cxn modelId="{2BBB6C3B-3673-426C-8A08-F07C84E6B39D}" type="presParOf" srcId="{5706947C-5BD7-4384-96C7-2DB4061BA4C5}" destId="{1F7E409E-E748-4D46-91CB-5BB1A5728966}" srcOrd="0" destOrd="0" presId="urn:microsoft.com/office/officeart/2009/3/layout/HorizontalOrganizationChart"/>
+    <dgm:cxn modelId="{D3942175-E5BA-4782-AB4C-96865AC70139}" type="presParOf" srcId="{5706947C-5BD7-4384-96C7-2DB4061BA4C5}" destId="{70F2E01C-45A4-44D0-B2E7-DDDF977DEEA5}" srcOrd="1" destOrd="0" presId="urn:microsoft.com/office/officeart/2009/3/layout/HorizontalOrganizationChart"/>
+    <dgm:cxn modelId="{40AFABC3-374C-4368-B4F7-385794707C54}" type="presParOf" srcId="{70F2E01C-45A4-44D0-B2E7-DDDF977DEEA5}" destId="{445EF4FF-FE29-4E0D-B23C-0D022E415319}" srcOrd="0" destOrd="0" presId="urn:microsoft.com/office/officeart/2009/3/layout/HorizontalOrganizationChart"/>
+    <dgm:cxn modelId="{49598AE6-EE00-4A99-B08B-B8C99057D054}" type="presParOf" srcId="{445EF4FF-FE29-4E0D-B23C-0D022E415319}" destId="{DCC2BE8F-0CFA-4CAB-9AB6-803E00A44F63}" srcOrd="0" destOrd="0" presId="urn:microsoft.com/office/officeart/2009/3/layout/HorizontalOrganizationChart"/>
+    <dgm:cxn modelId="{212BE614-50CC-42D5-8A38-CBA43DF27274}" type="presParOf" srcId="{445EF4FF-FE29-4E0D-B23C-0D022E415319}" destId="{43AD76C0-A71B-4381-B6B6-EACBAB71F94B}" srcOrd="1" destOrd="0" presId="urn:microsoft.com/office/officeart/2009/3/layout/HorizontalOrganizationChart"/>
+    <dgm:cxn modelId="{54A24C5D-C725-4963-B1E1-B5FE40C3F642}" type="presParOf" srcId="{70F2E01C-45A4-44D0-B2E7-DDDF977DEEA5}" destId="{3BB2E96B-55A4-4C02-BF6D-C6C16C25EECB}" srcOrd="1" destOrd="0" presId="urn:microsoft.com/office/officeart/2009/3/layout/HorizontalOrganizationChart"/>
+    <dgm:cxn modelId="{421CC3AD-5499-4BF1-A946-3B31DB084281}" type="presParOf" srcId="{70F2E01C-45A4-44D0-B2E7-DDDF977DEEA5}" destId="{42823F85-69B8-4BB7-8C24-D18FF2EC97A8}" srcOrd="2" destOrd="0" presId="urn:microsoft.com/office/officeart/2009/3/layout/HorizontalOrganizationChart"/>
+    <dgm:cxn modelId="{E4DB7045-7DB8-4653-8317-8D76BE00F7EC}" type="presParOf" srcId="{5706947C-5BD7-4384-96C7-2DB4061BA4C5}" destId="{D36D7E2A-E00A-48CF-9B30-4B5617C82FDC}" srcOrd="2" destOrd="0" presId="urn:microsoft.com/office/officeart/2009/3/layout/HorizontalOrganizationChart"/>
+    <dgm:cxn modelId="{50B59500-4028-422A-8A27-DDCFDD7EC15E}" type="presParOf" srcId="{5706947C-5BD7-4384-96C7-2DB4061BA4C5}" destId="{9FE83573-CEC4-4DDA-92DD-C5BA58C1CEF9}" srcOrd="3" destOrd="0" presId="urn:microsoft.com/office/officeart/2009/3/layout/HorizontalOrganizationChart"/>
+    <dgm:cxn modelId="{89A2A7A6-AB30-4D4A-8774-CC5C8BE296DD}" type="presParOf" srcId="{9FE83573-CEC4-4DDA-92DD-C5BA58C1CEF9}" destId="{8147EB47-8687-42F3-970D-5066361ED2CD}" srcOrd="0" destOrd="0" presId="urn:microsoft.com/office/officeart/2009/3/layout/HorizontalOrganizationChart"/>
+    <dgm:cxn modelId="{3358F4D3-9DFB-4996-9E6F-100F210C0C32}" type="presParOf" srcId="{8147EB47-8687-42F3-970D-5066361ED2CD}" destId="{03AEBCA7-8553-46C5-9D09-0B9A975440FC}" srcOrd="0" destOrd="0" presId="urn:microsoft.com/office/officeart/2009/3/layout/HorizontalOrganizationChart"/>
+    <dgm:cxn modelId="{42B5F9FD-86B7-461E-BBF3-8DC40EC8FDA0}" type="presParOf" srcId="{8147EB47-8687-42F3-970D-5066361ED2CD}" destId="{008A96BD-F15E-4218-93DB-7C44001D1668}" srcOrd="1" destOrd="0" presId="urn:microsoft.com/office/officeart/2009/3/layout/HorizontalOrganizationChart"/>
+    <dgm:cxn modelId="{C382D2DB-B398-457F-BF46-0C5DFEC94AFA}" type="presParOf" srcId="{9FE83573-CEC4-4DDA-92DD-C5BA58C1CEF9}" destId="{64849954-E06F-419B-BD42-5FC87659F920}" srcOrd="1" destOrd="0" presId="urn:microsoft.com/office/officeart/2009/3/layout/HorizontalOrganizationChart"/>
+    <dgm:cxn modelId="{F6EE2467-E7FE-4E8E-BD7E-29B0DE199D48}" type="presParOf" srcId="{9FE83573-CEC4-4DDA-92DD-C5BA58C1CEF9}" destId="{B9C57585-0E0D-4564-A344-E551B4EDBC4E}" srcOrd="2" destOrd="0" presId="urn:microsoft.com/office/officeart/2009/3/layout/HorizontalOrganizationChart"/>
+    <dgm:cxn modelId="{01C1D668-63A2-4569-8C30-99A98AD8388A}" type="presParOf" srcId="{5ED07C85-DE8C-4156-B046-A759367CF5A1}" destId="{0A721D9B-6E2C-49F0-AD07-FB317C0D62B2}" srcOrd="2" destOrd="0" presId="urn:microsoft.com/office/officeart/2009/3/layout/HorizontalOrganizationChart"/>
+    <dgm:cxn modelId="{C86D3CFB-1AD4-49F5-BF82-591C62670D62}" type="presParOf" srcId="{5CFE2090-2AB7-49F8-A740-29EAC8200555}" destId="{D91456EC-3E29-4888-9B81-FE62BB37CD18}" srcOrd="2" destOrd="0" presId="urn:microsoft.com/office/officeart/2009/3/layout/HorizontalOrganizationChart"/>
+    <dgm:cxn modelId="{7349C375-EBFE-4AD4-B4DA-F26CF17E9664}" type="presParOf" srcId="{5CFE2090-2AB7-49F8-A740-29EAC8200555}" destId="{8CA9DF26-7047-49FE-A773-D50BFB76F858}" srcOrd="3" destOrd="0" presId="urn:microsoft.com/office/officeart/2009/3/layout/HorizontalOrganizationChart"/>
+    <dgm:cxn modelId="{8483603B-DE8C-4B97-8FBB-863C845BE487}" type="presParOf" srcId="{8CA9DF26-7047-49FE-A773-D50BFB76F858}" destId="{8D5BA75B-AE43-4672-8CED-ACB287C8E26B}" srcOrd="0" destOrd="0" presId="urn:microsoft.com/office/officeart/2009/3/layout/HorizontalOrganizationChart"/>
+    <dgm:cxn modelId="{E9159C54-A97B-43BC-9351-B534FF54D40D}" type="presParOf" srcId="{8D5BA75B-AE43-4672-8CED-ACB287C8E26B}" destId="{2F3F22D1-6627-4FB6-A726-9649F37CA58A}" srcOrd="0" destOrd="0" presId="urn:microsoft.com/office/officeart/2009/3/layout/HorizontalOrganizationChart"/>
+    <dgm:cxn modelId="{E1A2C0F1-57E2-48A6-8FC1-B4B50D42BA24}" type="presParOf" srcId="{8D5BA75B-AE43-4672-8CED-ACB287C8E26B}" destId="{249A16B0-E107-40AC-B4BC-C79ABDA34F20}" srcOrd="1" destOrd="0" presId="urn:microsoft.com/office/officeart/2009/3/layout/HorizontalOrganizationChart"/>
+    <dgm:cxn modelId="{ED8C8760-9D8B-4331-B5A2-C2A3A3C84937}" type="presParOf" srcId="{8CA9DF26-7047-49FE-A773-D50BFB76F858}" destId="{9975AEF1-7B08-48FF-9441-80B6D266E771}" srcOrd="1" destOrd="0" presId="urn:microsoft.com/office/officeart/2009/3/layout/HorizontalOrganizationChart"/>
+    <dgm:cxn modelId="{E21A4711-A229-4EF2-ADCE-2FAB9148C520}" type="presParOf" srcId="{8CA9DF26-7047-49FE-A773-D50BFB76F858}" destId="{D2E7BDF7-814B-479A-B5B3-FDE8378BD28C}" srcOrd="2" destOrd="0" presId="urn:microsoft.com/office/officeart/2009/3/layout/HorizontalOrganizationChart"/>
+    <dgm:cxn modelId="{45CF7F45-825D-4B52-886B-EF5C96B928AE}" type="presParOf" srcId="{8EB3095E-D211-4716-BD55-8AD2F34ABE5B}" destId="{BBFA3A17-F3E7-4530-A75C-A890D28D5067}" srcOrd="2" destOrd="0" presId="urn:microsoft.com/office/officeart/2009/3/layout/HorizontalOrganizationChart"/>
+  </dgm:cxnLst>
+  <dgm:bg/>
+  <dgm:whole/>
+  <dgm:extLst>
+    <a:ext uri="http://schemas.microsoft.com/office/drawing/2008/diagram">
+      <dsp:dataModelExt xmlns:dsp="http://schemas.microsoft.com/office/drawing/2008/diagram" relId="rId6" minVer="http://schemas.openxmlformats.org/drawingml/2006/diagram"/>
+    </a:ext>
+  </dgm:extLst>
+</dgm:dataModel>
+</file>
+
+<file path=ppt/diagrams/drawing1.xml><?xml version="1.0" encoding="utf-8"?>
+<dsp:drawing xmlns:dgm="http://schemas.openxmlformats.org/drawingml/2006/diagram" xmlns:dsp="http://schemas.microsoft.com/office/drawing/2008/diagram" xmlns:a="http://schemas.openxmlformats.org/drawingml/2006/main">
+  <dsp:spTree>
+    <dsp:nvGrpSpPr>
+      <dsp:cNvPr id="0" name=""/>
+      <dsp:cNvGrpSpPr/>
+    </dsp:nvGrpSpPr>
+    <dsp:grpSpPr/>
+    <dsp:sp modelId="{D91456EC-3E29-4888-9B81-FE62BB37CD18}">
+      <dsp:nvSpPr>
+        <dsp:cNvPr id="0" name=""/>
+        <dsp:cNvSpPr/>
+      </dsp:nvSpPr>
+      <dsp:spPr>
+        <a:xfrm>
+          <a:off x="3094541" y="2507883"/>
+          <a:ext cx="618073" cy="664429"/>
+        </a:xfrm>
+        <a:custGeom>
+          <a:avLst/>
+          <a:gdLst/>
+          <a:ahLst/>
+          <a:cxnLst/>
+          <a:rect l="0" t="0" r="0" b="0"/>
+          <a:pathLst>
+            <a:path>
+              <a:moveTo>
+                <a:pt x="0" y="0"/>
+              </a:moveTo>
+              <a:lnTo>
+                <a:pt x="309036" y="0"/>
+              </a:lnTo>
+              <a:lnTo>
+                <a:pt x="309036" y="664429"/>
+              </a:lnTo>
+              <a:lnTo>
+                <a:pt x="618073" y="664429"/>
+              </a:lnTo>
+            </a:path>
+          </a:pathLst>
+        </a:custGeom>
+        <a:noFill/>
+        <a:ln w="19050" cap="flat" cmpd="sng" algn="ctr">
+          <a:solidFill>
+            <a:schemeClr val="accent1">
+              <a:shade val="60000"/>
+              <a:hueOff val="0"/>
+              <a:satOff val="0"/>
+              <a:lumOff val="0"/>
+              <a:alphaOff val="0"/>
+            </a:schemeClr>
+          </a:solidFill>
+          <a:prstDash val="solid"/>
+          <a:miter lim="800000"/>
+        </a:ln>
+        <a:effectLst/>
+      </dsp:spPr>
+      <dsp:style>
+        <a:lnRef idx="2">
+          <a:scrgbClr r="0" g="0" b="0"/>
+        </a:lnRef>
+        <a:fillRef idx="0">
+          <a:scrgbClr r="0" g="0" b="0"/>
+        </a:fillRef>
+        <a:effectRef idx="0">
+          <a:scrgbClr r="0" g="0" b="0"/>
+        </a:effectRef>
+        <a:fontRef idx="minor"/>
+      </dsp:style>
+    </dsp:sp>
+    <dsp:sp modelId="{D36D7E2A-E00A-48CF-9B30-4B5617C82FDC}">
+      <dsp:nvSpPr>
+        <dsp:cNvPr id="0" name=""/>
+        <dsp:cNvSpPr/>
+      </dsp:nvSpPr>
+      <dsp:spPr>
+        <a:xfrm>
+          <a:off x="6802984" y="1843454"/>
+          <a:ext cx="618073" cy="664429"/>
+        </a:xfrm>
+        <a:custGeom>
+          <a:avLst/>
+          <a:gdLst/>
+          <a:ahLst/>
+          <a:cxnLst/>
+          <a:rect l="0" t="0" r="0" b="0"/>
+          <a:pathLst>
+            <a:path>
+              <a:moveTo>
+                <a:pt x="0" y="0"/>
+              </a:moveTo>
+              <a:lnTo>
+                <a:pt x="309036" y="0"/>
+              </a:lnTo>
+              <a:lnTo>
+                <a:pt x="309036" y="664429"/>
+              </a:lnTo>
+              <a:lnTo>
+                <a:pt x="618073" y="664429"/>
+              </a:lnTo>
+            </a:path>
+          </a:pathLst>
+        </a:custGeom>
+        <a:noFill/>
+        <a:ln w="19050" cap="flat" cmpd="sng" algn="ctr">
+          <a:solidFill>
+            <a:schemeClr val="accent1">
+              <a:shade val="80000"/>
+              <a:hueOff val="0"/>
+              <a:satOff val="0"/>
+              <a:lumOff val="0"/>
+              <a:alphaOff val="0"/>
+            </a:schemeClr>
+          </a:solidFill>
+          <a:prstDash val="solid"/>
+          <a:miter lim="800000"/>
+        </a:ln>
+        <a:effectLst/>
+      </dsp:spPr>
+      <dsp:style>
+        <a:lnRef idx="2">
+          <a:scrgbClr r="0" g="0" b="0"/>
+        </a:lnRef>
+        <a:fillRef idx="0">
+          <a:scrgbClr r="0" g="0" b="0"/>
+        </a:fillRef>
+        <a:effectRef idx="0">
+          <a:scrgbClr r="0" g="0" b="0"/>
+        </a:effectRef>
+        <a:fontRef idx="minor"/>
+      </dsp:style>
+    </dsp:sp>
+    <dsp:sp modelId="{1F7E409E-E748-4D46-91CB-5BB1A5728966}">
+      <dsp:nvSpPr>
+        <dsp:cNvPr id="0" name=""/>
+        <dsp:cNvSpPr/>
+      </dsp:nvSpPr>
+      <dsp:spPr>
+        <a:xfrm>
+          <a:off x="6802984" y="1179024"/>
+          <a:ext cx="618073" cy="664429"/>
+        </a:xfrm>
+        <a:custGeom>
+          <a:avLst/>
+          <a:gdLst/>
+          <a:ahLst/>
+          <a:cxnLst/>
+          <a:rect l="0" t="0" r="0" b="0"/>
+          <a:pathLst>
+            <a:path>
+              <a:moveTo>
+                <a:pt x="0" y="664429"/>
+              </a:moveTo>
+              <a:lnTo>
+                <a:pt x="309036" y="664429"/>
+              </a:lnTo>
+              <a:lnTo>
+                <a:pt x="309036" y="0"/>
+              </a:lnTo>
+              <a:lnTo>
+                <a:pt x="618073" y="0"/>
+              </a:lnTo>
+            </a:path>
+          </a:pathLst>
+        </a:custGeom>
+        <a:noFill/>
+        <a:ln w="19050" cap="flat" cmpd="sng" algn="ctr">
+          <a:solidFill>
+            <a:schemeClr val="accent1">
+              <a:shade val="80000"/>
+              <a:hueOff val="0"/>
+              <a:satOff val="0"/>
+              <a:lumOff val="0"/>
+              <a:alphaOff val="0"/>
+            </a:schemeClr>
+          </a:solidFill>
+          <a:prstDash val="solid"/>
+          <a:miter lim="800000"/>
+        </a:ln>
+        <a:effectLst/>
+      </dsp:spPr>
+      <dsp:style>
+        <a:lnRef idx="2">
+          <a:scrgbClr r="0" g="0" b="0"/>
+        </a:lnRef>
+        <a:fillRef idx="0">
+          <a:scrgbClr r="0" g="0" b="0"/>
+        </a:fillRef>
+        <a:effectRef idx="0">
+          <a:scrgbClr r="0" g="0" b="0"/>
+        </a:effectRef>
+        <a:fontRef idx="minor"/>
+      </dsp:style>
+    </dsp:sp>
+    <dsp:sp modelId="{C75F6DD9-6844-4F6C-BF15-49A52550E27C}">
+      <dsp:nvSpPr>
+        <dsp:cNvPr id="0" name=""/>
+        <dsp:cNvSpPr/>
+      </dsp:nvSpPr>
+      <dsp:spPr>
+        <a:xfrm>
+          <a:off x="3094541" y="1843454"/>
+          <a:ext cx="618073" cy="664429"/>
+        </a:xfrm>
+        <a:custGeom>
+          <a:avLst/>
+          <a:gdLst/>
+          <a:ahLst/>
+          <a:cxnLst/>
+          <a:rect l="0" t="0" r="0" b="0"/>
+          <a:pathLst>
+            <a:path>
+              <a:moveTo>
+                <a:pt x="0" y="664429"/>
+              </a:moveTo>
+              <a:lnTo>
+                <a:pt x="309036" y="664429"/>
+              </a:lnTo>
+              <a:lnTo>
+                <a:pt x="309036" y="0"/>
+              </a:lnTo>
+              <a:lnTo>
+                <a:pt x="618073" y="0"/>
+              </a:lnTo>
+            </a:path>
+          </a:pathLst>
+        </a:custGeom>
+        <a:noFill/>
+        <a:ln w="19050" cap="flat" cmpd="sng" algn="ctr">
+          <a:solidFill>
+            <a:schemeClr val="accent1">
+              <a:shade val="60000"/>
+              <a:hueOff val="0"/>
+              <a:satOff val="0"/>
+              <a:lumOff val="0"/>
+              <a:alphaOff val="0"/>
+            </a:schemeClr>
+          </a:solidFill>
+          <a:prstDash val="solid"/>
+          <a:miter lim="800000"/>
+        </a:ln>
+        <a:effectLst/>
+      </dsp:spPr>
+      <dsp:style>
+        <a:lnRef idx="2">
+          <a:scrgbClr r="0" g="0" b="0"/>
+        </a:lnRef>
+        <a:fillRef idx="0">
+          <a:scrgbClr r="0" g="0" b="0"/>
+        </a:fillRef>
+        <a:effectRef idx="0">
+          <a:scrgbClr r="0" g="0" b="0"/>
+        </a:effectRef>
+        <a:fontRef idx="minor"/>
+      </dsp:style>
+    </dsp:sp>
+    <dsp:sp modelId="{D818BA0F-373E-44D9-A76F-1C967ED56EAF}">
+      <dsp:nvSpPr>
+        <dsp:cNvPr id="0" name=""/>
+        <dsp:cNvSpPr/>
+      </dsp:nvSpPr>
+      <dsp:spPr>
+        <a:xfrm>
+          <a:off x="4171" y="2036602"/>
+          <a:ext cx="3090369" cy="942562"/>
+        </a:xfrm>
+        <a:prstGeom prst="rect">
+          <a:avLst/>
+        </a:prstGeom>
+        <a:solidFill>
+          <a:schemeClr val="accent1">
+            <a:hueOff val="0"/>
+            <a:satOff val="0"/>
+            <a:lumOff val="0"/>
+            <a:alphaOff val="0"/>
+          </a:schemeClr>
+        </a:solidFill>
+        <a:ln w="19050" cap="flat" cmpd="sng" algn="ctr">
+          <a:solidFill>
+            <a:schemeClr val="lt1">
+              <a:hueOff val="0"/>
+              <a:satOff val="0"/>
+              <a:lumOff val="0"/>
+              <a:alphaOff val="0"/>
+            </a:schemeClr>
+          </a:solidFill>
+          <a:prstDash val="solid"/>
+          <a:miter lim="800000"/>
+        </a:ln>
+        <a:effectLst/>
+      </dsp:spPr>
+      <dsp:style>
+        <a:lnRef idx="2">
+          <a:scrgbClr r="0" g="0" b="0"/>
+        </a:lnRef>
+        <a:fillRef idx="1">
+          <a:scrgbClr r="0" g="0" b="0"/>
+        </a:fillRef>
+        <a:effectRef idx="0">
+          <a:scrgbClr r="0" g="0" b="0"/>
+        </a:effectRef>
+        <a:fontRef idx="minor">
+          <a:schemeClr val="lt1"/>
+        </a:fontRef>
+      </dsp:style>
+      <dsp:txBody>
+        <a:bodyPr spcFirstLastPara="0" vert="horz" wrap="square" lIns="36195" tIns="36195" rIns="36195" bIns="36195" numCol="1" spcCol="1270" anchor="ctr" anchorCtr="0">
+          <a:noAutofit/>
+        </a:bodyPr>
+        <a:lstStyle/>
+        <a:p>
+          <a:pPr marL="0" lvl="0" indent="0" algn="ctr" defTabSz="2533650">
+            <a:lnSpc>
+              <a:spcPct val="90000"/>
+            </a:lnSpc>
+            <a:spcBef>
+              <a:spcPct val="0"/>
+            </a:spcBef>
+            <a:spcAft>
+              <a:spcPct val="35000"/>
+            </a:spcAft>
+            <a:buNone/>
+          </a:pPr>
+          <a:r>
+            <a:rPr lang="fr-FR" sz="5700" kern="1200" dirty="0"/>
+            <a:t>Atome</a:t>
+          </a:r>
+        </a:p>
+      </dsp:txBody>
+      <dsp:txXfrm>
+        <a:off x="4171" y="2036602"/>
+        <a:ext cx="3090369" cy="942562"/>
+      </dsp:txXfrm>
+    </dsp:sp>
+    <dsp:sp modelId="{54F59169-43B5-430F-9A0C-CCA262E13031}">
+      <dsp:nvSpPr>
+        <dsp:cNvPr id="0" name=""/>
+        <dsp:cNvSpPr/>
+      </dsp:nvSpPr>
+      <dsp:spPr>
+        <a:xfrm>
+          <a:off x="3712615" y="1372172"/>
+          <a:ext cx="3090369" cy="942562"/>
+        </a:xfrm>
+        <a:prstGeom prst="rect">
+          <a:avLst/>
+        </a:prstGeom>
+        <a:solidFill>
+          <a:schemeClr val="accent1">
+            <a:hueOff val="0"/>
+            <a:satOff val="0"/>
+            <a:lumOff val="0"/>
+            <a:alphaOff val="0"/>
+          </a:schemeClr>
+        </a:solidFill>
+        <a:ln w="19050" cap="flat" cmpd="sng" algn="ctr">
+          <a:solidFill>
+            <a:schemeClr val="lt1">
+              <a:hueOff val="0"/>
+              <a:satOff val="0"/>
+              <a:lumOff val="0"/>
+              <a:alphaOff val="0"/>
+            </a:schemeClr>
+          </a:solidFill>
+          <a:prstDash val="solid"/>
+          <a:miter lim="800000"/>
+        </a:ln>
+        <a:effectLst/>
+      </dsp:spPr>
+      <dsp:style>
+        <a:lnRef idx="2">
+          <a:scrgbClr r="0" g="0" b="0"/>
+        </a:lnRef>
+        <a:fillRef idx="1">
+          <a:scrgbClr r="0" g="0" b="0"/>
+        </a:fillRef>
+        <a:effectRef idx="0">
+          <a:scrgbClr r="0" g="0" b="0"/>
+        </a:effectRef>
+        <a:fontRef idx="minor">
+          <a:schemeClr val="lt1"/>
+        </a:fontRef>
+      </dsp:style>
+      <dsp:txBody>
+        <a:bodyPr spcFirstLastPara="0" vert="horz" wrap="square" lIns="36195" tIns="36195" rIns="36195" bIns="36195" numCol="1" spcCol="1270" anchor="ctr" anchorCtr="0">
+          <a:noAutofit/>
+        </a:bodyPr>
+        <a:lstStyle/>
+        <a:p>
+          <a:pPr marL="0" lvl="0" indent="0" algn="ctr" defTabSz="2533650">
+            <a:lnSpc>
+              <a:spcPct val="90000"/>
+            </a:lnSpc>
+            <a:spcBef>
+              <a:spcPct val="0"/>
+            </a:spcBef>
+            <a:spcAft>
+              <a:spcPct val="35000"/>
+            </a:spcAft>
+            <a:buNone/>
+          </a:pPr>
+          <a:r>
+            <a:rPr lang="fr-FR" sz="5700" kern="1200" dirty="0"/>
+            <a:t>Nucléons </a:t>
+          </a:r>
+        </a:p>
+      </dsp:txBody>
+      <dsp:txXfrm>
+        <a:off x="3712615" y="1372172"/>
+        <a:ext cx="3090369" cy="942562"/>
+      </dsp:txXfrm>
+    </dsp:sp>
+    <dsp:sp modelId="{DCC2BE8F-0CFA-4CAB-9AB6-803E00A44F63}">
+      <dsp:nvSpPr>
+        <dsp:cNvPr id="0" name=""/>
+        <dsp:cNvSpPr/>
+      </dsp:nvSpPr>
+      <dsp:spPr>
+        <a:xfrm>
+          <a:off x="7421058" y="707743"/>
+          <a:ext cx="3090369" cy="942562"/>
+        </a:xfrm>
+        <a:prstGeom prst="rect">
+          <a:avLst/>
+        </a:prstGeom>
+        <a:solidFill>
+          <a:schemeClr val="accent1">
+            <a:hueOff val="0"/>
+            <a:satOff val="0"/>
+            <a:lumOff val="0"/>
+            <a:alphaOff val="0"/>
+          </a:schemeClr>
+        </a:solidFill>
+        <a:ln w="19050" cap="flat" cmpd="sng" algn="ctr">
+          <a:solidFill>
+            <a:schemeClr val="lt1">
+              <a:hueOff val="0"/>
+              <a:satOff val="0"/>
+              <a:lumOff val="0"/>
+              <a:alphaOff val="0"/>
+            </a:schemeClr>
+          </a:solidFill>
+          <a:prstDash val="solid"/>
+          <a:miter lim="800000"/>
+        </a:ln>
+        <a:effectLst/>
+      </dsp:spPr>
+      <dsp:style>
+        <a:lnRef idx="2">
+          <a:scrgbClr r="0" g="0" b="0"/>
+        </a:lnRef>
+        <a:fillRef idx="1">
+          <a:scrgbClr r="0" g="0" b="0"/>
+        </a:fillRef>
+        <a:effectRef idx="0">
+          <a:scrgbClr r="0" g="0" b="0"/>
+        </a:effectRef>
+        <a:fontRef idx="minor">
+          <a:schemeClr val="lt1"/>
+        </a:fontRef>
+      </dsp:style>
+      <dsp:txBody>
+        <a:bodyPr spcFirstLastPara="0" vert="horz" wrap="square" lIns="36195" tIns="36195" rIns="36195" bIns="36195" numCol="1" spcCol="1270" anchor="ctr" anchorCtr="0">
+          <a:noAutofit/>
+        </a:bodyPr>
+        <a:lstStyle/>
+        <a:p>
+          <a:pPr marL="0" lvl="0" indent="0" algn="ctr" defTabSz="2533650">
+            <a:lnSpc>
+              <a:spcPct val="90000"/>
+            </a:lnSpc>
+            <a:spcBef>
+              <a:spcPct val="0"/>
+            </a:spcBef>
+            <a:spcAft>
+              <a:spcPct val="35000"/>
+            </a:spcAft>
+            <a:buNone/>
+          </a:pPr>
+          <a:r>
+            <a:rPr lang="fr-FR" sz="5700" kern="1200" dirty="0"/>
+            <a:t>Protons </a:t>
+          </a:r>
+        </a:p>
+      </dsp:txBody>
+      <dsp:txXfrm>
+        <a:off x="7421058" y="707743"/>
+        <a:ext cx="3090369" cy="942562"/>
+      </dsp:txXfrm>
+    </dsp:sp>
+    <dsp:sp modelId="{03AEBCA7-8553-46C5-9D09-0B9A975440FC}">
+      <dsp:nvSpPr>
+        <dsp:cNvPr id="0" name=""/>
+        <dsp:cNvSpPr/>
+      </dsp:nvSpPr>
+      <dsp:spPr>
+        <a:xfrm>
+          <a:off x="7421058" y="2036602"/>
+          <a:ext cx="3090369" cy="942562"/>
+        </a:xfrm>
+        <a:prstGeom prst="rect">
+          <a:avLst/>
+        </a:prstGeom>
+        <a:solidFill>
+          <a:schemeClr val="accent1">
+            <a:hueOff val="0"/>
+            <a:satOff val="0"/>
+            <a:lumOff val="0"/>
+            <a:alphaOff val="0"/>
+          </a:schemeClr>
+        </a:solidFill>
+        <a:ln w="19050" cap="flat" cmpd="sng" algn="ctr">
+          <a:solidFill>
+            <a:schemeClr val="lt1">
+              <a:hueOff val="0"/>
+              <a:satOff val="0"/>
+              <a:lumOff val="0"/>
+              <a:alphaOff val="0"/>
+            </a:schemeClr>
+          </a:solidFill>
+          <a:prstDash val="solid"/>
+          <a:miter lim="800000"/>
+        </a:ln>
+        <a:effectLst/>
+      </dsp:spPr>
+      <dsp:style>
+        <a:lnRef idx="2">
+          <a:scrgbClr r="0" g="0" b="0"/>
+        </a:lnRef>
+        <a:fillRef idx="1">
+          <a:scrgbClr r="0" g="0" b="0"/>
+        </a:fillRef>
+        <a:effectRef idx="0">
+          <a:scrgbClr r="0" g="0" b="0"/>
+        </a:effectRef>
+        <a:fontRef idx="minor">
+          <a:schemeClr val="lt1"/>
+        </a:fontRef>
+      </dsp:style>
+      <dsp:txBody>
+        <a:bodyPr spcFirstLastPara="0" vert="horz" wrap="square" lIns="36195" tIns="36195" rIns="36195" bIns="36195" numCol="1" spcCol="1270" anchor="ctr" anchorCtr="0">
+          <a:noAutofit/>
+        </a:bodyPr>
+        <a:lstStyle/>
+        <a:p>
+          <a:pPr marL="0" lvl="0" indent="0" algn="ctr" defTabSz="2533650">
+            <a:lnSpc>
+              <a:spcPct val="90000"/>
+            </a:lnSpc>
+            <a:spcBef>
+              <a:spcPct val="0"/>
+            </a:spcBef>
+            <a:spcAft>
+              <a:spcPct val="35000"/>
+            </a:spcAft>
+            <a:buNone/>
+          </a:pPr>
+          <a:r>
+            <a:rPr lang="fr-FR" sz="5700" kern="1200" dirty="0"/>
+            <a:t>Neutrons </a:t>
+          </a:r>
+        </a:p>
+      </dsp:txBody>
+      <dsp:txXfrm>
+        <a:off x="7421058" y="2036602"/>
+        <a:ext cx="3090369" cy="942562"/>
+      </dsp:txXfrm>
+    </dsp:sp>
+    <dsp:sp modelId="{2F3F22D1-6627-4FB6-A726-9649F37CA58A}">
+      <dsp:nvSpPr>
+        <dsp:cNvPr id="0" name=""/>
+        <dsp:cNvSpPr/>
+      </dsp:nvSpPr>
+      <dsp:spPr>
+        <a:xfrm>
+          <a:off x="3712615" y="2701031"/>
+          <a:ext cx="3090369" cy="942562"/>
+        </a:xfrm>
+        <a:prstGeom prst="rect">
+          <a:avLst/>
+        </a:prstGeom>
+        <a:solidFill>
+          <a:schemeClr val="accent1">
+            <a:hueOff val="0"/>
+            <a:satOff val="0"/>
+            <a:lumOff val="0"/>
+            <a:alphaOff val="0"/>
+          </a:schemeClr>
+        </a:solidFill>
+        <a:ln w="19050" cap="flat" cmpd="sng" algn="ctr">
+          <a:solidFill>
+            <a:schemeClr val="lt1">
+              <a:hueOff val="0"/>
+              <a:satOff val="0"/>
+              <a:lumOff val="0"/>
+              <a:alphaOff val="0"/>
+            </a:schemeClr>
+          </a:solidFill>
+          <a:prstDash val="solid"/>
+          <a:miter lim="800000"/>
+        </a:ln>
+        <a:effectLst/>
+      </dsp:spPr>
+      <dsp:style>
+        <a:lnRef idx="2">
+          <a:scrgbClr r="0" g="0" b="0"/>
+        </a:lnRef>
+        <a:fillRef idx="1">
+          <a:scrgbClr r="0" g="0" b="0"/>
+        </a:fillRef>
+        <a:effectRef idx="0">
+          <a:scrgbClr r="0" g="0" b="0"/>
+        </a:effectRef>
+        <a:fontRef idx="minor">
+          <a:schemeClr val="lt1"/>
+        </a:fontRef>
+      </dsp:style>
+      <dsp:txBody>
+        <a:bodyPr spcFirstLastPara="0" vert="horz" wrap="square" lIns="36195" tIns="36195" rIns="36195" bIns="36195" numCol="1" spcCol="1270" anchor="ctr" anchorCtr="0">
+          <a:noAutofit/>
+        </a:bodyPr>
+        <a:lstStyle/>
+        <a:p>
+          <a:pPr marL="0" lvl="0" indent="0" algn="ctr" defTabSz="2533650">
+            <a:lnSpc>
+              <a:spcPct val="90000"/>
+            </a:lnSpc>
+            <a:spcBef>
+              <a:spcPct val="0"/>
+            </a:spcBef>
+            <a:spcAft>
+              <a:spcPct val="35000"/>
+            </a:spcAft>
+            <a:buNone/>
+          </a:pPr>
+          <a:r>
+            <a:rPr lang="fr-FR" sz="5700" kern="1200" dirty="0"/>
+            <a:t>Électrons </a:t>
+          </a:r>
+        </a:p>
+      </dsp:txBody>
+      <dsp:txXfrm>
+        <a:off x="3712615" y="2701031"/>
+        <a:ext cx="3090369" cy="942562"/>
+      </dsp:txXfrm>
+    </dsp:sp>
+  </dsp:spTree>
+</dsp:drawing>
+</file>
+
+<file path=ppt/diagrams/layout1.xml><?xml version="1.0" encoding="utf-8"?>
+<dgm:layoutDef xmlns:dgm="http://schemas.openxmlformats.org/drawingml/2006/diagram" xmlns:a="http://schemas.openxmlformats.org/drawingml/2006/main" uniqueId="urn:microsoft.com/office/officeart/2009/3/layout/HorizontalOrganizationChart">
+  <dgm:title val=""/>
+  <dgm:desc val=""/>
+  <dgm:catLst>
+    <dgm:cat type="hierarchy" pri="4300"/>
+  </dgm:catLst>
+  <dgm:sampData>
+    <dgm:dataModel>
+      <dgm:ptLst>
+        <dgm:pt modelId="0" type="doc"/>
+        <dgm:pt modelId="1">
+          <dgm:prSet phldr="1"/>
+        </dgm:pt>
+        <dgm:pt modelId="2" type="asst">
+          <dgm:prSet phldr="1"/>
+        </dgm:pt>
+        <dgm:pt modelId="3">
+          <dgm:prSet phldr="1"/>
+        </dgm:pt>
+        <dgm:pt modelId="4">
+          <dgm:prSet phldr="1"/>
+        </dgm:pt>
+        <dgm:pt modelId="5">
+          <dgm:prSet phldr="1"/>
+        </dgm:pt>
+      </dgm:ptLst>
+      <dgm:cxnLst>
+        <dgm:cxn modelId="5" srcId="0" destId="1" srcOrd="0" destOrd="0"/>
+        <dgm:cxn modelId="6" srcId="1" destId="2" srcOrd="0" destOrd="0"/>
+        <dgm:cxn modelId="7" srcId="1" destId="3" srcOrd="1" destOrd="0"/>
+        <dgm:cxn modelId="8" srcId="1" destId="4" srcOrd="2" destOrd="0"/>
+        <dgm:cxn modelId="9" srcId="1" destId="5" srcOrd="3" destOrd="0"/>
+      </dgm:cxnLst>
+      <dgm:bg/>
+      <dgm:whole/>
+    </dgm:dataModel>
+  </dgm:sampData>
+  <dgm:styleData>
+    <dgm:dataModel>
+      <dgm:ptLst>
+        <dgm:pt modelId="0" type="doc"/>
+        <dgm:pt modelId="1"/>
+        <dgm:pt modelId="12"/>
+        <dgm:pt modelId="13"/>
+      </dgm:ptLst>
+      <dgm:cxnLst>
+        <dgm:cxn modelId="2" srcId="0" destId="1" srcOrd="0" destOrd="0"/>
+        <dgm:cxn modelId="16" srcId="1" destId="12" srcOrd="1" destOrd="0"/>
+        <dgm:cxn modelId="17" srcId="1" destId="13" srcOrd="2" destOrd="0"/>
+      </dgm:cxnLst>
+      <dgm:bg/>
+      <dgm:whole/>
+    </dgm:dataModel>
+  </dgm:styleData>
+  <dgm:clrData>
+    <dgm:dataModel>
+      <dgm:ptLst>
+        <dgm:pt modelId="0" type="doc"/>
+        <dgm:pt modelId="1"/>
+        <dgm:pt modelId="11" type="asst"/>
+        <dgm:pt modelId="12"/>
+        <dgm:pt modelId="13"/>
+        <dgm:pt modelId="14"/>
+      </dgm:ptLst>
+      <dgm:cxnLst>
+        <dgm:cxn modelId="2" srcId="0" destId="1" srcOrd="0" destOrd="0"/>
+        <dgm:cxn modelId="15" srcId="1" destId="11" srcOrd="0" destOrd="0"/>
+        <dgm:cxn modelId="16" srcId="1" destId="12" srcOrd="1" destOrd="0"/>
+        <dgm:cxn modelId="17" srcId="1" destId="13" srcOrd="2" destOrd="0"/>
+        <dgm:cxn modelId="18" srcId="1" destId="14" srcOrd="2" destOrd="0"/>
+      </dgm:cxnLst>
+      <dgm:bg/>
+      <dgm:whole/>
+    </dgm:dataModel>
+  </dgm:clrData>
+  <dgm:layoutNode name="hierChild1">
+    <dgm:varLst>
+      <dgm:orgChart val="1"/>
+      <dgm:chPref val="1"/>
+      <dgm:dir/>
+      <dgm:animOne val="branch"/>
+      <dgm:animLvl val="lvl"/>
+      <dgm:resizeHandles/>
+    </dgm:varLst>
+    <dgm:choose name="Name0">
+      <dgm:if name="Name1" func="var" arg="dir" op="equ" val="norm">
+        <dgm:alg type="hierChild">
+          <dgm:param type="linDir" val="fromT"/>
+          <dgm:param type="chAlign" val="l"/>
+        </dgm:alg>
+      </dgm:if>
+      <dgm:else name="Name2">
+        <dgm:alg type="hierChild">
+          <dgm:param type="linDir" val="fromT"/>
+          <dgm:param type="chAlign" val="r"/>
+        </dgm:alg>
+      </dgm:else>
+    </dgm:choose>
+    <dgm:shape xmlns:r="http://schemas.openxmlformats.org/officeDocument/2006/relationships" r:blip="">
+      <dgm:adjLst/>
+    </dgm:shape>
+    <dgm:presOf/>
+    <dgm:constrLst>
+      <dgm:constr type="w" for="des" forName="rootComposite1" refType="w" fact="10"/>
+      <dgm:constr type="h" for="des" forName="rootComposite1" refType="w" refFor="des" refForName="rootComposite1" fact="0.305"/>
+      <dgm:constr type="w" for="des" forName="rootComposite" refType="w" fact="10"/>
+      <dgm:constr type="h" for="des" forName="rootComposite" refType="w" refFor="des" refForName="rootComposite1" fact="0.305"/>
+      <dgm:constr type="w" for="des" forName="rootComposite3" refType="w" fact="10"/>
+      <dgm:constr type="h" for="des" forName="rootComposite3" refType="w" refFor="des" refForName="rootComposite1" fact="0.305"/>
+      <dgm:constr type="primFontSz" for="des" ptType="node" op="equ"/>
+      <dgm:constr type="sp" for="des" op="equ"/>
+      <dgm:constr type="sp" for="des" forName="hierRoot1" refType="w" refFor="des" refForName="rootComposite1" fact="0.2"/>
+      <dgm:constr type="sp" for="des" forName="hierRoot2" refType="sp" refFor="des" refForName="hierRoot1"/>
+      <dgm:constr type="sp" for="des" forName="hierRoot3" refType="sp" refFor="des" refForName="hierRoot1"/>
+      <dgm:constr type="sibSp" refType="w" refFor="des" refForName="rootComposite1" fact="0.125"/>
+      <dgm:constr type="sibSp" for="des" forName="hierChild2" refType="sibSp"/>
+      <dgm:constr type="sibSp" for="des" forName="hierChild3" refType="sibSp"/>
+      <dgm:constr type="sibSp" for="des" forName="hierChild4" refType="sibSp"/>
+      <dgm:constr type="sibSp" for="des" forName="hierChild5" refType="sibSp"/>
+      <dgm:constr type="sibSp" for="des" forName="hierChild6" refType="sibSp"/>
+      <dgm:constr type="sibSp" for="des" forName="hierChild7" refType="sibSp"/>
+      <dgm:constr type="secSibSp" refType="w" refFor="des" refForName="rootComposite1" fact="0.125"/>
+      <dgm:constr type="secSibSp" for="des" forName="hierChild2" refType="secSibSp"/>
+      <dgm:constr type="secSibSp" for="des" forName="hierChild3" refType="secSibSp"/>
+      <dgm:constr type="secSibSp" for="des" forName="hierChild4" refType="secSibSp"/>
+      <dgm:constr type="secSibSp" for="des" forName="hierChild5" refType="secSibSp"/>
+      <dgm:constr type="secSibSp" for="des" forName="hierChild6" refType="secSibSp"/>
+      <dgm:constr type="secSibSp" for="des" forName="hierChild7" refType="secSibSp"/>
+    </dgm:constrLst>
+    <dgm:ruleLst/>
+    <dgm:forEach name="Name3" axis="ch">
+      <dgm:forEach name="Name4" axis="self" ptType="node">
+        <dgm:layoutNode name="hierRoot1">
+          <dgm:varLst>
+            <dgm:hierBranch val="init"/>
+          </dgm:varLst>
+          <dgm:choose name="Name5">
+            <dgm:if name="Name6" func="var" arg="hierBranch" op="equ" val="l">
+              <dgm:choose name="Name7">
+                <dgm:if name="Name8" func="var" arg="dir" op="equ" val="norm">
+                  <dgm:alg type="hierRoot">
+                    <dgm:param type="hierAlign" val="lT"/>
+                  </dgm:alg>
+                  <dgm:constrLst>
+                    <dgm:constr type="alignOff" val="0.75"/>
+                  </dgm:constrLst>
+                </dgm:if>
+                <dgm:else name="Name9">
+                  <dgm:alg type="hierRoot">
+                    <dgm:param type="hierAlign" val="rT"/>
+                  </dgm:alg>
+                  <dgm:constrLst>
+                    <dgm:constr type="alignOff" val="0.75"/>
+                  </dgm:constrLst>
+                </dgm:else>
+              </dgm:choose>
+            </dgm:if>
+            <dgm:if name="Name10" func="var" arg="hierBranch" op="equ" val="r">
+              <dgm:choose name="Name11">
+                <dgm:if name="Name12" func="var" arg="dir" op="equ" val="norm">
+                  <dgm:alg type="hierRoot">
+                    <dgm:param type="hierAlign" val="lB"/>
+                  </dgm:alg>
+                  <dgm:constrLst>
+                    <dgm:constr type="alignOff" val="0.75"/>
+                  </dgm:constrLst>
+                </dgm:if>
+                <dgm:else name="Name13">
+                  <dgm:alg type="hierRoot">
+                    <dgm:param type="hierAlign" val="rB"/>
+                  </dgm:alg>
+                  <dgm:constrLst>
+                    <dgm:constr type="alignOff" val="0.75"/>
+                  </dgm:constrLst>
+                </dgm:else>
+              </dgm:choose>
+            </dgm:if>
+            <dgm:if name="Name14" func="var" arg="hierBranch" op="equ" val="hang">
+              <dgm:choose name="Name15">
+                <dgm:if name="Name16" func="var" arg="dir" op="equ" val="norm">
+                  <dgm:alg type="hierRoot">
+                    <dgm:param type="hierAlign" val="lCtrCh"/>
+                  </dgm:alg>
+                  <dgm:constrLst>
+                    <dgm:constr type="alignOff" val="0.65"/>
+                  </dgm:constrLst>
+                </dgm:if>
+                <dgm:else name="Name17">
+                  <dgm:alg type="hierRoot">
+                    <dgm:param type="hierAlign" val="rCtrCh"/>
+                  </dgm:alg>
+                  <dgm:constrLst>
+                    <dgm:constr type="alignOff" val="0.65"/>
+                  </dgm:constrLst>
+                </dgm:else>
+              </dgm:choose>
+            </dgm:if>
+            <dgm:else name="Name18">
+              <dgm:choose name="Name19">
+                <dgm:if name="Name20" func="var" arg="dir" op="equ" val="norm">
+                  <dgm:alg type="hierRoot">
+                    <dgm:param type="hierAlign" val="lCtrCh"/>
+                  </dgm:alg>
+                  <dgm:constrLst>
+                    <dgm:constr type="alignOff"/>
+                    <dgm:constr type="bendDist" for="des" ptType="parTrans" refType="sp" fact="0.5"/>
+                  </dgm:constrLst>
+                </dgm:if>
+                <dgm:else name="Name21">
+                  <dgm:alg type="hierRoot">
+                    <dgm:param type="hierAlign" val="rCtrCh"/>
+                  </dgm:alg>
+                  <dgm:constrLst>
+                    <dgm:constr type="alignOff"/>
+                    <dgm:constr type="bendDist" for="des" ptType="parTrans" refType="sp" fact="0.5"/>
+                  </dgm:constrLst>
+                </dgm:else>
+              </dgm:choose>
+            </dgm:else>
+          </dgm:choose>
+          <dgm:shape xmlns:r="http://schemas.openxmlformats.org/officeDocument/2006/relationships" r:blip="">
+            <dgm:adjLst/>
+          </dgm:shape>
+          <dgm:presOf/>
+          <dgm:ruleLst/>
+          <dgm:layoutNode name="rootComposite1">
+            <dgm:alg type="composite"/>
+            <dgm:shape xmlns:r="http://schemas.openxmlformats.org/officeDocument/2006/relationships" r:blip="">
+              <dgm:adjLst/>
+            </dgm:shape>
+            <dgm:presOf axis="self" ptType="node" cnt="1"/>
+            <dgm:choose name="Name22">
+              <dgm:if name="Name23" func="var" arg="hierBranch" op="equ" val="init">
+                <dgm:constrLst>
+                  <dgm:constr type="l" for="ch" forName="rootText1"/>
+                  <dgm:constr type="t" for="ch" forName="rootText1"/>
+                  <dgm:constr type="w" for="ch" forName="rootText1" refType="w"/>
+                  <dgm:constr type="h" for="ch" forName="rootText1" refType="h"/>
+                  <dgm:constr type="l" for="ch" forName="rootConnector1"/>
+                  <dgm:constr type="t" for="ch" forName="rootConnector1"/>
+                  <dgm:constr type="w" for="ch" forName="rootConnector1" refType="w" refFor="ch" refForName="rootText1" fact="0.2"/>
+                  <dgm:constr type="h" for="ch" forName="rootConnector1" refType="h" refFor="ch" refForName="rootText1"/>
+                </dgm:constrLst>
+              </dgm:if>
+              <dgm:if name="Name24" func="var" arg="hierBranch" op="equ" val="l">
+                <dgm:constrLst>
+                  <dgm:constr type="l" for="ch" forName="rootText1"/>
+                  <dgm:constr type="t" for="ch" forName="rootText1"/>
+                  <dgm:constr type="w" for="ch" forName="rootText1" refType="w"/>
+                  <dgm:constr type="h" for="ch" forName="rootText1" refType="h"/>
+                  <dgm:constr type="r" for="ch" forName="rootConnector1" refType="w"/>
+                  <dgm:constr type="t" for="ch" forName="rootConnector1"/>
+                  <dgm:constr type="w" for="ch" forName="rootConnector1" refType="w" refFor="ch" refForName="rootText1" fact="0.2"/>
+                  <dgm:constr type="h" for="ch" forName="rootConnector1" refType="h" refFor="ch" refForName="rootText1"/>
+                </dgm:constrLst>
+              </dgm:if>
+              <dgm:if name="Name25" func="var" arg="hierBranch" op="equ" val="r">
+                <dgm:constrLst>
+                  <dgm:constr type="l" for="ch" forName="rootText1"/>
+                  <dgm:constr type="t" for="ch" forName="rootText1"/>
+                  <dgm:constr type="w" for="ch" forName="rootText1" refType="w"/>
+                  <dgm:constr type="h" for="ch" forName="rootText1" refType="h"/>
+                  <dgm:constr type="l" for="ch" forName="rootConnector1"/>
+                  <dgm:constr type="t" for="ch" forName="rootConnector1"/>
+                  <dgm:constr type="w" for="ch" forName="rootConnector1" refType="w" refFor="ch" refForName="rootText1" fact="0.2"/>
+                  <dgm:constr type="h" for="ch" forName="rootConnector1" refType="h" refFor="ch" refForName="rootText1"/>
+                </dgm:constrLst>
+              </dgm:if>
+              <dgm:else name="Name26">
+                <dgm:constrLst>
+                  <dgm:constr type="l" for="ch" forName="rootText1"/>
+                  <dgm:constr type="t" for="ch" forName="rootText1"/>
+                  <dgm:constr type="w" for="ch" forName="rootText1" refType="w"/>
+                  <dgm:constr type="h" for="ch" forName="rootText1" refType="h"/>
+                  <dgm:constr type="r" for="ch" forName="rootConnector1" refType="w"/>
+                  <dgm:constr type="t" for="ch" forName="rootConnector1"/>
+                  <dgm:constr type="w" for="ch" forName="rootConnector1" refType="w" refFor="ch" refForName="rootText1" fact="0.2"/>
+                  <dgm:constr type="h" for="ch" forName="rootConnector1" refType="h" refFor="ch" refForName="rootText1"/>
+                </dgm:constrLst>
+              </dgm:else>
+            </dgm:choose>
+            <dgm:ruleLst/>
+            <dgm:layoutNode name="rootText1" styleLbl="node0">
+              <dgm:varLst>
+                <dgm:chPref val="3"/>
+              </dgm:varLst>
+              <dgm:alg type="tx"/>
+              <dgm:shape xmlns:r="http://schemas.openxmlformats.org/officeDocument/2006/relationships" type="rect" r:blip="">
+                <dgm:adjLst/>
+              </dgm:shape>
+              <dgm:presOf axis="self" ptType="node" cnt="1"/>
+              <dgm:constrLst>
+                <dgm:constr type="primFontSz" val="65"/>
+                <dgm:constr type="lMarg" refType="primFontSz" fact="0.05"/>
+                <dgm:constr type="rMarg" refType="primFontSz" fact="0.05"/>
+                <dgm:constr type="tMarg" refType="primFontSz" fact="0.05"/>
+                <dgm:constr type="bMarg" refType="primFontSz" fact="0.05"/>
+              </dgm:constrLst>
+              <dgm:ruleLst>
+                <dgm:rule type="primFontSz" val="5" fact="NaN" max="NaN"/>
+              </dgm:ruleLst>
+            </dgm:layoutNode>
+            <dgm:layoutNode name="rootConnector1" moveWith="rootText1">
+              <dgm:alg type="sp"/>
+              <dgm:shape xmlns:r="http://schemas.openxmlformats.org/officeDocument/2006/relationships" type="rect" r:blip="" hideGeom="1">
+                <dgm:adjLst/>
+              </dgm:shape>
+              <dgm:presOf axis="self" ptType="node" cnt="1"/>
+              <dgm:constrLst/>
+              <dgm:ruleLst/>
+            </dgm:layoutNode>
+          </dgm:layoutNode>
+          <dgm:layoutNode name="hierChild2">
+            <dgm:choose name="Name27">
+              <dgm:if name="Name28" func="var" arg="hierBranch" op="equ" val="l">
+                <dgm:choose name="Name29">
+                  <dgm:if name="Name30" func="var" arg="dir" op="equ" val="norm">
+                    <dgm:alg type="hierChild">
+                      <dgm:param type="chAlign" val="t"/>
+                      <dgm:param type="linDir" val="fromL"/>
+                    </dgm:alg>
+                  </dgm:if>
+                  <dgm:else name="Name31">
+                    <dgm:alg type="hierChild">
+                      <dgm:param type="chAlign" val="t"/>
+                      <dgm:param type="linDir" val="fromR"/>
+                    </dgm:alg>
+                  </dgm:else>
+                </dgm:choose>
+              </dgm:if>
+              <dgm:if name="Name32" func="var" arg="hierBranch" op="equ" val="r">
+                <dgm:choose name="Name33">
+                  <dgm:if name="Name34" func="var" arg="dir" op="equ" val="norm">
+                    <dgm:alg type="hierChild">
+                      <dgm:param type="chAlign" val="b"/>
+                      <dgm:param type="linDir" val="fromL"/>
+                    </dgm:alg>
+                  </dgm:if>
+                  <dgm:else name="Name35">
+                    <dgm:alg type="hierChild">
+                      <dgm:param type="chAlign" val="b"/>
+                      <dgm:param type="linDir" val="fromR"/>
+                    </dgm:alg>
+                  </dgm:else>
+                </dgm:choose>
+              </dgm:if>
+              <dgm:if name="Name36" func="var" arg="hierBranch" op="equ" val="hang">
+                <dgm:choose name="Name37">
+                  <dgm:if name="Name38" func="var" arg="dir" op="equ" val="norm">
+                    <dgm:alg type="hierChild">
+                      <dgm:param type="chAlign" val="l"/>
+                      <dgm:param type="linDir" val="fromT"/>
+                      <dgm:param type="secChAlign" val="t"/>
+                      <dgm:param type="secLinDir" val="fromL"/>
+                    </dgm:alg>
+                  </dgm:if>
+                  <dgm:else name="Name39">
+                    <dgm:alg type="hierChild">
+                      <dgm:param type="chAlign" val="r"/>
+                      <dgm:param type="linDir" val="fromT"/>
+                      <dgm:param type="secChAlign" val="t"/>
+                      <dgm:param type="secLinDir" val="fromR"/>
+                    </dgm:alg>
+                  </dgm:else>
+                </dgm:choose>
+              </dgm:if>
+              <dgm:else name="Name40">
+                <dgm:choose name="Name41">
+                  <dgm:if name="Name42" func="var" arg="dir" op="equ" val="norm">
+                    <dgm:alg type="hierChild">
+                      <dgm:param type="linDir" val="fromT"/>
+                      <dgm:param type="chAlign" val="l"/>
+                    </dgm:alg>
+                  </dgm:if>
+                  <dgm:else name="Name43">
+                    <dgm:alg type="hierChild">
+                      <dgm:param type="linDir" val="fromT"/>
+                      <dgm:param type="chAlign" val="r"/>
+                    </dgm:alg>
+                  </dgm:else>
+                </dgm:choose>
+              </dgm:else>
+            </dgm:choose>
+            <dgm:shape xmlns:r="http://schemas.openxmlformats.org/officeDocument/2006/relationships" r:blip="">
+              <dgm:adjLst/>
+            </dgm:shape>
+            <dgm:presOf/>
+            <dgm:constrLst/>
+            <dgm:ruleLst/>
+            <dgm:forEach name="rep2a" axis="ch" ptType="nonAsst">
+              <dgm:forEach name="Name44" axis="precedSib" ptType="parTrans" st="-1" cnt="1">
+                <dgm:choose name="Name45">
+                  <dgm:if name="Name46" func="var" arg="hierBranch" op="equ" val="hang">
+                    <dgm:layoutNode name="Name47">
+                      <dgm:choose name="Name48">
+                        <dgm:if name="Name49" func="var" arg="dir" op="equ" val="norm">
+                          <dgm:alg type="conn">
+                            <dgm:param type="connRout" val="bend"/>
+                            <dgm:param type="dim" val="1D"/>
+                            <dgm:param type="endSty" val="noArr"/>
+                            <dgm:param type="begPts" val="midR"/>
+                            <dgm:param type="endPts" val="bCtr tCtr"/>
+                          </dgm:alg>
+                        </dgm:if>
+                        <dgm:else name="Name50">
+                          <dgm:alg type="conn">
+                            <dgm:param type="connRout" val="bend"/>
+                            <dgm:param type="dim" val="1D"/>
+                            <dgm:param type="endSty" val="noArr"/>
+                            <dgm:param type="begPts" val="midL"/>
+                            <dgm:param type="endPts" val="bCtr tCtr"/>
+                          </dgm:alg>
+                        </dgm:else>
+                      </dgm:choose>
+                      <dgm:shape xmlns:r="http://schemas.openxmlformats.org/officeDocument/2006/relationships" type="conn" r:blip="" zOrderOff="-99999">
+                        <dgm:adjLst/>
+                      </dgm:shape>
+                      <dgm:presOf axis="self"/>
+                      <dgm:constrLst>
+                        <dgm:constr type="begPad"/>
+                        <dgm:constr type="endPad"/>
+                      </dgm:constrLst>
+                      <dgm:ruleLst/>
+                    </dgm:layoutNode>
+                  </dgm:if>
+                  <dgm:if name="Name51" func="var" arg="hierBranch" op="equ" val="l">
+                    <dgm:layoutNode name="Name52">
+                      <dgm:choose name="Name53">
+                        <dgm:if name="Name54" func="var" arg="dir" op="equ" val="norm">
+                          <dgm:alg type="conn">
+                            <dgm:param type="connRout" val="bend"/>
+                            <dgm:param type="dim" val="1D"/>
+                            <dgm:param type="endSty" val="noArr"/>
+                            <dgm:param type="begPts" val="midR"/>
+                            <dgm:param type="endPts" val="tCtr"/>
+                          </dgm:alg>
+                        </dgm:if>
+                        <dgm:else name="Name55">
+                          <dgm:alg type="conn">
+                            <dgm:param type="connRout" val="bend"/>
+                            <dgm:param type="dim" val="1D"/>
+                            <dgm:param type="endSty" val="noArr"/>
+                            <dgm:param type="begPts" val="midL"/>
+                            <dgm:param type="endPts" val="tCtr"/>
+                          </dgm:alg>
+                        </dgm:else>
+                      </dgm:choose>
+                      <dgm:shape xmlns:r="http://schemas.openxmlformats.org/officeDocument/2006/relationships" type="conn" r:blip="" zOrderOff="-99999">
+                        <dgm:adjLst/>
+                      </dgm:shape>
+                      <dgm:presOf axis="self"/>
+                      <dgm:constrLst>
+                        <dgm:constr type="begPad"/>
+                        <dgm:constr type="endPad"/>
+                      </dgm:constrLst>
+                      <dgm:ruleLst/>
+                    </dgm:layoutNode>
+                  </dgm:if>
+                  <dgm:if name="Name56" func="var" arg="hierBranch" op="equ" val="r">
+                    <dgm:layoutNode name="Name57">
+                      <dgm:choose name="Name58">
+                        <dgm:if name="Name59" func="var" arg="dir" op="equ" val="norm">
+                          <dgm:alg type="conn">
+                            <dgm:param type="connRout" val="bend"/>
+                            <dgm:param type="dim" val="1D"/>
+                            <dgm:param type="endSty" val="noArr"/>
+                            <dgm:param type="begPts" val="midR"/>
+                            <dgm:param type="endPts" val="bCtr"/>
+                          </dgm:alg>
+                        </dgm:if>
+                        <dgm:else name="Name60">
+                          <dgm:alg type="conn">
+                            <dgm:param type="connRout" val="bend"/>
+                            <dgm:param type="dim" val="1D"/>
+                            <dgm:param type="endSty" val="noArr"/>
+                            <dgm:param type="begPts" val="midL"/>
+                            <dgm:param type="endPts" val="bCtr"/>
+                          </dgm:alg>
+                        </dgm:else>
+                      </dgm:choose>
+                      <dgm:shape xmlns:r="http://schemas.openxmlformats.org/officeDocument/2006/relationships" type="conn" r:blip="" zOrderOff="-99999">
+                        <dgm:adjLst/>
+                      </dgm:shape>
+                      <dgm:presOf axis="self"/>
+                      <dgm:constrLst>
+                        <dgm:constr type="begPad"/>
+                        <dgm:constr type="endPad"/>
+                      </dgm:constrLst>
+                      <dgm:ruleLst/>
+                    </dgm:layoutNode>
+                  </dgm:if>
+                  <dgm:else name="Name61">
+                    <dgm:choose name="Name62">
+                      <dgm:if name="Name63" func="var" arg="dir" op="equ" val="norm">
+                        <dgm:layoutNode name="Name64">
+                          <dgm:alg type="conn">
+                            <dgm:param type="connRout" val="bend"/>
+                            <dgm:param type="dim" val="1D"/>
+                            <dgm:param type="endSty" val="noArr"/>
+                            <dgm:param type="begPts" val="midR"/>
+                            <dgm:param type="endPts" val="midL"/>
+                            <dgm:param type="bendPt" val="end"/>
+                          </dgm:alg>
+                          <dgm:shape xmlns:r="http://schemas.openxmlformats.org/officeDocument/2006/relationships" type="conn" r:blip="" zOrderOff="-99999">
+                            <dgm:adjLst/>
+                          </dgm:shape>
+                          <dgm:presOf axis="self"/>
+                          <dgm:constrLst>
+                            <dgm:constr type="begPad"/>
+                            <dgm:constr type="endPad"/>
+                          </dgm:constrLst>
+                          <dgm:ruleLst/>
+                        </dgm:layoutNode>
+                      </dgm:if>
+                      <dgm:else name="Name65">
+                        <dgm:layoutNode name="Name66">
+                          <dgm:alg type="conn">
+                            <dgm:param type="connRout" val="bend"/>
+                            <dgm:param type="dim" val="1D"/>
+                            <dgm:param type="endSty" val="noArr"/>
+                            <dgm:param type="begPts" val="midL"/>
+                            <dgm:param type="endPts" val="midR"/>
+                            <dgm:param type="bendPt" val="end"/>
+                          </dgm:alg>
+                          <dgm:shape xmlns:r="http://schemas.openxmlformats.org/officeDocument/2006/relationships" type="conn" r:blip="" zOrderOff="-99999">
+                            <dgm:adjLst/>
+                          </dgm:shape>
+                          <dgm:presOf axis="self"/>
+                          <dgm:constrLst>
+                            <dgm:constr type="begPad"/>
+                            <dgm:constr type="endPad"/>
+                          </dgm:constrLst>
+                          <dgm:ruleLst/>
+                        </dgm:layoutNode>
+                      </dgm:else>
+                    </dgm:choose>
+                  </dgm:else>
+                </dgm:choose>
+              </dgm:forEach>
+              <dgm:layoutNode name="hierRoot2">
+                <dgm:varLst>
+                  <dgm:hierBranch val="init"/>
+                </dgm:varLst>
+                <dgm:choose name="Name67">
+                  <dgm:if name="Name68" func="var" arg="hierBranch" op="equ" val="l">
+                    <dgm:choose name="Name69">
+                      <dgm:if name="Name70" func="var" arg="dir" op="equ" val="norm">
+                        <dgm:alg type="hierRoot">
+                          <dgm:param type="hierAlign" val="lT"/>
+                        </dgm:alg>
+                        <dgm:constrLst>
+                          <dgm:constr type="alignOff" val="0.75"/>
+                        </dgm:constrLst>
+                      </dgm:if>
+                      <dgm:else name="Name71">
+                        <dgm:alg type="hierRoot">
+                          <dgm:param type="hierAlign" val="rT"/>
+                        </dgm:alg>
+                        <dgm:constrLst>
+                          <dgm:constr type="alignOff" val="0.75"/>
+                        </dgm:constrLst>
+                      </dgm:else>
+                    </dgm:choose>
+                  </dgm:if>
+                  <dgm:if name="Name72" func="var" arg="hierBranch" op="equ" val="r">
+                    <dgm:choose name="Name73">
+                      <dgm:if name="Name74" func="var" arg="dir" op="equ" val="norm">
+                        <dgm:alg type="hierRoot">
+                          <dgm:param type="hierAlign" val="lB"/>
+                        </dgm:alg>
+                        <dgm:constrLst>
+                          <dgm:constr type="alignOff" val="0.75"/>
+                        </dgm:constrLst>
+                      </dgm:if>
+                      <dgm:else name="Name75">
+                        <dgm:alg type="hierRoot">
+                          <dgm:param type="hierAlign" val="rB"/>
+                        </dgm:alg>
+                        <dgm:constrLst>
+                          <dgm:constr type="alignOff" val="0.75"/>
+                        </dgm:constrLst>
+                      </dgm:else>
+                    </dgm:choose>
+                  </dgm:if>
+                  <dgm:if name="Name76" func="var" arg="hierBranch" op="equ" val="hang">
+                    <dgm:choose name="Name77">
+                      <dgm:if name="Name78" func="var" arg="dir" op="equ" val="norm">
+                        <dgm:alg type="hierRoot">
+                          <dgm:param type="hierAlign" val="lCtrCh"/>
+                        </dgm:alg>
+                        <dgm:constrLst>
+                          <dgm:constr type="alignOff" val="0.65"/>
+                        </dgm:constrLst>
+                      </dgm:if>
+                      <dgm:else name="Name79">
+                        <dgm:alg type="hierRoot">
+                          <dgm:param type="hierAlign" val="rCtrCh"/>
+                        </dgm:alg>
+                        <dgm:constrLst>
+                          <dgm:constr type="alignOff" val="0.65"/>
+                        </dgm:constrLst>
+                      </dgm:else>
+                    </dgm:choose>
+                  </dgm:if>
+                  <dgm:else name="Name80">
+                    <dgm:choose name="Name81">
+                      <dgm:if name="Name82" func="var" arg="dir" op="equ" val="norm">
+                        <dgm:alg type="hierRoot">
+                          <dgm:param type="hierAlign" val="lCtrCh"/>
+                        </dgm:alg>
+                        <dgm:constrLst>
+                          <dgm:constr type="alignOff"/>
+                          <dgm:constr type="bendDist" for="des" ptType="parTrans" refType="sp" fact="0.5"/>
+                        </dgm:constrLst>
+                      </dgm:if>
+                      <dgm:else name="Name83">
+                        <dgm:alg type="hierRoot">
+                          <dgm:param type="hierAlign" val="rCtrCh"/>
+                        </dgm:alg>
+                        <dgm:constrLst>
+                          <dgm:constr type="alignOff"/>
+                          <dgm:constr type="bendDist" for="des" ptType="parTrans" refType="sp" fact="0.5"/>
+                        </dgm:constrLst>
+                      </dgm:else>
+                    </dgm:choose>
+                  </dgm:else>
+                </dgm:choose>
+                <dgm:shape xmlns:r="http://schemas.openxmlformats.org/officeDocument/2006/relationships" r:blip="">
+                  <dgm:adjLst/>
+                </dgm:shape>
+                <dgm:presOf/>
+                <dgm:ruleLst/>
+                <dgm:layoutNode name="rootComposite">
+                  <dgm:alg type="composite"/>
+                  <dgm:shape xmlns:r="http://schemas.openxmlformats.org/officeDocument/2006/relationships" r:blip="">
+                    <dgm:adjLst/>
+                  </dgm:shape>
+                  <dgm:presOf axis="self" ptType="node" cnt="1"/>
+                  <dgm:choose name="Name84">
+                    <dgm:if name="Name85" func="var" arg="hierBranch" op="equ" val="init">
+                      <dgm:constrLst>
+                        <dgm:constr type="l" for="ch" forName="rootText"/>
+                        <dgm:constr type="t" for="ch" forName="rootText"/>
+                        <dgm:constr type="w" for="ch" forName="rootText" refType="w"/>
+                        <dgm:constr type="h" for="ch" forName="rootText" refType="h"/>
+                        <dgm:constr type="l" for="ch" forName="rootConnector"/>
+                        <dgm:constr type="t" for="ch" forName="rootConnector"/>
+                        <dgm:constr type="w" for="ch" forName="rootConnector" refType="w" refFor="ch" refForName="rootText" fact="0.2"/>
+                        <dgm:constr type="h" for="ch" forName="rootConnector" refType="h" refFor="ch" refForName="rootText"/>
+                      </dgm:constrLst>
+                    </dgm:if>
+                    <dgm:if name="Name86" func="var" arg="hierBranch" op="equ" val="l">
+                      <dgm:constrLst>
+                        <dgm:constr type="l" for="ch" forName="rootText"/>
+                        <dgm:constr type="t" for="ch" forName="rootText"/>
+                        <dgm:constr type="w" for="ch" forName="rootText" refType="w"/>
+                        <dgm:constr type="h" for="ch" forName="rootText" refType="h"/>
+                        <dgm:constr type="r" for="ch" forName="rootConnector" refType="w"/>
+                        <dgm:constr type="t" for="ch" forName="rootConnector"/>
+                        <dgm:constr type="w" for="ch" forName="rootConnector" refType="w" refFor="ch" refForName="rootText" fact="0.2"/>
+                        <dgm:constr type="h" for="ch" forName="rootConnector" refType="h" refFor="ch" refForName="rootText"/>
+                      </dgm:constrLst>
+                    </dgm:if>
+                    <dgm:if name="Name87" func="var" arg="hierBranch" op="equ" val="r">
+                      <dgm:constrLst>
+                        <dgm:constr type="l" for="ch" forName="rootText"/>
+                        <dgm:constr type="t" for="ch" forName="rootText"/>
+                        <dgm:constr type="w" for="ch" forName="rootText" refType="w"/>
+                        <dgm:constr type="h" for="ch" forName="rootText" refType="h"/>
+                        <dgm:constr type="l" for="ch" forName="rootConnector"/>
+                        <dgm:constr type="t" for="ch" forName="rootConnector"/>
+                        <dgm:constr type="w" for="ch" forName="rootConnector" refType="w" refFor="ch" refForName="rootText" fact="0.2"/>
+                        <dgm:constr type="h" for="ch" forName="rootConnector" refType="h" refFor="ch" refForName="rootText"/>
+                      </dgm:constrLst>
+                    </dgm:if>
+                    <dgm:else name="Name88">
+                      <dgm:constrLst>
+                        <dgm:constr type="l" for="ch" forName="rootText"/>
+                        <dgm:constr type="t" for="ch" forName="rootText"/>
+                        <dgm:constr type="w" for="ch" forName="rootText" refType="w"/>
+                        <dgm:constr type="h" for="ch" forName="rootText" refType="h"/>
+                        <dgm:constr type="r" for="ch" forName="rootConnector" refType="w"/>
+                        <dgm:constr type="t" for="ch" forName="rootConnector"/>
+                        <dgm:constr type="w" for="ch" forName="rootConnector" refType="w" refFor="ch" refForName="rootText" fact="0.2"/>
+                        <dgm:constr type="h" for="ch" forName="rootConnector" refType="h" refFor="ch" refForName="rootText"/>
+                      </dgm:constrLst>
+                    </dgm:else>
+                  </dgm:choose>
+                  <dgm:ruleLst/>
+                  <dgm:layoutNode name="rootText">
+                    <dgm:varLst>
+                      <dgm:chPref val="3"/>
+                    </dgm:varLst>
+                    <dgm:alg type="tx"/>
+                    <dgm:shape xmlns:r="http://schemas.openxmlformats.org/officeDocument/2006/relationships" type="rect" r:blip="">
+                      <dgm:adjLst/>
+                    </dgm:shape>
+                    <dgm:presOf axis="self" ptType="node" cnt="1"/>
+                    <dgm:constrLst>
+                      <dgm:constr type="primFontSz" val="65"/>
+                      <dgm:constr type="lMarg" refType="primFontSz" fact="0.05"/>
+                      <dgm:constr type="rMarg" refType="primFontSz" fact="0.05"/>
+                      <dgm:constr type="tMarg" refType="primFontSz" fact="0.05"/>
+                      <dgm:constr type="bMarg" refType="primFontSz" fact="0.05"/>
+                    </dgm:constrLst>
+                    <dgm:ruleLst>
+                      <dgm:rule type="primFontSz" val="5" fact="NaN" max="NaN"/>
+                    </dgm:ruleLst>
+                  </dgm:layoutNode>
+                  <dgm:layoutNode name="rootConnector" moveWith="rootText">
+                    <dgm:alg type="sp"/>
+                    <dgm:shape xmlns:r="http://schemas.openxmlformats.org/officeDocument/2006/relationships" type="rect" r:blip="" hideGeom="1">
+                      <dgm:adjLst/>
+                    </dgm:shape>
+                    <dgm:presOf axis="self" ptType="node" cnt="1"/>
+                    <dgm:constrLst/>
+                    <dgm:ruleLst/>
+                  </dgm:layoutNode>
+                </dgm:layoutNode>
+                <dgm:layoutNode name="hierChild4">
+                  <dgm:choose name="Name89">
+                    <dgm:if name="Name90" func="var" arg="hierBranch" op="equ" val="l">
+                      <dgm:choose name="Name91">
+                        <dgm:if name="Name92" func="var" arg="dir" op="equ" val="norm">
+                          <dgm:alg type="hierChild">
+                            <dgm:param type="chAlign" val="t"/>
+                            <dgm:param type="linDir" val="fromL"/>
+                          </dgm:alg>
+                        </dgm:if>
+                        <dgm:else name="Name93">
+                          <dgm:alg type="hierChild">
+                            <dgm:param type="chAlign" val="t"/>
+                            <dgm:param type="linDir" val="fromR"/>
+                          </dgm:alg>
+                        </dgm:else>
+                      </dgm:choose>
+                    </dgm:if>
+                    <dgm:if name="Name94" func="var" arg="hierBranch" op="equ" val="r">
+                      <dgm:choose name="Name95">
+                        <dgm:if name="Name96" func="var" arg="dir" op="equ" val="norm">
+                          <dgm:alg type="hierChild">
+                            <dgm:param type="chAlign" val="b"/>
+                            <dgm:param type="linDir" val="fromL"/>
+                          </dgm:alg>
+                        </dgm:if>
+                        <dgm:else name="Name97">
+                          <dgm:alg type="hierChild">
+                            <dgm:param type="chAlign" val="b"/>
+                            <dgm:param type="linDir" val="fromR"/>
+                          </dgm:alg>
+                        </dgm:else>
+                      </dgm:choose>
+                    </dgm:if>
+                    <dgm:if name="Name98" func="var" arg="hierBranch" op="equ" val="hang">
+                      <dgm:choose name="Name99">
+                        <dgm:if name="Name100" func="var" arg="dir" op="equ" val="norm">
+                          <dgm:alg type="hierChild">
+                            <dgm:param type="chAlign" val="l"/>
+                            <dgm:param type="linDir" val="fromT"/>
+                            <dgm:param type="secChAlign" val="t"/>
+                            <dgm:param type="secLinDir" val="fromL"/>
+                          </dgm:alg>
+                        </dgm:if>
+                        <dgm:else name="Name101">
+                          <dgm:alg type="hierChild">
+                            <dgm:param type="chAlign" val="r"/>
+                            <dgm:param type="linDir" val="fromT"/>
+                            <dgm:param type="secChAlign" val="t"/>
+                            <dgm:param type="secLinDir" val="fromR"/>
+                          </dgm:alg>
+                        </dgm:else>
+                      </dgm:choose>
+                    </dgm:if>
+                    <dgm:else name="Name102">
+                      <dgm:choose name="Name103">
+                        <dgm:if name="Name104" func="var" arg="dir" op="equ" val="norm">
+                          <dgm:alg type="hierChild">
+                            <dgm:param type="linDir" val="fromT"/>
+                            <dgm:param type="chAlign" val="l"/>
+                          </dgm:alg>
+                        </dgm:if>
+                        <dgm:else name="Name105">
+                          <dgm:alg type="hierChild">
+                            <dgm:param type="linDir" val="fromT"/>
+                            <dgm:param type="chAlign" val="r"/>
+                          </dgm:alg>
+                        </dgm:else>
+                      </dgm:choose>
+                    </dgm:else>
+                  </dgm:choose>
+                  <dgm:shape xmlns:r="http://schemas.openxmlformats.org/officeDocument/2006/relationships" r:blip="">
+                    <dgm:adjLst/>
+                  </dgm:shape>
+                  <dgm:presOf/>
+                  <dgm:constrLst/>
+                  <dgm:ruleLst/>
+                  <dgm:forEach name="Name106" ref="rep2a"/>
+                </dgm:layoutNode>
+                <dgm:layoutNode name="hierChild5">
+                  <dgm:choose name="Name107">
+                    <dgm:if name="Name108" func="var" arg="dir" op="equ" val="norm">
+                      <dgm:alg type="hierChild">
+                        <dgm:param type="chAlign" val="l"/>
+                        <dgm:param type="linDir" val="fromT"/>
+                        <dgm:param type="secChAlign" val="t"/>
+                        <dgm:param type="secLinDir" val="fromL"/>
+                      </dgm:alg>
+                    </dgm:if>
+                    <dgm:else name="Name109">
+                      <dgm:alg type="hierChild">
+                        <dgm:param type="chAlign" val="r"/>
+                        <dgm:param type="linDir" val="fromT"/>
+                        <dgm:param type="secChAlign" val="t"/>
+                        <dgm:param type="secLinDir" val="fromR"/>
+                      </dgm:alg>
+                    </dgm:else>
+                  </dgm:choose>
+                  <dgm:shape xmlns:r="http://schemas.openxmlformats.org/officeDocument/2006/relationships" r:blip="">
+                    <dgm:adjLst/>
+                  </dgm:shape>
+                  <dgm:presOf/>
+                  <dgm:constrLst/>
+                  <dgm:ruleLst/>
+                  <dgm:forEach name="Name110" ref="rep2b"/>
+                </dgm:layoutNode>
+              </dgm:layoutNode>
+            </dgm:forEach>
+          </dgm:layoutNode>
+          <dgm:layoutNode name="hierChild3">
+            <dgm:choose name="Name111">
+              <dgm:if name="Name112" func="var" arg="dir" op="equ" val="norm">
+                <dgm:alg type="hierChild">
+                  <dgm:param type="chAlign" val="l"/>
+                  <dgm:param type="linDir" val="fromT"/>
+                  <dgm:param type="secChAlign" val="t"/>
+                  <dgm:param type="secLinDir" val="fromL"/>
+                </dgm:alg>
+              </dgm:if>
+              <dgm:else name="Name113">
+                <dgm:alg type="hierChild">
+                  <dgm:param type="chAlign" val="r"/>
+                  <dgm:param type="linDir" val="fromT"/>
+                  <dgm:param type="secChAlign" val="t"/>
+                  <dgm:param type="secLinDir" val="fromR"/>
+                </dgm:alg>
+              </dgm:else>
+            </dgm:choose>
+            <dgm:shape xmlns:r="http://schemas.openxmlformats.org/officeDocument/2006/relationships" r:blip="">
+              <dgm:adjLst/>
+            </dgm:shape>
+            <dgm:presOf/>
+            <dgm:constrLst/>
+            <dgm:ruleLst/>
+            <dgm:forEach name="rep2b" axis="ch" ptType="asst">
+              <dgm:forEach name="Name114" axis="precedSib" ptType="parTrans" st="-1" cnt="1">
+                <dgm:layoutNode name="Name115">
+                  <dgm:choose name="Name116">
+                    <dgm:if name="Name117" func="var" arg="dir" op="equ" val="norm">
+                      <dgm:alg type="conn">
+                        <dgm:param type="connRout" val="bend"/>
+                        <dgm:param type="dim" val="1D"/>
+                        <dgm:param type="endSty" val="noArr"/>
+                        <dgm:param type="begPts" val="midR"/>
+                        <dgm:param type="endPts" val="bCtr tCtr"/>
+                      </dgm:alg>
+                    </dgm:if>
+                    <dgm:else name="Name118">
+                      <dgm:alg type="conn">
+                        <dgm:param type="connRout" val="bend"/>
+                        <dgm:param type="dim" val="1D"/>
+                        <dgm:param type="endSty" val="noArr"/>
+                        <dgm:param type="begPts" val="midL"/>
+                        <dgm:param type="endPts" val="bCtr tCtr"/>
+                      </dgm:alg>
+                    </dgm:else>
+                  </dgm:choose>
+                  <dgm:shape xmlns:r="http://schemas.openxmlformats.org/officeDocument/2006/relationships" type="conn" r:blip="" zOrderOff="-99999">
+                    <dgm:adjLst/>
+                  </dgm:shape>
+                  <dgm:presOf axis="self"/>
+                  <dgm:constrLst>
+                    <dgm:constr type="begPad"/>
+                    <dgm:constr type="endPad"/>
+                  </dgm:constrLst>
+                  <dgm:ruleLst/>
+                </dgm:layoutNode>
+              </dgm:forEach>
+              <dgm:layoutNode name="hierRoot3">
+                <dgm:varLst>
+                  <dgm:hierBranch val="init"/>
+                </dgm:varLst>
+                <dgm:choose name="Name119">
+                  <dgm:if name="Name120" func="var" arg="hierBranch" op="equ" val="l">
+                    <dgm:choose name="Name121">
+                      <dgm:if name="Name122" func="var" arg="dir" op="equ" val="norm">
+                        <dgm:alg type="hierRoot">
+                          <dgm:param type="hierAlign" val="lT"/>
+                        </dgm:alg>
+                        <dgm:constrLst>
+                          <dgm:constr type="alignOff" val="0.75"/>
+                        </dgm:constrLst>
+                      </dgm:if>
+                      <dgm:else name="Name123">
+                        <dgm:alg type="hierRoot">
+                          <dgm:param type="hierAlign" val="rT"/>
+                        </dgm:alg>
+                        <dgm:constrLst>
+                          <dgm:constr type="alignOff" val="0.75"/>
+                        </dgm:constrLst>
+                      </dgm:else>
+                    </dgm:choose>
+                  </dgm:if>
+                  <dgm:if name="Name124" func="var" arg="hierBranch" op="equ" val="r">
+                    <dgm:choose name="Name125">
+                      <dgm:if name="Name126" func="var" arg="dir" op="equ" val="norm">
+                        <dgm:alg type="hierRoot">
+                          <dgm:param type="hierAlign" val="lB"/>
+                        </dgm:alg>
+                        <dgm:constrLst>
+                          <dgm:constr type="alignOff" val="0.75"/>
+                        </dgm:constrLst>
+                      </dgm:if>
+                      <dgm:else name="Name127">
+                        <dgm:alg type="hierRoot">
+                          <dgm:param type="hierAlign" val="rB"/>
+                        </dgm:alg>
+                        <dgm:constrLst>
+                          <dgm:constr type="alignOff" val="0.75"/>
+                        </dgm:constrLst>
+                      </dgm:else>
+                    </dgm:choose>
+                  </dgm:if>
+                  <dgm:if name="Name128" func="var" arg="hierBranch" op="equ" val="hang">
+                    <dgm:choose name="Name129">
+                      <dgm:if name="Name130" func="var" arg="dir" op="equ" val="norm">
+                        <dgm:alg type="hierRoot">
+                          <dgm:param type="hierAlign" val="lCtrCh"/>
+                        </dgm:alg>
+                        <dgm:constrLst>
+                          <dgm:constr type="alignOff" val="0.65"/>
+                        </dgm:constrLst>
+                      </dgm:if>
+                      <dgm:else name="Name131">
+                        <dgm:alg type="hierRoot">
+                          <dgm:param type="hierAlign" val="rCtrCh"/>
+                        </dgm:alg>
+                        <dgm:constrLst>
+                          <dgm:constr type="alignOff" val="0.65"/>
+                        </dgm:constrLst>
+                      </dgm:else>
+                    </dgm:choose>
+                  </dgm:if>
+                  <dgm:else name="Name132">
+                    <dgm:choose name="Name133">
+                      <dgm:if name="Name134" func="var" arg="dir" op="equ" val="norm">
+                        <dgm:alg type="hierRoot">
+                          <dgm:param type="hierAlign" val="lCtrCh"/>
+                        </dgm:alg>
+                        <dgm:constrLst>
+                          <dgm:constr type="alignOff"/>
+                          <dgm:constr type="bendDist" for="des" ptType="parTrans" refType="sp" fact="0.5"/>
+                        </dgm:constrLst>
+                      </dgm:if>
+                      <dgm:else name="Name135">
+                        <dgm:alg type="hierRoot">
+                          <dgm:param type="hierAlign" val="rCtrCh"/>
+                        </dgm:alg>
+                        <dgm:constrLst>
+                          <dgm:constr type="alignOff"/>
+                          <dgm:constr type="bendDist" for="des" ptType="parTrans" refType="sp" fact="0.5"/>
+                        </dgm:constrLst>
+                      </dgm:else>
+                    </dgm:choose>
+                  </dgm:else>
+                </dgm:choose>
+                <dgm:shape xmlns:r="http://schemas.openxmlformats.org/officeDocument/2006/relationships" r:blip="">
+                  <dgm:adjLst/>
+                </dgm:shape>
+                <dgm:presOf/>
+                <dgm:ruleLst/>
+                <dgm:layoutNode name="rootComposite3">
+                  <dgm:alg type="composite"/>
+                  <dgm:shape xmlns:r="http://schemas.openxmlformats.org/officeDocument/2006/relationships" r:blip="">
+                    <dgm:adjLst/>
+                  </dgm:shape>
+                  <dgm:presOf axis="self" ptType="node" cnt="1"/>
+                  <dgm:choose name="Name136">
+                    <dgm:if name="Name137" func="var" arg="hierBranch" op="equ" val="init">
+                      <dgm:constrLst>
+                        <dgm:constr type="l" for="ch" forName="rootText3"/>
+                        <dgm:constr type="t" for="ch" forName="rootText3"/>
+                        <dgm:constr type="w" for="ch" forName="rootText3" refType="w"/>
+                        <dgm:constr type="h" for="ch" forName="rootText3" refType="h"/>
+                        <dgm:constr type="l" for="ch" forName="rootConnector3"/>
+                        <dgm:constr type="t" for="ch" forName="rootConnector3"/>
+                        <dgm:constr type="w" for="ch" forName="rootConnector3" refType="w" refFor="ch" refForName="rootText3" fact="0.2"/>
+                        <dgm:constr type="h" for="ch" forName="rootConnector3" refType="h" refFor="ch" refForName="rootText3"/>
+                      </dgm:constrLst>
+                    </dgm:if>
+                    <dgm:if name="Name138" func="var" arg="hierBranch" op="equ" val="l">
+                      <dgm:constrLst>
+                        <dgm:constr type="l" for="ch" forName="rootText3"/>
+                        <dgm:constr type="t" for="ch" forName="rootText3"/>
+                        <dgm:constr type="w" for="ch" forName="rootText3" refType="w"/>
+                        <dgm:constr type="h" for="ch" forName="rootText3" refType="h"/>
+                        <dgm:constr type="r" for="ch" forName="rootConnector3" refType="w"/>
+                        <dgm:constr type="t" for="ch" forName="rootConnector3"/>
+                        <dgm:constr type="w" for="ch" forName="rootConnector3" refType="w" refFor="ch" refForName="rootText3" fact="0.2"/>
+                        <dgm:constr type="h" for="ch" forName="rootConnector3" refType="h" refFor="ch" refForName="rootText3"/>
+                      </dgm:constrLst>
+                    </dgm:if>
+                    <dgm:if name="Name139" func="var" arg="hierBranch" op="equ" val="r">
+                      <dgm:constrLst>
+                        <dgm:constr type="l" for="ch" forName="rootText3"/>
+                        <dgm:constr type="t" for="ch" forName="rootText3"/>
+                        <dgm:constr type="w" for="ch" forName="rootText3" refType="w"/>
+                        <dgm:constr type="h" for="ch" forName="rootText3" refType="h"/>
+                        <dgm:constr type="l" for="ch" forName="rootConnector3"/>
+                        <dgm:constr type="t" for="ch" forName="rootConnector3"/>
+                        <dgm:constr type="w" for="ch" forName="rootConnector3" refType="w" refFor="ch" refForName="rootText3" fact="0.2"/>
+                        <dgm:constr type="h" for="ch" forName="rootConnector3" refType="h" refFor="ch" refForName="rootText3"/>
+                      </dgm:constrLst>
+                    </dgm:if>
+                    <dgm:else name="Name140">
+                      <dgm:constrLst>
+                        <dgm:constr type="l" for="ch" forName="rootText3"/>
+                        <dgm:constr type="t" for="ch" forName="rootText3"/>
+                        <dgm:constr type="w" for="ch" forName="rootText3" refType="w"/>
+                        <dgm:constr type="h" for="ch" forName="rootText3" refType="h"/>
+                        <dgm:constr type="r" for="ch" forName="rootConnector3" refType="w"/>
+                        <dgm:constr type="t" for="ch" forName="rootConnector3"/>
+                        <dgm:constr type="w" for="ch" forName="rootConnector3" refType="w" refFor="ch" refForName="rootText3" fact="0.2"/>
+                        <dgm:constr type="h" for="ch" forName="rootConnector3" refType="h" refFor="ch" refForName="rootText3"/>
+                      </dgm:constrLst>
+                    </dgm:else>
+                  </dgm:choose>
+                  <dgm:ruleLst/>
+                  <dgm:layoutNode name="rootText3">
+                    <dgm:varLst>
+                      <dgm:chPref val="3"/>
+                    </dgm:varLst>
+                    <dgm:alg type="tx"/>
+                    <dgm:shape xmlns:r="http://schemas.openxmlformats.org/officeDocument/2006/relationships" type="rect" r:blip="">
+                      <dgm:adjLst/>
+                    </dgm:shape>
+                    <dgm:presOf axis="self" ptType="node" cnt="1"/>
+                    <dgm:constrLst>
+                      <dgm:constr type="primFontSz" val="65"/>
+                      <dgm:constr type="lMarg" refType="primFontSz" fact="0.05"/>
+                      <dgm:constr type="rMarg" refType="primFontSz" fact="0.05"/>
+                      <dgm:constr type="tMarg" refType="primFontSz" fact="0.05"/>
+                      <dgm:constr type="bMarg" refType="primFontSz" fact="0.05"/>
+                    </dgm:constrLst>
+                    <dgm:ruleLst>
+                      <dgm:rule type="primFontSz" val="5" fact="NaN" max="NaN"/>
+                    </dgm:ruleLst>
+                  </dgm:layoutNode>
+                  <dgm:layoutNode name="rootConnector3" moveWith="rootText1">
+                    <dgm:alg type="sp"/>
+                    <dgm:shape xmlns:r="http://schemas.openxmlformats.org/officeDocument/2006/relationships" type="rect" r:blip="" hideGeom="1">
+                      <dgm:adjLst/>
+                    </dgm:shape>
+                    <dgm:presOf axis="self" ptType="node" cnt="1"/>
+                    <dgm:constrLst/>
+                    <dgm:ruleLst/>
+                  </dgm:layoutNode>
+                </dgm:layoutNode>
+                <dgm:layoutNode name="hierChild6">
+                  <dgm:choose name="Name141">
+                    <dgm:if name="Name142" func="var" arg="hierBranch" op="equ" val="l">
+                      <dgm:choose name="Name143">
+                        <dgm:if name="Name144" func="var" arg="dir" op="equ" val="norm">
+                          <dgm:alg type="hierChild">
+                            <dgm:param type="chAlign" val="t"/>
+                            <dgm:param type="linDir" val="fromL"/>
+                          </dgm:alg>
+                        </dgm:if>
+                        <dgm:else name="Name145">
+                          <dgm:alg type="hierChild">
+                            <dgm:param type="chAlign" val="t"/>
+                            <dgm:param type="linDir" val="fromR"/>
+                          </dgm:alg>
+                        </dgm:else>
+                      </dgm:choose>
+                    </dgm:if>
+                    <dgm:if name="Name146" func="var" arg="hierBranch" op="equ" val="r">
+                      <dgm:choose name="Name147">
+                        <dgm:if name="Name148" func="var" arg="dir" op="equ" val="norm">
+                          <dgm:alg type="hierChild">
+                            <dgm:param type="chAlign" val="b"/>
+                            <dgm:param type="linDir" val="fromL"/>
+                          </dgm:alg>
+                        </dgm:if>
+                        <dgm:else name="Name149">
+                          <dgm:alg type="hierChild">
+                            <dgm:param type="chAlign" val="b"/>
+                            <dgm:param type="linDir" val="fromR"/>
+                          </dgm:alg>
+                        </dgm:else>
+                      </dgm:choose>
+                    </dgm:if>
+                    <dgm:if name="Name150" func="var" arg="hierBranch" op="equ" val="hang">
+                      <dgm:choose name="Name151">
+                        <dgm:if name="Name152" func="var" arg="dir" op="equ" val="norm">
+                          <dgm:alg type="hierChild">
+                            <dgm:param type="chAlign" val="l"/>
+                            <dgm:param type="linDir" val="fromT"/>
+                            <dgm:param type="secChAlign" val="t"/>
+                            <dgm:param type="secLinDir" val="fromL"/>
+                          </dgm:alg>
+                        </dgm:if>
+                        <dgm:else name="Name153">
+                          <dgm:alg type="hierChild">
+                            <dgm:param type="chAlign" val="r"/>
+                            <dgm:param type="linDir" val="fromT"/>
+                            <dgm:param type="secChAlign" val="t"/>
+                            <dgm:param type="secLinDir" val="fromR"/>
+                          </dgm:alg>
+                        </dgm:else>
+                      </dgm:choose>
+                    </dgm:if>
+                    <dgm:else name="Name154">
+                      <dgm:choose name="Name155">
+                        <dgm:if name="Name156" func="var" arg="dir" op="equ" val="norm">
+                          <dgm:alg type="hierChild">
+                            <dgm:param type="linDir" val="fromT"/>
+                            <dgm:param type="chAlign" val="l"/>
+                          </dgm:alg>
+                        </dgm:if>
+                        <dgm:else name="Name157">
+                          <dgm:alg type="hierChild">
+                            <dgm:param type="linDir" val="fromT"/>
+                            <dgm:param type="chAlign" val="r"/>
+                          </dgm:alg>
+                        </dgm:else>
+                      </dgm:choose>
+                    </dgm:else>
+                  </dgm:choose>
+                  <dgm:shape xmlns:r="http://schemas.openxmlformats.org/officeDocument/2006/relationships" r:blip="">
+                    <dgm:adjLst/>
+                  </dgm:shape>
+                  <dgm:presOf/>
+                  <dgm:constrLst/>
+                  <dgm:ruleLst/>
+                  <dgm:forEach name="Name158" ref="rep2a"/>
+                </dgm:layoutNode>
+                <dgm:layoutNode name="hierChild7">
+                  <dgm:choose name="Name159">
+                    <dgm:if name="Name160" func="var" arg="dir" op="equ" val="norm">
+                      <dgm:alg type="hierChild">
+                        <dgm:param type="chAlign" val="l"/>
+                        <dgm:param type="linDir" val="fromT"/>
+                        <dgm:param type="secChAlign" val="t"/>
+                        <dgm:param type="secLinDir" val="fromL"/>
+                      </dgm:alg>
+                    </dgm:if>
+                    <dgm:else name="Name161">
+                      <dgm:alg type="hierChild">
+                        <dgm:param type="chAlign" val="r"/>
+                        <dgm:param type="linDir" val="fromT"/>
+                        <dgm:param type="secChAlign" val="t"/>
+                        <dgm:param type="secLinDir" val="fromR"/>
+                      </dgm:alg>
+                    </dgm:else>
+                  </dgm:choose>
+                  <dgm:shape xmlns:r="http://schemas.openxmlformats.org/officeDocument/2006/relationships" r:blip="">
+                    <dgm:adjLst/>
+                  </dgm:shape>
+                  <dgm:presOf/>
+                  <dgm:constrLst/>
+                  <dgm:ruleLst/>
+                  <dgm:forEach name="Name162" ref="rep2b"/>
+                </dgm:layoutNode>
+              </dgm:layoutNode>
+            </dgm:forEach>
+          </dgm:layoutNode>
+        </dgm:layoutNode>
+      </dgm:forEach>
+    </dgm:forEach>
+  </dgm:layoutNode>
+</dgm:layoutDef>
+</file>
+
+<file path=ppt/diagrams/quickStyle1.xml><?xml version="1.0" encoding="utf-8"?>
+<dgm:styleDef xmlns:dgm="http://schemas.openxmlformats.org/drawingml/2006/diagram" xmlns:a="http://schemas.openxmlformats.org/drawingml/2006/main" uniqueId="urn:microsoft.com/office/officeart/2005/8/quickstyle/simple1">
+  <dgm:title val=""/>
+  <dgm:desc val=""/>
+  <dgm:catLst>
+    <dgm:cat type="simple" pri="10100"/>
+  </dgm:catLst>
+  <dgm:scene3d>
+    <a:camera prst="orthographicFront"/>
+    <a:lightRig rig="threePt" dir="t"/>
+  </dgm:scene3d>
+  <dgm:styleLbl name="node0">
+    <dgm:scene3d>
+      <a:camera prst="orthographicFront"/>
+      <a:lightRig rig="threePt" dir="t"/>
+    </dgm:scene3d>
+    <dgm:sp3d/>
+    <dgm:txPr/>
+    <dgm:style>
+      <a:lnRef idx="2">
+        <a:scrgbClr r="0" g="0" b="0"/>
+      </a:lnRef>
+      <a:fillRef idx="1">
+        <a:scrgbClr r="0" g="0" b="0"/>
+      </a:fillRef>
+      <a:effectRef idx="0">
+        <a:scrgbClr r="0" g="0" b="0"/>
+      </a:effectRef>
+      <a:fontRef idx="minor">
+        <a:schemeClr val="lt1"/>
+      </a:fontRef>
+    </dgm:style>
+  </dgm:styleLbl>
+  <dgm:styleLbl name="lnNode1">
+    <dgm:scene3d>
+      <a:camera prst="orthographicFront"/>
+      <a:lightRig rig="threePt" dir="t"/>
+    </dgm:scene3d>
+    <dgm:sp3d/>
+    <dgm:txPr/>
+    <dgm:style>
+      <a:lnRef idx="2">
+        <a:scrgbClr r="0" g="0" b="0"/>
+      </a:lnRef>
+      <a:fillRef idx="1">
+        <a:scrgbClr r="0" g="0" b="0"/>
+      </a:fillRef>
+      <a:effectRef idx="0">
+        <a:scrgbClr r="0" g="0" b="0"/>
+      </a:effectRef>
+      <a:fontRef idx="minor">
+        <a:schemeClr val="lt1"/>
+      </a:fontRef>
+    </dgm:style>
+  </dgm:styleLbl>
+  <dgm:styleLbl name="vennNode1">
+    <dgm:scene3d>
+      <a:camera prst="orthographicFront"/>
+      <a:lightRig rig="threePt" dir="t"/>
+    </dgm:scene3d>
+    <dgm:sp3d/>
+    <dgm:txPr/>
+    <dgm:style>
+      <a:lnRef idx="2">
+        <a:scrgbClr r="0" g="0" b="0"/>
+      </a:lnRef>
+      <a:fillRef idx="1">
+        <a:scrgbClr r="0" g="0" b="0"/>
+      </a:fillRef>
+      <a:effectRef idx="0">
+        <a:scrgbClr r="0" g="0" b="0"/>
+      </a:effectRef>
+      <a:fontRef idx="minor">
+        <a:schemeClr val="tx1"/>
+      </a:fontRef>
+    </dgm:style>
+  </dgm:styleLbl>
+  <dgm:styleLbl name="alignNode1">
+    <dgm:scene3d>
+      <a:camera prst="orthographicFront"/>
+      <a:lightRig rig="threePt" dir="t"/>
+    </dgm:scene3d>
+    <dgm:sp3d/>
+    <dgm:txPr/>
+    <dgm:style>
+      <a:lnRef idx="2">
+        <a:scrgbClr r="0" g="0" b="0"/>
+      </a:lnRef>
+      <a:fillRef idx="1">
+        <a:scrgbClr r="0" g="0" b="0"/>
+      </a:fillRef>
+      <a:effectRef idx="0">
+        <a:scrgbClr r="0" g="0" b="0"/>
+      </a:effectRef>
+      <a:fontRef idx="minor">
+        <a:schemeClr val="lt1"/>
+      </a:fontRef>
+    </dgm:style>
+  </dgm:styleLbl>
+  <dgm:styleLbl name="node1">
+    <dgm:scene3d>
+      <a:camera prst="orthographicFront"/>
+      <a:lightRig rig="threePt" dir="t"/>
+    </dgm:scene3d>
+    <dgm:sp3d/>
+    <dgm:txPr/>
+    <dgm:style>
+      <a:lnRef idx="2">
+        <a:scrgbClr r="0" g="0" b="0"/>
+      </a:lnRef>
+      <a:fillRef idx="1">
+        <a:scrgbClr r="0" g="0" b="0"/>
+      </a:fillRef>
+      <a:effectRef idx="0">
+        <a:scrgbClr r="0" g="0" b="0"/>
+      </a:effectRef>
+      <a:fontRef idx="minor">
+        <a:schemeClr val="lt1"/>
+      </a:fontRef>
+    </dgm:style>
+  </dgm:styleLbl>
+  <dgm:styleLbl name="node2">
+    <dgm:scene3d>
+      <a:camera prst="orthographicFront"/>
+      <a:lightRig rig="threePt" dir="t"/>
+    </dgm:scene3d>
+    <dgm:sp3d/>
+    <dgm:txPr/>
+    <dgm:style>
+      <a:lnRef idx="2">
+        <a:scrgbClr r="0" g="0" b="0"/>
+      </a:lnRef>
+      <a:fillRef idx="1">
+        <a:scrgbClr r="0" g="0" b="0"/>
+      </a:fillRef>
+      <a:effectRef idx="0">
+        <a:scrgbClr r="0" g="0" b="0"/>
+      </a:effectRef>
+      <a:fontRef idx="minor">
+        <a:schemeClr val="lt1"/>
+      </a:fontRef>
+    </dgm:style>
+  </dgm:styleLbl>
+  <dgm:styleLbl name="node3">
+    <dgm:scene3d>
+      <a:camera prst="orthographicFront"/>
+      <a:lightRig rig="threePt" dir="t"/>
+    </dgm:scene3d>
+    <dgm:sp3d/>
+    <dgm:txPr/>
+    <dgm:style>
+      <a:lnRef idx="2">
+        <a:scrgbClr r="0" g="0" b="0"/>
+      </a:lnRef>
+      <a:fillRef idx="1">
+        <a:scrgbClr r="0" g="0" b="0"/>
+      </a:fillRef>
+      <a:effectRef idx="0">
+        <a:scrgbClr r="0" g="0" b="0"/>
+      </a:effectRef>
+      <a:fontRef idx="minor">
+        <a:schemeClr val="lt1"/>
+      </a:fontRef>
+    </dgm:style>
+  </dgm:styleLbl>
+  <dgm:styleLbl name="node4">
+    <dgm:scene3d>
+      <a:camera prst="orthographicFront"/>
+      <a:lightRig rig="threePt" dir="t"/>
+    </dgm:scene3d>
+    <dgm:sp3d/>
+    <dgm:txPr/>
+    <dgm:style>
+      <a:lnRef idx="2">
+        <a:scrgbClr r="0" g="0" b="0"/>
+      </a:lnRef>
+      <a:fillRef idx="1">
+        <a:scrgbClr r="0" g="0" b="0"/>
+      </a:fillRef>
+      <a:effectRef idx="0">
+        <a:scrgbClr r="0" g="0" b="0"/>
+      </a:effectRef>
+      <a:fontRef idx="minor">
+        <a:schemeClr val="lt1"/>
+      </a:fontRef>
+    </dgm:style>
+  </dgm:styleLbl>
+  <dgm:styleLbl name="fgImgPlace1">
+    <dgm:scene3d>
+      <a:camera prst="orthographicFront"/>
+      <a:lightRig rig="threePt" dir="t"/>
+    </dgm:scene3d>
+    <dgm:sp3d/>
+    <dgm:txPr/>
+    <dgm:style>
+      <a:lnRef idx="2">
+        <a:scrgbClr r="0" g="0" b="0"/>
+      </a:lnRef>
+      <a:fillRef idx="1">
+        <a:scrgbClr r="0" g="0" b="0"/>
+      </a:fillRef>
+      <a:effectRef idx="0">
+        <a:scrgbClr r="0" g="0" b="0"/>
+      </a:effectRef>
+      <a:fontRef idx="minor"/>
+    </dgm:style>
+  </dgm:styleLbl>
+  <dgm:styleLbl name="alignImgPlace1">
+    <dgm:scene3d>
+      <a:camera prst="orthographicFront"/>
+      <a:lightRig rig="threePt" dir="t"/>
+    </dgm:scene3d>
+    <dgm:sp3d/>
+    <dgm:txPr/>
+    <dgm:style>
+      <a:lnRef idx="2">
+        <a:scrgbClr r="0" g="0" b="0"/>
+      </a:lnRef>
+      <a:fillRef idx="1">
+        <a:scrgbClr r="0" g="0" b="0"/>
+      </a:fillRef>
+      <a:effectRef idx="0">
+        <a:scrgbClr r="0" g="0" b="0"/>
+      </a:effectRef>
+      <a:fontRef idx="minor"/>
+    </dgm:style>
+  </dgm:styleLbl>
+  <dgm:styleLbl name="bgImgPlace1">
+    <dgm:scene3d>
+      <a:camera prst="orthographicFront"/>
+      <a:lightRig rig="threePt" dir="t"/>
+    </dgm:scene3d>
+    <dgm:sp3d/>
+    <dgm:txPr/>
+    <dgm:style>
+      <a:lnRef idx="2">
+        <a:scrgbClr r="0" g="0" b="0"/>
+      </a:lnRef>
+      <a:fillRef idx="1">
+        <a:scrgbClr r="0" g="0" b="0"/>
+      </a:fillRef>
+      <a:effectRef idx="0">
+        <a:scrgbClr r="0" g="0" b="0"/>
+      </a:effectRef>
+      <a:fontRef idx="minor"/>
+    </dgm:style>
+  </dgm:styleLbl>
+  <dgm:styleLbl name="sibTrans2D1">
+    <dgm:scene3d>
+      <a:camera prst="orthographicFront"/>
+      <a:lightRig rig="threePt" dir="t"/>
+    </dgm:scene3d>
+    <dgm:sp3d/>
+    <dgm:txPr/>
+    <dgm:style>
+      <a:lnRef idx="0">
+        <a:scrgbClr r="0" g="0" b="0"/>
+      </a:lnRef>
+      <a:fillRef idx="1">
+        <a:scrgbClr r="0" g="0" b="0"/>
+      </a:fillRef>
+      <a:effectRef idx="0">
+        <a:scrgbClr r="0" g="0" b="0"/>
+      </a:effectRef>
+      <a:fontRef idx="minor">
+        <a:schemeClr val="lt1"/>
+      </a:fontRef>
+    </dgm:style>
+  </dgm:styleLbl>
+  <dgm:styleLbl name="fgSibTrans2D1">
+    <dgm:scene3d>
+      <a:camera prst="orthographicFront"/>
+      <a:lightRig rig="threePt" dir="t"/>
+    </dgm:scene3d>
+    <dgm:sp3d/>
+    <dgm:txPr/>
+    <dgm:style>
+      <a:lnRef idx="0">
+        <a:scrgbClr r="0" g="0" b="0"/>
+      </a:lnRef>
+      <a:fillRef idx="1">
+        <a:scrgbClr r="0" g="0" b="0"/>
+      </a:fillRef>
+      <a:effectRef idx="0">
+        <a:scrgbClr r="0" g="0" b="0"/>
+      </a:effectRef>
+      <a:fontRef idx="minor">
+        <a:schemeClr val="lt1"/>
+      </a:fontRef>
+    </dgm:style>
+  </dgm:styleLbl>
+  <dgm:styleLbl name="bgSibTrans2D1">
+    <dgm:scene3d>
+      <a:camera prst="orthographicFront"/>
+      <a:lightRig rig="threePt" dir="t"/>
+    </dgm:scene3d>
+    <dgm:sp3d/>
+    <dgm:txPr/>
+    <dgm:style>
+      <a:lnRef idx="0">
+        <a:scrgbClr r="0" g="0" b="0"/>
+      </a:lnRef>
+      <a:fillRef idx="1">
+        <a:scrgbClr r="0" g="0" b="0"/>
+      </a:fillRef>
+      <a:effectRef idx="0">
+        <a:scrgbClr r="0" g="0" b="0"/>
+      </a:effectRef>
+      <a:fontRef idx="minor">
+        <a:schemeClr val="lt1"/>
+      </a:fontRef>
+    </dgm:style>
+  </dgm:styleLbl>
+  <dgm:styleLbl name="sibTrans1D1">
+    <dgm:scene3d>
+      <a:camera prst="orthographicFront"/>
+      <a:lightRig rig="threePt" dir="t"/>
+    </dgm:scene3d>
+    <dgm:sp3d/>
+    <dgm:txPr/>
+    <dgm:style>
+      <a:lnRef idx="1">
+        <a:scrgbClr r="0" g="0" b="0"/>
+      </a:lnRef>
+      <a:fillRef idx="0">
+        <a:scrgbClr r="0" g="0" b="0"/>
+      </a:fillRef>
+      <a:effectRef idx="0">
+        <a:scrgbClr r="0" g="0" b="0"/>
+      </a:effectRef>
+      <a:fontRef idx="minor"/>
+    </dgm:style>
+  </dgm:styleLbl>
+  <dgm:styleLbl name="callout">
+    <dgm:scene3d>
+      <a:camera prst="orthographicFront"/>
+      <a:lightRig rig="threePt" dir="t"/>
+    </dgm:scene3d>
+    <dgm:sp3d/>
+    <dgm:txPr/>
+    <dgm:style>
+      <a:lnRef idx="2">
+        <a:scrgbClr r="0" g="0" b="0"/>
+      </a:lnRef>
+      <a:fillRef idx="1">
+        <a:scrgbClr r="0" g="0" b="0"/>
+      </a:fillRef>
+      <a:effectRef idx="0">
+        <a:scrgbClr r="0" g="0" b="0"/>
+      </a:effectRef>
+      <a:fontRef idx="minor"/>
+    </dgm:style>
+  </dgm:styleLbl>
+  <dgm:styleLbl name="asst0">
+    <dgm:scene3d>
+      <a:camera prst="orthographicFront"/>
+      <a:lightRig rig="threePt" dir="t"/>
+    </dgm:scene3d>
+    <dgm:sp3d/>
+    <dgm:txPr/>
+    <dgm:style>
+      <a:lnRef idx="2">
+        <a:scrgbClr r="0" g="0" b="0"/>
+      </a:lnRef>
+      <a:fillRef idx="1">
+        <a:scrgbClr r="0" g="0" b="0"/>
+      </a:fillRef>
+      <a:effectRef idx="0">
+        <a:scrgbClr r="0" g="0" b="0"/>
+      </a:effectRef>
+      <a:fontRef idx="minor">
+        <a:schemeClr val="lt1"/>
+      </a:fontRef>
+    </dgm:style>
+  </dgm:styleLbl>
+  <dgm:styleLbl name="asst1">
+    <dgm:scene3d>
+      <a:camera prst="orthographicFront"/>
+      <a:lightRig rig="threePt" dir="t"/>
+    </dgm:scene3d>
+    <dgm:sp3d/>
+    <dgm:txPr/>
+    <dgm:style>
+      <a:lnRef idx="2">
+        <a:scrgbClr r="0" g="0" b="0"/>
+      </a:lnRef>
+      <a:fillRef idx="1">
+        <a:scrgbClr r="0" g="0" b="0"/>
+      </a:fillRef>
+      <a:effectRef idx="0">
+        <a:scrgbClr r="0" g="0" b="0"/>
+      </a:effectRef>
+      <a:fontRef idx="minor">
+        <a:schemeClr val="lt1"/>
+      </a:fontRef>
+    </dgm:style>
+  </dgm:styleLbl>
+  <dgm:styleLbl name="asst2">
+    <dgm:scene3d>
+      <a:camera prst="orthographicFront"/>
+      <a:lightRig rig="threePt" dir="t"/>
+    </dgm:scene3d>
+    <dgm:sp3d/>
+    <dgm:txPr/>
+    <dgm:style>
+      <a:lnRef idx="2">
+        <a:scrgbClr r="0" g="0" b="0"/>
+      </a:lnRef>
+      <a:fillRef idx="1">
+        <a:scrgbClr r="0" g="0" b="0"/>
+      </a:fillRef>
+      <a:effectRef idx="0">
+        <a:scrgbClr r="0" g="0" b="0"/>
+      </a:effectRef>
+      <a:fontRef idx="minor">
+        <a:schemeClr val="lt1"/>
+      </a:fontRef>
+    </dgm:style>
+  </dgm:styleLbl>
+  <dgm:styleLbl name="asst3">
+    <dgm:scene3d>
+      <a:camera prst="orthographicFront"/>
+      <a:lightRig rig="threePt" dir="t"/>
+    </dgm:scene3d>
+    <dgm:sp3d/>
+    <dgm:txPr/>
+    <dgm:style>
+      <a:lnRef idx="2">
+        <a:scrgbClr r="0" g="0" b="0"/>
+      </a:lnRef>
+      <a:fillRef idx="1">
+        <a:scrgbClr r="0" g="0" b="0"/>
+      </a:fillRef>
+      <a:effectRef idx="0">
+        <a:scrgbClr r="0" g="0" b="0"/>
+      </a:effectRef>
+      <a:fontRef idx="minor">
+        <a:schemeClr val="lt1"/>
+      </a:fontRef>
+    </dgm:style>
+  </dgm:styleLbl>
+  <dgm:styleLbl name="asst4">
+    <dgm:scene3d>
+      <a:camera prst="orthographicFront"/>
+      <a:lightRig rig="threePt" dir="t"/>
+    </dgm:scene3d>
+    <dgm:sp3d/>
+    <dgm:txPr/>
+    <dgm:style>
+      <a:lnRef idx="2">
+        <a:scrgbClr r="0" g="0" b="0"/>
+      </a:lnRef>
+      <a:fillRef idx="1">
+        <a:scrgbClr r="0" g="0" b="0"/>
+      </a:fillRef>
+      <a:effectRef idx="0">
+        <a:scrgbClr r="0" g="0" b="0"/>
+      </a:effectRef>
+      <a:fontRef idx="minor">
+        <a:schemeClr val="lt1"/>
+      </a:fontRef>
+    </dgm:style>
+  </dgm:styleLbl>
+  <dgm:styleLbl name="parChTrans2D1">
+    <dgm:scene3d>
+      <a:camera prst="orthographicFront"/>
+      <a:lightRig rig="threePt" dir="t"/>
+    </dgm:scene3d>
+    <dgm:sp3d/>
+    <dgm:txPr/>
+    <dgm:style>
+      <a:lnRef idx="2">
+        <a:scrgbClr r="0" g="0" b="0"/>
+      </a:lnRef>
+      <a:fillRef idx="1">
+        <a:scrgbClr r="0" g="0" b="0"/>
+      </a:fillRef>
+      <a:effectRef idx="0">
+        <a:scrgbClr r="0" g="0" b="0"/>
+      </a:effectRef>
+      <a:fontRef idx="minor">
+        <a:schemeClr val="lt1"/>
+      </a:fontRef>
+    </dgm:style>
+  </dgm:styleLbl>
+  <dgm:styleLbl name="parChTrans2D2">
+    <dgm:scene3d>
+      <a:camera prst="orthographicFront"/>
+      <a:lightRig rig="threePt" dir="t"/>
+    </dgm:scene3d>
+    <dgm:sp3d/>
+    <dgm:txPr/>
+    <dgm:style>
+      <a:lnRef idx="2">
+        <a:scrgbClr r="0" g="0" b="0"/>
+      </a:lnRef>
+      <a:fillRef idx="1">
+        <a:scrgbClr r="0" g="0" b="0"/>
+      </a:fillRef>
+      <a:effectRef idx="0">
+        <a:scrgbClr r="0" g="0" b="0"/>
+      </a:effectRef>
+      <a:fontRef idx="minor">
+        <a:schemeClr val="lt1"/>
+      </a:fontRef>
+    </dgm:style>
+  </dgm:styleLbl>
+  <dgm:styleLbl name="parChTrans2D3">
+    <dgm:scene3d>
+      <a:camera prst="orthographicFront"/>
+      <a:lightRig rig="threePt" dir="t"/>
+    </dgm:scene3d>
+    <dgm:sp3d/>
+    <dgm:txPr/>
+    <dgm:style>
+      <a:lnRef idx="2">
+        <a:scrgbClr r="0" g="0" b="0"/>
+      </a:lnRef>
+      <a:fillRef idx="1">
+        <a:scrgbClr r="0" g="0" b="0"/>
+      </a:fillRef>
+      <a:effectRef idx="0">
+        <a:scrgbClr r="0" g="0" b="0"/>
+      </a:effectRef>
+      <a:fontRef idx="minor">
+        <a:schemeClr val="lt1"/>
+      </a:fontRef>
+    </dgm:style>
+  </dgm:styleLbl>
+  <dgm:styleLbl name="parChTrans2D4">
+    <dgm:scene3d>
+      <a:camera prst="orthographicFront"/>
+      <a:lightRig rig="threePt" dir="t"/>
+    </dgm:scene3d>
+    <dgm:sp3d/>
+    <dgm:txPr/>
+    <dgm:style>
+      <a:lnRef idx="2">
+        <a:scrgbClr r="0" g="0" b="0"/>
+      </a:lnRef>
+      <a:fillRef idx="1">
+        <a:scrgbClr r="0" g="0" b="0"/>
+      </a:fillRef>
+      <a:effectRef idx="0">
+        <a:scrgbClr r="0" g="0" b="0"/>
+      </a:effectRef>
+      <a:fontRef idx="minor">
+        <a:schemeClr val="lt1"/>
+      </a:fontRef>
+    </dgm:style>
+  </dgm:styleLbl>
+  <dgm:styleLbl name="parChTrans1D1">
+    <dgm:scene3d>
+      <a:camera prst="orthographicFront"/>
+      <a:lightRig rig="threePt" dir="t"/>
+    </dgm:scene3d>
+    <dgm:sp3d/>
+    <dgm:txPr/>
+    <dgm:style>
+      <a:lnRef idx="2">
+        <a:scrgbClr r="0" g="0" b="0"/>
+      </a:lnRef>
+      <a:fillRef idx="0">
+        <a:scrgbClr r="0" g="0" b="0"/>
+      </a:fillRef>
+      <a:effectRef idx="0">
+        <a:scrgbClr r="0" g="0" b="0"/>
+      </a:effectRef>
+      <a:fontRef idx="minor"/>
+    </dgm:style>
+  </dgm:styleLbl>
+  <dgm:styleLbl name="parChTrans1D2">
+    <dgm:scene3d>
+      <a:camera prst="orthographicFront"/>
+      <a:lightRig rig="threePt" dir="t"/>
+    </dgm:scene3d>
+    <dgm:sp3d/>
+    <dgm:txPr/>
+    <dgm:style>
+      <a:lnRef idx="2">
+        <a:scrgbClr r="0" g="0" b="0"/>
+      </a:lnRef>
+      <a:fillRef idx="0">
+        <a:scrgbClr r="0" g="0" b="0"/>
+      </a:fillRef>
+      <a:effectRef idx="0">
+        <a:scrgbClr r="0" g="0" b="0"/>
+      </a:effectRef>
+      <a:fontRef idx="minor"/>
+    </dgm:style>
+  </dgm:styleLbl>
+  <dgm:styleLbl name="parChTrans1D3">
+    <dgm:scene3d>
+      <a:camera prst="orthographicFront"/>
+      <a:lightRig rig="threePt" dir="t"/>
+    </dgm:scene3d>
+    <dgm:sp3d/>
+    <dgm:txPr/>
+    <dgm:style>
+      <a:lnRef idx="2">
+        <a:scrgbClr r="0" g="0" b="0"/>
+      </a:lnRef>
+      <a:fillRef idx="0">
+        <a:scrgbClr r="0" g="0" b="0"/>
+      </a:fillRef>
+      <a:effectRef idx="0">
+        <a:scrgbClr r="0" g="0" b="0"/>
+      </a:effectRef>
+      <a:fontRef idx="minor"/>
+    </dgm:style>
+  </dgm:styleLbl>
+  <dgm:styleLbl name="parChTrans1D4">
+    <dgm:scene3d>
+      <a:camera prst="orthographicFront"/>
+      <a:lightRig rig="threePt" dir="t"/>
+    </dgm:scene3d>
+    <dgm:sp3d/>
+    <dgm:txPr/>
+    <dgm:style>
+      <a:lnRef idx="2">
+        <a:scrgbClr r="0" g="0" b="0"/>
+      </a:lnRef>
+      <a:fillRef idx="0">
+        <a:scrgbClr r="0" g="0" b="0"/>
+      </a:fillRef>
+      <a:effectRef idx="0">
+        <a:scrgbClr r="0" g="0" b="0"/>
+      </a:effectRef>
+      <a:fontRef idx="minor"/>
+    </dgm:style>
+  </dgm:styleLbl>
+  <dgm:styleLbl name="fgAcc1">
+    <dgm:scene3d>
+      <a:camera prst="orthographicFront"/>
+      <a:lightRig rig="threePt" dir="t"/>
+    </dgm:scene3d>
+    <dgm:sp3d/>
+    <dgm:txPr/>
+    <dgm:style>
+      <a:lnRef idx="2">
+        <a:scrgbClr r="0" g="0" b="0"/>
+      </a:lnRef>
+      <a:fillRef idx="1">
+        <a:scrgbClr r="0" g="0" b="0"/>
+      </a:fillRef>
+      <a:effectRef idx="0">
+        <a:scrgbClr r="0" g="0" b="0"/>
+      </a:effectRef>
+      <a:fontRef idx="minor"/>
+    </dgm:style>
+  </dgm:styleLbl>
+  <dgm:styleLbl name="conFgAcc1">
+    <dgm:scene3d>
+      <a:camera prst="orthographicFront"/>
+      <a:lightRig rig="threePt" dir="t"/>
+    </dgm:scene3d>
+    <dgm:sp3d/>
+    <dgm:txPr/>
+    <dgm:style>
+      <a:lnRef idx="2">
+        <a:scrgbClr r="0" g="0" b="0"/>
+      </a:lnRef>
+      <a:fillRef idx="1">
+        <a:scrgbClr r="0" g="0" b="0"/>
+      </a:fillRef>
+      <a:effectRef idx="0">
+        <a:scrgbClr r="0" g="0" b="0"/>
+      </a:effectRef>
+      <a:fontRef idx="minor"/>
+    </dgm:style>
+  </dgm:styleLbl>
+  <dgm:styleLbl name="alignAcc1">
+    <dgm:scene3d>
+      <a:camera prst="orthographicFront"/>
+      <a:lightRig rig="threePt" dir="t"/>
+    </dgm:scene3d>
+    <dgm:sp3d/>
+    <dgm:txPr/>
+    <dgm:style>
+      <a:lnRef idx="2">
+        <a:scrgbClr r="0" g="0" b="0"/>
+      </a:lnRef>
+      <a:fillRef idx="1">
+        <a:scrgbClr r="0" g="0" b="0"/>
+      </a:fillRef>
+      <a:effectRef idx="0">
+        <a:scrgbClr r="0" g="0" b="0"/>
+      </a:effectRef>
+      <a:fontRef idx="minor"/>
+    </dgm:style>
+  </dgm:styleLbl>
+  <dgm:styleLbl name="trAlignAcc1">
+    <dgm:scene3d>
+      <a:camera prst="orthographicFront"/>
+      <a:lightRig rig="threePt" dir="t"/>
+    </dgm:scene3d>
+    <dgm:sp3d/>
+    <dgm:txPr/>
+    <dgm:style>
+      <a:lnRef idx="1">
+        <a:scrgbClr r="0" g="0" b="0"/>
+      </a:lnRef>
+      <a:fillRef idx="1">
+        <a:scrgbClr r="0" g="0" b="0"/>
+      </a:fillRef>
+      <a:effectRef idx="0">
+        <a:scrgbClr r="0" g="0" b="0"/>
+      </a:effectRef>
+      <a:fontRef idx="minor"/>
+    </dgm:style>
+  </dgm:styleLbl>
+  <dgm:styleLbl name="bgAcc1">
+    <dgm:scene3d>
+      <a:camera prst="orthographicFront"/>
+      <a:lightRig rig="threePt" dir="t"/>
+    </dgm:scene3d>
+    <dgm:sp3d/>
+    <dgm:txPr/>
+    <dgm:style>
+      <a:lnRef idx="2">
+        <a:scrgbClr r="0" g="0" b="0"/>
+      </a:lnRef>
+      <a:fillRef idx="1">
+        <a:scrgbClr r="0" g="0" b="0"/>
+      </a:fillRef>
+      <a:effectRef idx="0">
+        <a:scrgbClr r="0" g="0" b="0"/>
+      </a:effectRef>
+      <a:fontRef idx="minor"/>
+    </dgm:style>
+  </dgm:styleLbl>
+  <dgm:styleLbl name="solidFgAcc1">
+    <dgm:scene3d>
+      <a:camera prst="orthographicFront"/>
+      <a:lightRig rig="threePt" dir="t"/>
+    </dgm:scene3d>
+    <dgm:sp3d/>
+    <dgm:txPr/>
+    <dgm:style>
+      <a:lnRef idx="2">
+        <a:scrgbClr r="0" g="0" b="0"/>
+      </a:lnRef>
+      <a:fillRef idx="1">
+        <a:scrgbClr r="0" g="0" b="0"/>
+      </a:fillRef>
+      <a:effectRef idx="0">
+        <a:scrgbClr r="0" g="0" b="0"/>
+      </a:effectRef>
+      <a:fontRef idx="minor"/>
+    </dgm:style>
+  </dgm:styleLbl>
+  <dgm:styleLbl name="solidAlignAcc1">
+    <dgm:scene3d>
+      <a:camera prst="orthographicFront"/>
+      <a:lightRig rig="threePt" dir="t"/>
+    </dgm:scene3d>
+    <dgm:sp3d/>
+    <dgm:txPr/>
+    <dgm:style>
+      <a:lnRef idx="2">
+        <a:scrgbClr r="0" g="0" b="0"/>
+      </a:lnRef>
+      <a:fillRef idx="1">
+        <a:scrgbClr r="0" g="0" b="0"/>
+      </a:fillRef>
+      <a:effectRef idx="0">
+        <a:scrgbClr r="0" g="0" b="0"/>
+      </a:effectRef>
+      <a:fontRef idx="minor"/>
+    </dgm:style>
+  </dgm:styleLbl>
+  <dgm:styleLbl name="solidBgAcc1">
+    <dgm:scene3d>
+      <a:camera prst="orthographicFront"/>
+      <a:lightRig rig="threePt" dir="t"/>
+    </dgm:scene3d>
+    <dgm:sp3d/>
+    <dgm:txPr/>
+    <dgm:style>
+      <a:lnRef idx="2">
+        <a:scrgbClr r="0" g="0" b="0"/>
+      </a:lnRef>
+      <a:fillRef idx="1">
+        <a:scrgbClr r="0" g="0" b="0"/>
+      </a:fillRef>
+      <a:effectRef idx="0">
+        <a:scrgbClr r="0" g="0" b="0"/>
+      </a:effectRef>
+      <a:fontRef idx="minor"/>
+    </dgm:style>
+  </dgm:styleLbl>
+  <dgm:styleLbl name="fgAccFollowNode1">
+    <dgm:scene3d>
+      <a:camera prst="orthographicFront"/>
+      <a:lightRig rig="threePt" dir="t"/>
+    </dgm:scene3d>
+    <dgm:sp3d/>
+    <dgm:txPr/>
+    <dgm:style>
+      <a:lnRef idx="2">
+        <a:scrgbClr r="0" g="0" b="0"/>
+      </a:lnRef>
+      <a:fillRef idx="1">
+        <a:scrgbClr r="0" g="0" b="0"/>
+      </a:fillRef>
+      <a:effectRef idx="0">
+        <a:scrgbClr r="0" g="0" b="0"/>
+      </a:effectRef>
+      <a:fontRef idx="minor"/>
+    </dgm:style>
+  </dgm:styleLbl>
+  <dgm:styleLbl name="alignAccFollowNode1">
+    <dgm:scene3d>
+      <a:camera prst="orthographicFront"/>
+      <a:lightRig rig="threePt" dir="t"/>
+    </dgm:scene3d>
+    <dgm:sp3d/>
+    <dgm:txPr/>
+    <dgm:style>
+      <a:lnRef idx="2">
+        <a:scrgbClr r="0" g="0" b="0"/>
+      </a:lnRef>
+      <a:fillRef idx="1">
+        <a:scrgbClr r="0" g="0" b="0"/>
+      </a:fillRef>
+      <a:effectRef idx="0">
+        <a:scrgbClr r="0" g="0" b="0"/>
+      </a:effectRef>
+      <a:fontRef idx="minor"/>
+    </dgm:style>
+  </dgm:styleLbl>
+  <dgm:styleLbl name="bgAccFollowNode1">
+    <dgm:scene3d>
+      <a:camera prst="orthographicFront"/>
+      <a:lightRig rig="threePt" dir="t"/>
+    </dgm:scene3d>
+    <dgm:sp3d/>
+    <dgm:txPr/>
+    <dgm:style>
+      <a:lnRef idx="2">
+        <a:scrgbClr r="0" g="0" b="0"/>
+      </a:lnRef>
+      <a:fillRef idx="1">
+        <a:scrgbClr r="0" g="0" b="0"/>
+      </a:fillRef>
+      <a:effectRef idx="0">
+        <a:scrgbClr r="0" g="0" b="0"/>
+      </a:effectRef>
+      <a:fontRef idx="minor"/>
+    </dgm:style>
+  </dgm:styleLbl>
+  <dgm:styleLbl name="fgAcc0">
+    <dgm:scene3d>
+      <a:camera prst="orthographicFront"/>
+      <a:lightRig rig="threePt" dir="t"/>
+    </dgm:scene3d>
+    <dgm:sp3d/>
+    <dgm:txPr/>
+    <dgm:style>
+      <a:lnRef idx="2">
+        <a:scrgbClr r="0" g="0" b="0"/>
+      </a:lnRef>
+      <a:fillRef idx="1">
+        <a:scrgbClr r="0" g="0" b="0"/>
+      </a:fillRef>
+      <a:effectRef idx="0">
+        <a:scrgbClr r="0" g="0" b="0"/>
+      </a:effectRef>
+      <a:fontRef idx="minor"/>
+    </dgm:style>
+  </dgm:styleLbl>
+  <dgm:styleLbl name="fgAcc2">
+    <dgm:scene3d>
+      <a:camera prst="orthographicFront"/>
+      <a:lightRig rig="threePt" dir="t"/>
+    </dgm:scene3d>
+    <dgm:sp3d/>
+    <dgm:txPr/>
+    <dgm:style>
+      <a:lnRef idx="2">
+        <a:scrgbClr r="0" g="0" b="0"/>
+      </a:lnRef>
+      <a:fillRef idx="1">
+        <a:scrgbClr r="0" g="0" b="0"/>
+      </a:fillRef>
+      <a:effectRef idx="0">
+        <a:scrgbClr r="0" g="0" b="0"/>
+      </a:effectRef>
+      <a:fontRef idx="minor"/>
+    </dgm:style>
+  </dgm:styleLbl>
+  <dgm:styleLbl name="fgAcc3">
+    <dgm:scene3d>
+      <a:camera prst="orthographicFront"/>
+      <a:lightRig rig="threePt" dir="t"/>
+    </dgm:scene3d>
+    <dgm:sp3d/>
+    <dgm:txPr/>
+    <dgm:style>
+      <a:lnRef idx="2">
+        <a:scrgbClr r="0" g="0" b="0"/>
+      </a:lnRef>
+      <a:fillRef idx="1">
+        <a:scrgbClr r="0" g="0" b="0"/>
+      </a:fillRef>
+      <a:effectRef idx="0">
+        <a:scrgbClr r="0" g="0" b="0"/>
+      </a:effectRef>
+      <a:fontRef idx="minor"/>
+    </dgm:style>
+  </dgm:styleLbl>
+  <dgm:styleLbl name="fgAcc4">
+    <dgm:scene3d>
+      <a:camera prst="orthographicFront"/>
+      <a:lightRig rig="threePt" dir="t"/>
+    </dgm:scene3d>
+    <dgm:sp3d/>
+    <dgm:txPr/>
+    <dgm:style>
+      <a:lnRef idx="2">
+        <a:scrgbClr r="0" g="0" b="0"/>
+      </a:lnRef>
+      <a:fillRef idx="1">
+        <a:scrgbClr r="0" g="0" b="0"/>
+      </a:fillRef>
+      <a:effectRef idx="0">
+        <a:scrgbClr r="0" g="0" b="0"/>
+      </a:effectRef>
+      <a:fontRef idx="minor"/>
+    </dgm:style>
+  </dgm:styleLbl>
+  <dgm:styleLbl name="bgShp">
+    <dgm:scene3d>
+      <a:camera prst="orthographicFront"/>
+      <a:lightRig rig="threePt" dir="t"/>
+    </dgm:scene3d>
+    <dgm:sp3d/>
+    <dgm:txPr/>
+    <dgm:style>
+      <a:lnRef idx="0">
+        <a:scrgbClr r="0" g="0" b="0"/>
+      </a:lnRef>
+      <a:fillRef idx="1">
+        <a:scrgbClr r="0" g="0" b="0"/>
+      </a:fillRef>
+      <a:effectRef idx="0">
+        <a:scrgbClr r="0" g="0" b="0"/>
+      </a:effectRef>
+      <a:fontRef idx="minor"/>
+    </dgm:style>
+  </dgm:styleLbl>
+  <dgm:styleLbl name="dkBgShp">
+    <dgm:scene3d>
+      <a:camera prst="orthographicFront"/>
+      <a:lightRig rig="threePt" dir="t"/>
+    </dgm:scene3d>
+    <dgm:sp3d/>
+    <dgm:txPr/>
+    <dgm:style>
+      <a:lnRef idx="0">
+        <a:scrgbClr r="0" g="0" b="0"/>
+      </a:lnRef>
+      <a:fillRef idx="1">
+        <a:scrgbClr r="0" g="0" b="0"/>
+      </a:fillRef>
+      <a:effectRef idx="0">
+        <a:scrgbClr r="0" g="0" b="0"/>
+      </a:effectRef>
+      <a:fontRef idx="minor"/>
+    </dgm:style>
+  </dgm:styleLbl>
+  <dgm:styleLbl name="trBgShp">
+    <dgm:scene3d>
+      <a:camera prst="orthographicFront"/>
+      <a:lightRig rig="threePt" dir="t"/>
+    </dgm:scene3d>
+    <dgm:sp3d/>
+    <dgm:txPr/>
+    <dgm:style>
+      <a:lnRef idx="0">
+        <a:scrgbClr r="0" g="0" b="0"/>
+      </a:lnRef>
+      <a:fillRef idx="1">
+        <a:scrgbClr r="0" g="0" b="0"/>
+      </a:fillRef>
+      <a:effectRef idx="0">
+        <a:scrgbClr r="0" g="0" b="0"/>
+      </a:effectRef>
+      <a:fontRef idx="minor"/>
+    </dgm:style>
+  </dgm:styleLbl>
+  <dgm:styleLbl name="fgShp">
+    <dgm:scene3d>
+      <a:camera prst="orthographicFront"/>
+      <a:lightRig rig="threePt" dir="t"/>
+    </dgm:scene3d>
+    <dgm:sp3d/>
+    <dgm:txPr/>
+    <dgm:style>
+      <a:lnRef idx="2">
+        <a:scrgbClr r="0" g="0" b="0"/>
+      </a:lnRef>
+      <a:fillRef idx="1">
+        <a:scrgbClr r="0" g="0" b="0"/>
+      </a:fillRef>
+      <a:effectRef idx="0">
+        <a:scrgbClr r="0" g="0" b="0"/>
+      </a:effectRef>
+      <a:fontRef idx="minor"/>
+    </dgm:style>
+  </dgm:styleLbl>
+  <dgm:styleLbl name="revTx">
+    <dgm:scene3d>
+      <a:camera prst="orthographicFront"/>
+      <a:lightRig rig="threePt" dir="t"/>
+    </dgm:scene3d>
+    <dgm:sp3d/>
+    <dgm:txPr/>
+    <dgm:style>
+      <a:lnRef idx="0">
+        <a:scrgbClr r="0" g="0" b="0"/>
+      </a:lnRef>
+      <a:fillRef idx="0">
+        <a:scrgbClr r="0" g="0" b="0"/>
+      </a:fillRef>
+      <a:effectRef idx="0">
+        <a:scrgbClr r="0" g="0" b="0"/>
+      </a:effectRef>
+      <a:fontRef idx="minor"/>
+    </dgm:style>
+  </dgm:styleLbl>
+</dgm:styleDef>
 </file>
 
 <file path=ppt/notesMasters/notesMaster1.xml><?xml version="1.0" encoding="utf-8"?>
@@ -4007,28 +8047,210 @@
           </a:p>
         </p:txBody>
       </p:sp>
-      <p:sp>
-        <p:nvSpPr>
-          <p:cNvPr id="3" name="Espace réservé du contenu 2">
+      <p:pic>
+        <p:nvPicPr>
+          <p:cNvPr id="5" name="Espace réservé du contenu 4" descr="Une image contenant texte, capture d’écran, Logiciel multimédia, logiciel&#10;&#10;Le contenu généré par l’IA peut être incorrect.">
             <a:extLst>
               <a:ext uri="{FF2B5EF4-FFF2-40B4-BE49-F238E27FC236}">
-                <a16:creationId xmlns:a16="http://schemas.microsoft.com/office/drawing/2014/main" id="{9EA24626-22E9-556A-06E9-A9815135C42E}"/>
+                <a16:creationId xmlns:a16="http://schemas.microsoft.com/office/drawing/2014/main" id="{3FFC12EA-0B6B-CA64-8947-4A8E60376161}"/>
               </a:ext>
             </a:extLst>
           </p:cNvPr>
-          <p:cNvSpPr>
-            <a:spLocks noGrp="1"/>
-          </p:cNvSpPr>
+          <p:cNvPicPr>
+            <a:picLocks noGrp="1" noChangeAspect="1"/>
+          </p:cNvPicPr>
           <p:nvPr>
             <p:ph idx="1"/>
           </p:nvPr>
+        </p:nvPicPr>
+        <p:blipFill>
+          <a:blip r:embed="rId2">
+            <a:extLst>
+              <a:ext uri="{28A0092B-C50C-407E-A947-70E740481C1C}">
+                <a14:useLocalDpi xmlns:a14="http://schemas.microsoft.com/office/drawing/2010/main" val="0"/>
+              </a:ext>
+            </a:extLst>
+          </a:blip>
+          <a:srcRect l="24922" t="4641" r="51851" b="90695"/>
+          <a:stretch>
+            <a:fillRect/>
+          </a:stretch>
+        </p:blipFill>
+        <p:spPr>
+          <a:xfrm>
+            <a:off x="711277" y="1405925"/>
+            <a:ext cx="5307470" cy="599508"/>
+          </a:xfrm>
+        </p:spPr>
+      </p:pic>
+      <p:pic>
+        <p:nvPicPr>
+          <p:cNvPr id="9" name="Image 8">
+            <a:hlinkClick r:id="rId3"/>
+            <a:extLst>
+              <a:ext uri="{FF2B5EF4-FFF2-40B4-BE49-F238E27FC236}">
+                <a16:creationId xmlns:a16="http://schemas.microsoft.com/office/drawing/2014/main" id="{3C42CF45-A79F-8747-E855-89A899B94BA4}"/>
+              </a:ext>
+            </a:extLst>
+          </p:cNvPr>
+          <p:cNvPicPr>
+            <a:picLocks noChangeAspect="1"/>
+          </p:cNvPicPr>
+          <p:nvPr/>
+        </p:nvPicPr>
+        <p:blipFill>
+          <a:blip r:embed="rId4"/>
+          <a:stretch>
+            <a:fillRect/>
+          </a:stretch>
+        </p:blipFill>
+        <p:spPr>
+          <a:xfrm>
+            <a:off x="1225830" y="2118384"/>
+            <a:ext cx="4658375" cy="2591162"/>
+          </a:xfrm>
+          <a:prstGeom prst="rect">
+            <a:avLst/>
+          </a:prstGeom>
+          <a:ln w="38100">
+            <a:solidFill>
+              <a:srgbClr val="FF0000"/>
+            </a:solidFill>
+          </a:ln>
+        </p:spPr>
+      </p:pic>
+      <p:pic>
+        <p:nvPicPr>
+          <p:cNvPr id="11" name="Image 10">
+            <a:extLst>
+              <a:ext uri="{FF2B5EF4-FFF2-40B4-BE49-F238E27FC236}">
+                <a16:creationId xmlns:a16="http://schemas.microsoft.com/office/drawing/2014/main" id="{59E0323F-6D99-6DD7-DBE7-3C740E2A2E0A}"/>
+              </a:ext>
+            </a:extLst>
+          </p:cNvPr>
+          <p:cNvPicPr>
+            <a:picLocks noChangeAspect="1"/>
+          </p:cNvPicPr>
+          <p:nvPr/>
+        </p:nvPicPr>
+        <p:blipFill>
+          <a:blip r:embed="rId5"/>
+          <a:stretch>
+            <a:fillRect/>
+          </a:stretch>
+        </p:blipFill>
+        <p:spPr>
+          <a:xfrm>
+            <a:off x="1580246" y="4822497"/>
+            <a:ext cx="1190791" cy="1543265"/>
+          </a:xfrm>
+          <a:prstGeom prst="rect">
+            <a:avLst/>
+          </a:prstGeom>
+        </p:spPr>
+      </p:pic>
+      <p:sp>
+        <p:nvSpPr>
+          <p:cNvPr id="13" name="ZoneTexte 12">
+            <a:extLst>
+              <a:ext uri="{FF2B5EF4-FFF2-40B4-BE49-F238E27FC236}">
+                <a16:creationId xmlns:a16="http://schemas.microsoft.com/office/drawing/2014/main" id="{294222DF-04D8-CCBA-36E2-CFB377B66E36}"/>
+              </a:ext>
+            </a:extLst>
+          </p:cNvPr>
+          <p:cNvSpPr txBox="1"/>
+          <p:nvPr/>
         </p:nvSpPr>
-        <p:spPr/>
+        <p:spPr>
+          <a:xfrm>
+            <a:off x="6173255" y="1521013"/>
+            <a:ext cx="6096000" cy="369332"/>
+          </a:xfrm>
+          <a:prstGeom prst="rect">
+            <a:avLst/>
+          </a:prstGeom>
+          <a:noFill/>
+        </p:spPr>
         <p:txBody>
-          <a:bodyPr/>
+          <a:bodyPr wrap="square">
+            <a:spAutoFit/>
+          </a:bodyPr>
           <a:lstStyle/>
           <a:p>
-            <a:endParaRPr lang="fr-FR" dirty="0"/>
+            <a:r>
+              <a:rPr lang="fr-FR" dirty="0"/>
+              <a:t>https://www.youtube.com/watch?v=0qo78R_yYFA&amp;t=10s</a:t>
+            </a:r>
+          </a:p>
+        </p:txBody>
+      </p:sp>
+      <p:sp>
+        <p:nvSpPr>
+          <p:cNvPr id="15" name="ZoneTexte 14">
+            <a:extLst>
+              <a:ext uri="{FF2B5EF4-FFF2-40B4-BE49-F238E27FC236}">
+                <a16:creationId xmlns:a16="http://schemas.microsoft.com/office/drawing/2014/main" id="{E75096BD-23F8-01AC-8157-D793699998B6}"/>
+              </a:ext>
+            </a:extLst>
+          </p:cNvPr>
+          <p:cNvSpPr txBox="1"/>
+          <p:nvPr/>
+        </p:nvSpPr>
+        <p:spPr>
+          <a:xfrm>
+            <a:off x="6136813" y="2956100"/>
+            <a:ext cx="3444509" cy="369332"/>
+          </a:xfrm>
+          <a:prstGeom prst="rect">
+            <a:avLst/>
+          </a:prstGeom>
+          <a:noFill/>
+        </p:spPr>
+        <p:txBody>
+          <a:bodyPr wrap="square">
+            <a:spAutoFit/>
+          </a:bodyPr>
+          <a:lstStyle/>
+          <a:p>
+            <a:r>
+              <a:rPr lang="fr-FR" dirty="0"/>
+              <a:t>https://youtu.be/0qo78R_yYFA</a:t>
+            </a:r>
+          </a:p>
+        </p:txBody>
+      </p:sp>
+      <p:sp>
+        <p:nvSpPr>
+          <p:cNvPr id="17" name="ZoneTexte 16">
+            <a:extLst>
+              <a:ext uri="{FF2B5EF4-FFF2-40B4-BE49-F238E27FC236}">
+                <a16:creationId xmlns:a16="http://schemas.microsoft.com/office/drawing/2014/main" id="{48240099-B948-CC51-76B5-1E64BBAC7D50}"/>
+              </a:ext>
+            </a:extLst>
+          </p:cNvPr>
+          <p:cNvSpPr txBox="1"/>
+          <p:nvPr/>
+        </p:nvSpPr>
+        <p:spPr>
+          <a:xfrm>
+            <a:off x="3448880" y="5452075"/>
+            <a:ext cx="6132442" cy="369332"/>
+          </a:xfrm>
+          <a:prstGeom prst="rect">
+            <a:avLst/>
+          </a:prstGeom>
+          <a:noFill/>
+        </p:spPr>
+        <p:txBody>
+          <a:bodyPr wrap="square">
+            <a:spAutoFit/>
+          </a:bodyPr>
+          <a:lstStyle/>
+          <a:p>
+            <a:r>
+              <a:rPr lang="fr-FR" dirty="0"/>
+              <a:t>https://youtu.be/0qo78R_yYFA?si=iRqETlSRWPg1k4AM</a:t>
+            </a:r>
           </a:p>
         </p:txBody>
       </p:sp>
@@ -4085,8 +8307,13 @@
           <a:p>
             <a:r>
               <a:rPr lang="fr-FR" dirty="0"/>
-              <a:t>Qu'est quoi, un ATOME ? </a:t>
-            </a:r>
+              <a:t>Qu'est quoi, un ATOME ? Play </a:t>
+            </a:r>
+            <a:r>
+              <a:rPr lang="fr-FR" dirty="0" err="1"/>
+              <a:t>list</a:t>
+            </a:r>
+            <a:endParaRPr lang="fr-FR" dirty="0"/>
           </a:p>
         </p:txBody>
       </p:sp>
@@ -4103,7 +8330,366 @@
             <a:spLocks noGrp="1"/>
           </p:cNvSpPr>
           <p:nvPr>
-            <p:ph idx="1"/>
+            <p:ph sz="half" idx="1"/>
+          </p:nvPr>
+        </p:nvSpPr>
+        <p:spPr/>
+        <p:style>
+          <a:lnRef idx="2">
+            <a:schemeClr val="dk1"/>
+          </a:lnRef>
+          <a:fillRef idx="1">
+            <a:schemeClr val="lt1"/>
+          </a:fillRef>
+          <a:effectRef idx="0">
+            <a:schemeClr val="dk1"/>
+          </a:effectRef>
+          <a:fontRef idx="minor">
+            <a:schemeClr val="dk1"/>
+          </a:fontRef>
+        </p:style>
+        <p:txBody>
+          <a:bodyPr>
+            <a:normAutofit fontScale="62500" lnSpcReduction="20000"/>
+          </a:bodyPr>
+          <a:lstStyle/>
+          <a:p>
+            <a:pPr>
+              <a:buFont typeface="Wingdings" panose="05000000000000000000" pitchFamily="2" charset="2"/>
+              <a:buChar char="Ø"/>
+            </a:pPr>
+            <a:r>
+              <a:rPr lang="fr-FR" dirty="0">
+                <a:hlinkClick r:id="rId2"/>
+              </a:rPr>
+              <a:t>https://www.youtube.com/watch?v=UQ-cVXzBnPY&amp;list=PLFf1gA-ubk_SyRas2VM_kx-UEjKsEfawT&amp;index=10</a:t>
+            </a:r>
+            <a:endParaRPr lang="fr-FR" dirty="0"/>
+          </a:p>
+          <a:p>
+            <a:pPr>
+              <a:buFont typeface="Wingdings" panose="05000000000000000000" pitchFamily="2" charset="2"/>
+              <a:buChar char="Ø"/>
+            </a:pPr>
+            <a:r>
+              <a:rPr lang="fr-FR" dirty="0">
+                <a:hlinkClick r:id="rId3"/>
+              </a:rPr>
+              <a:t>https://www.youtube.com/watch?v=J8Q24Q2x9d8&amp;list=PLFf1gA-ubk_SyRas2VM_kx-UEjKsEfawT&amp;index=19</a:t>
+            </a:r>
+            <a:endParaRPr lang="fr-FR" dirty="0"/>
+          </a:p>
+          <a:p>
+            <a:pPr>
+              <a:buFont typeface="Wingdings" panose="05000000000000000000" pitchFamily="2" charset="2"/>
+              <a:buChar char="Ø"/>
+            </a:pPr>
+            <a:r>
+              <a:rPr lang="fr-FR" dirty="0">
+                <a:hlinkClick r:id="rId4"/>
+              </a:rPr>
+              <a:t>https://www.youtube.com/watch?v=7gYzhvP0U_E&amp;list=PLFf1gA-ubk_SyRas2VM_kx-UEjKsEfawT&amp;index=24</a:t>
+            </a:r>
+            <a:endParaRPr lang="fr-FR" dirty="0"/>
+          </a:p>
+          <a:p>
+            <a:pPr>
+              <a:buFont typeface="Wingdings" panose="05000000000000000000" pitchFamily="2" charset="2"/>
+              <a:buChar char="Ø"/>
+            </a:pPr>
+            <a:r>
+              <a:rPr lang="fr-FR" dirty="0">
+                <a:hlinkClick r:id="rId5"/>
+              </a:rPr>
+              <a:t>https://www.youtube.com/watch?v=npRy2FpuatQ&amp;list=PLFf1gA-ubk_SyRas2VM_kx-UEjKsEfawT&amp;index=29</a:t>
+            </a:r>
+            <a:endParaRPr lang="fr-FR" dirty="0"/>
+          </a:p>
+          <a:p>
+            <a:pPr>
+              <a:buFont typeface="Wingdings" panose="05000000000000000000" pitchFamily="2" charset="2"/>
+              <a:buChar char="Ø"/>
+            </a:pPr>
+            <a:r>
+              <a:rPr lang="fr-FR" dirty="0">
+                <a:hlinkClick r:id="rId6"/>
+              </a:rPr>
+              <a:t>https://www.youtube.com/watch?v=J_DokHcT4ic&amp;list=PLFf1gA-ubk_SyRas2VM_kx-UEjKsEfawT&amp;index=35</a:t>
+            </a:r>
+            <a:endParaRPr lang="fr-FR" dirty="0"/>
+          </a:p>
+          <a:p>
+            <a:pPr>
+              <a:buFont typeface="Wingdings" panose="05000000000000000000" pitchFamily="2" charset="2"/>
+              <a:buChar char="Ø"/>
+            </a:pPr>
+            <a:r>
+              <a:rPr lang="fr-FR" dirty="0">
+                <a:hlinkClick r:id="rId7"/>
+              </a:rPr>
+              <a:t>https://www.youtube.com/watch?v=B_XmYTy3T5U&amp;list=PLFf1gA-ubk_SyRas2VM_kx-UEjKsEfawT&amp;index=36</a:t>
+            </a:r>
+            <a:endParaRPr lang="fr-FR" dirty="0"/>
+          </a:p>
+          <a:p>
+            <a:pPr marL="0" indent="0">
+              <a:buNone/>
+            </a:pPr>
+            <a:endParaRPr lang="fr-FR" dirty="0"/>
+          </a:p>
+          <a:p>
+            <a:pPr>
+              <a:buFont typeface="Wingdings" panose="05000000000000000000" pitchFamily="2" charset="2"/>
+              <a:buChar char="Ø"/>
+            </a:pPr>
+            <a:endParaRPr lang="fr-FR" dirty="0"/>
+          </a:p>
+          <a:p>
+            <a:pPr>
+              <a:buFont typeface="Wingdings" panose="05000000000000000000" pitchFamily="2" charset="2"/>
+              <a:buChar char="Ø"/>
+            </a:pPr>
+            <a:endParaRPr lang="fr-FR" dirty="0"/>
+          </a:p>
+          <a:p>
+            <a:pPr marL="0" indent="0">
+              <a:buNone/>
+            </a:pPr>
+            <a:endParaRPr lang="fr-FR" dirty="0"/>
+          </a:p>
+          <a:p>
+            <a:pPr>
+              <a:buFont typeface="Wingdings" panose="05000000000000000000" pitchFamily="2" charset="2"/>
+              <a:buChar char="Ø"/>
+            </a:pPr>
+            <a:endParaRPr lang="fr-FR" dirty="0"/>
+          </a:p>
+        </p:txBody>
+      </p:sp>
+      <p:pic>
+        <p:nvPicPr>
+          <p:cNvPr id="10" name="Image 9">
+            <a:extLst>
+              <a:ext uri="{FF2B5EF4-FFF2-40B4-BE49-F238E27FC236}">
+                <a16:creationId xmlns:a16="http://schemas.microsoft.com/office/drawing/2014/main" id="{42B7CC61-2797-DFF7-9D90-A3A9A6B439FA}"/>
+              </a:ext>
+            </a:extLst>
+          </p:cNvPr>
+          <p:cNvPicPr>
+            <a:picLocks noChangeAspect="1"/>
+          </p:cNvPicPr>
+          <p:nvPr/>
+        </p:nvPicPr>
+        <p:blipFill>
+          <a:blip r:embed="rId8"/>
+          <a:stretch>
+            <a:fillRect/>
+          </a:stretch>
+        </p:blipFill>
+        <p:spPr>
+          <a:xfrm>
+            <a:off x="5948353" y="2151216"/>
+            <a:ext cx="3840047" cy="928576"/>
+          </a:xfrm>
+          <a:prstGeom prst="rect">
+            <a:avLst/>
+          </a:prstGeom>
+        </p:spPr>
+      </p:pic>
+      <p:pic>
+        <p:nvPicPr>
+          <p:cNvPr id="14" name="Image 13">
+            <a:extLst>
+              <a:ext uri="{FF2B5EF4-FFF2-40B4-BE49-F238E27FC236}">
+                <a16:creationId xmlns:a16="http://schemas.microsoft.com/office/drawing/2014/main" id="{DDAD6732-9704-58AC-BAC2-989FB1FE19D0}"/>
+              </a:ext>
+            </a:extLst>
+          </p:cNvPr>
+          <p:cNvPicPr>
+            <a:picLocks noChangeAspect="1"/>
+          </p:cNvPicPr>
+          <p:nvPr/>
+        </p:nvPicPr>
+        <p:blipFill>
+          <a:blip r:embed="rId9"/>
+          <a:stretch>
+            <a:fillRect/>
+          </a:stretch>
+        </p:blipFill>
+        <p:spPr>
+          <a:xfrm>
+            <a:off x="6019800" y="1258242"/>
+            <a:ext cx="3286539" cy="928577"/>
+          </a:xfrm>
+          <a:prstGeom prst="rect">
+            <a:avLst/>
+          </a:prstGeom>
+        </p:spPr>
+      </p:pic>
+      <p:pic>
+        <p:nvPicPr>
+          <p:cNvPr id="16" name="Image 15">
+            <a:extLst>
+              <a:ext uri="{FF2B5EF4-FFF2-40B4-BE49-F238E27FC236}">
+                <a16:creationId xmlns:a16="http://schemas.microsoft.com/office/drawing/2014/main" id="{9DEC4A84-3DA0-F429-ED85-048BCB1BDD6A}"/>
+              </a:ext>
+            </a:extLst>
+          </p:cNvPr>
+          <p:cNvPicPr>
+            <a:picLocks noChangeAspect="1"/>
+          </p:cNvPicPr>
+          <p:nvPr/>
+        </p:nvPicPr>
+        <p:blipFill>
+          <a:blip r:embed="rId10"/>
+          <a:stretch>
+            <a:fillRect/>
+          </a:stretch>
+        </p:blipFill>
+        <p:spPr>
+          <a:xfrm>
+            <a:off x="6019800" y="3079792"/>
+            <a:ext cx="2972215" cy="857370"/>
+          </a:xfrm>
+          <a:prstGeom prst="rect">
+            <a:avLst/>
+          </a:prstGeom>
+        </p:spPr>
+      </p:pic>
+      <p:pic>
+        <p:nvPicPr>
+          <p:cNvPr id="18" name="Image 17">
+            <a:extLst>
+              <a:ext uri="{FF2B5EF4-FFF2-40B4-BE49-F238E27FC236}">
+                <a16:creationId xmlns:a16="http://schemas.microsoft.com/office/drawing/2014/main" id="{CD0F8A59-10B2-36D8-FBCB-8A22C4E34894}"/>
+              </a:ext>
+            </a:extLst>
+          </p:cNvPr>
+          <p:cNvPicPr>
+            <a:picLocks noChangeAspect="1"/>
+          </p:cNvPicPr>
+          <p:nvPr/>
+        </p:nvPicPr>
+        <p:blipFill>
+          <a:blip r:embed="rId11"/>
+          <a:stretch>
+            <a:fillRect/>
+          </a:stretch>
+        </p:blipFill>
+        <p:spPr>
+          <a:xfrm>
+            <a:off x="5948353" y="4001294"/>
+            <a:ext cx="3115110" cy="857370"/>
+          </a:xfrm>
+          <a:prstGeom prst="rect">
+            <a:avLst/>
+          </a:prstGeom>
+        </p:spPr>
+      </p:pic>
+      <p:pic>
+        <p:nvPicPr>
+          <p:cNvPr id="20" name="Image 19">
+            <a:extLst>
+              <a:ext uri="{FF2B5EF4-FFF2-40B4-BE49-F238E27FC236}">
+                <a16:creationId xmlns:a16="http://schemas.microsoft.com/office/drawing/2014/main" id="{32472CA0-2611-2E5C-C802-871EB0BCD959}"/>
+              </a:ext>
+            </a:extLst>
+          </p:cNvPr>
+          <p:cNvPicPr>
+            <a:picLocks noChangeAspect="1"/>
+          </p:cNvPicPr>
+          <p:nvPr/>
+        </p:nvPicPr>
+        <p:blipFill>
+          <a:blip r:embed="rId12"/>
+          <a:stretch>
+            <a:fillRect/>
+          </a:stretch>
+        </p:blipFill>
+        <p:spPr>
+          <a:xfrm>
+            <a:off x="5948353" y="4797577"/>
+            <a:ext cx="4801270" cy="895475"/>
+          </a:xfrm>
+          <a:prstGeom prst="rect">
+            <a:avLst/>
+          </a:prstGeom>
+        </p:spPr>
+      </p:pic>
+      <p:pic>
+        <p:nvPicPr>
+          <p:cNvPr id="22" name="Image 21">
+            <a:extLst>
+              <a:ext uri="{FF2B5EF4-FFF2-40B4-BE49-F238E27FC236}">
+                <a16:creationId xmlns:a16="http://schemas.microsoft.com/office/drawing/2014/main" id="{1ED48E8D-B1CA-8F61-CE56-5ECF1F283814}"/>
+              </a:ext>
+            </a:extLst>
+          </p:cNvPr>
+          <p:cNvPicPr>
+            <a:picLocks noChangeAspect="1"/>
+          </p:cNvPicPr>
+          <p:nvPr/>
+        </p:nvPicPr>
+        <p:blipFill>
+          <a:blip r:embed="rId13"/>
+          <a:stretch>
+            <a:fillRect/>
+          </a:stretch>
+        </p:blipFill>
+        <p:spPr>
+          <a:xfrm>
+            <a:off x="6096000" y="5628241"/>
+            <a:ext cx="3286584" cy="876422"/>
+          </a:xfrm>
+          <a:prstGeom prst="rect">
+            <a:avLst/>
+          </a:prstGeom>
+        </p:spPr>
+      </p:pic>
+    </p:spTree>
+    <p:extLst>
+      <p:ext uri="{BB962C8B-B14F-4D97-AF65-F5344CB8AC3E}">
+        <p14:creationId xmlns:p14="http://schemas.microsoft.com/office/powerpoint/2010/main" val="4048115305"/>
+      </p:ext>
+    </p:extLst>
+  </p:cSld>
+  <p:clrMapOvr>
+    <a:masterClrMapping/>
+  </p:clrMapOvr>
+</p:sld>
+</file>
+
+<file path=ppt/slides/slide5.xml><?xml version="1.0" encoding="utf-8"?>
+<p:sld xmlns:a="http://schemas.openxmlformats.org/drawingml/2006/main" xmlns:r="http://schemas.openxmlformats.org/officeDocument/2006/relationships" xmlns:p="http://schemas.openxmlformats.org/presentationml/2006/main">
+  <p:cSld>
+    <p:spTree>
+      <p:nvGrpSpPr>
+        <p:cNvPr id="1" name=""/>
+        <p:cNvGrpSpPr/>
+        <p:nvPr/>
+      </p:nvGrpSpPr>
+      <p:grpSpPr>
+        <a:xfrm>
+          <a:off x="0" y="0"/>
+          <a:ext cx="0" cy="0"/>
+          <a:chOff x="0" y="0"/>
+          <a:chExt cx="0" cy="0"/>
+        </a:xfrm>
+      </p:grpSpPr>
+      <p:sp>
+        <p:nvSpPr>
+          <p:cNvPr id="2" name="Titre 1">
+            <a:extLst>
+              <a:ext uri="{FF2B5EF4-FFF2-40B4-BE49-F238E27FC236}">
+                <a16:creationId xmlns:a16="http://schemas.microsoft.com/office/drawing/2014/main" id="{E83DA575-88DD-656C-A406-ECABFF7552B7}"/>
+              </a:ext>
+            </a:extLst>
+          </p:cNvPr>
+          <p:cNvSpPr>
+            <a:spLocks noGrp="1"/>
+          </p:cNvSpPr>
+          <p:nvPr>
+            <p:ph type="title"/>
           </p:nvPr>
         </p:nvSpPr>
         <p:spPr/>
@@ -4111,17 +8697,60 @@
           <a:bodyPr/>
           <a:lstStyle/>
           <a:p>
+            <a:r>
+              <a:rPr lang="fr-FR" dirty="0"/>
+              <a:t>ATOME ou </a:t>
+            </a:r>
+            <a:r>
+              <a:rPr lang="fr-FR" cap="all" dirty="0"/>
+              <a:t>ion</a:t>
+            </a:r>
+            <a:r>
+              <a:rPr lang="fr-FR" dirty="0"/>
+              <a:t> ?</a:t>
+            </a:r>
+          </a:p>
+        </p:txBody>
+      </p:sp>
+      <p:sp>
+        <p:nvSpPr>
+          <p:cNvPr id="3" name="Espace réservé du contenu 2">
+            <a:extLst>
+              <a:ext uri="{FF2B5EF4-FFF2-40B4-BE49-F238E27FC236}">
+                <a16:creationId xmlns:a16="http://schemas.microsoft.com/office/drawing/2014/main" id="{64EB6968-78DF-FC9C-E904-69BA501271AF}"/>
+              </a:ext>
+            </a:extLst>
+          </p:cNvPr>
+          <p:cNvSpPr>
+            <a:spLocks noGrp="1"/>
+          </p:cNvSpPr>
+          <p:nvPr>
+            <p:ph sz="half" idx="1"/>
+          </p:nvPr>
+        </p:nvSpPr>
+        <p:spPr>
+          <a:xfrm>
+            <a:off x="669859" y="1527451"/>
+            <a:ext cx="5181600" cy="4351338"/>
+          </a:xfrm>
+        </p:spPr>
+        <p:txBody>
+          <a:bodyPr>
+            <a:normAutofit lnSpcReduction="10000"/>
+          </a:bodyPr>
+          <a:lstStyle/>
+          <a:p>
             <a:pPr>
               <a:buFont typeface="Wingdings" panose="05000000000000000000" pitchFamily="2" charset="2"/>
               <a:buChar char="Ø"/>
             </a:pPr>
             <a:r>
-              <a:rPr lang="fr-FR" dirty="0">
+              <a:rPr lang="fr-FR" sz="1600" dirty="0">
                 <a:hlinkClick r:id="rId2"/>
               </a:rPr>
-              <a:t>https://www.youtube.com/watch?v=UQ-cVXzBnPY&amp;list=PLFf1gA-ubk_SyRas2VM_kx-UEjKsEfawT&amp;index=10</a:t>
-            </a:r>
-            <a:endParaRPr lang="fr-FR" dirty="0"/>
+              <a:t>https://www.youtube.com/watch?v=yG2Znuum7KA&amp;list=PLFf1gA-ubk_SyRas2VM_kx-UEjKsEfawT&amp;index=2</a:t>
+            </a:r>
+            <a:endParaRPr lang="fr-FR" sz="1600" dirty="0"/>
           </a:p>
           <a:p>
             <a:pPr>
@@ -4129,12 +8758,12 @@
               <a:buChar char="Ø"/>
             </a:pPr>
             <a:r>
-              <a:rPr lang="fr-FR" dirty="0">
+              <a:rPr lang="fr-FR" sz="1600" dirty="0">
                 <a:hlinkClick r:id="rId3"/>
               </a:rPr>
-              <a:t>https://youtu.be/UQ-cVXzBnPY?list=PLFf1gA-ubk_SyRas2VM_kx-UEjKsEfawT</a:t>
-            </a:r>
-            <a:endParaRPr lang="fr-FR" dirty="0"/>
+              <a:t>https://www.youtube.com/watch?v=uzeT2nR075I&amp;list=PLFf1gA-ubk_SyRas2VM_kx-UEjKsEfawT&amp;index=4</a:t>
+            </a:r>
+            <a:endParaRPr lang="fr-FR" sz="1600" dirty="0"/>
           </a:p>
           <a:p>
             <a:pPr>
@@ -4142,12 +8771,12 @@
               <a:buChar char="Ø"/>
             </a:pPr>
             <a:r>
-              <a:rPr lang="fr-FR" dirty="0">
+              <a:rPr lang="fr-FR" sz="1600" dirty="0">
                 <a:hlinkClick r:id="rId4"/>
               </a:rPr>
-              <a:t>https://youtu.be/UQ-cVXzBnPY?si=Rp2JnANU05NQv-j4</a:t>
-            </a:r>
-            <a:endParaRPr lang="fr-FR" dirty="0"/>
+              <a:t>https://www.youtube.com/watch?v=3okQp-SHmaw&amp;list=PLFf1gA-ubk_SyRas2VM_kx-UEjKsEfawT&amp;index=5</a:t>
+            </a:r>
+            <a:endParaRPr lang="fr-FR" sz="1600" dirty="0"/>
           </a:p>
           <a:p>
             <a:pPr>
@@ -4155,40 +8784,488 @@
               <a:buChar char="Ø"/>
             </a:pPr>
             <a:r>
-              <a:rPr lang="fr-FR" dirty="0">
+              <a:rPr lang="fr-FR" sz="1600" dirty="0">
                 <a:hlinkClick r:id="rId5"/>
               </a:rPr>
-              <a:t>https://www.youtube.com/watch?v=UQ-cVXzBnPY&amp;list=PLFf1gA-ubk_SyRas2VM_kx-UEjKsEfawT</a:t>
-            </a:r>
-            <a:endParaRPr lang="fr-FR" dirty="0"/>
+              <a:t>https://www.youtube.com/watch?v=Ot-_jkH5o_Y&amp;list=PLFf1gA-ubk_SyRas2VM_kx-UEjKsEfawT&amp;index=11</a:t>
+            </a:r>
+            <a:endParaRPr lang="fr-FR" sz="1600" dirty="0"/>
           </a:p>
           <a:p>
             <a:pPr>
               <a:buFont typeface="Wingdings" panose="05000000000000000000" pitchFamily="2" charset="2"/>
               <a:buChar char="Ø"/>
             </a:pPr>
-            <a:endParaRPr lang="fr-FR" dirty="0"/>
+            <a:r>
+              <a:rPr lang="fr-FR" sz="1600" dirty="0">
+                <a:hlinkClick r:id="rId6"/>
+              </a:rPr>
+              <a:t>https://www.youtube.com/watch?v=7ssEXga3JmA&amp;list=PLFf1gA-ubk_SyRas2VM_kx-UEjKsEfawT&amp;index=12</a:t>
+            </a:r>
+            <a:endParaRPr lang="fr-FR" sz="1600" dirty="0"/>
           </a:p>
           <a:p>
             <a:pPr>
               <a:buFont typeface="Wingdings" panose="05000000000000000000" pitchFamily="2" charset="2"/>
               <a:buChar char="Ø"/>
             </a:pPr>
-            <a:endParaRPr lang="fr-FR" dirty="0"/>
+            <a:r>
+              <a:rPr lang="fr-FR" sz="1600" dirty="0">
+                <a:hlinkClick r:id="rId7"/>
+              </a:rPr>
+              <a:t>https://www.youtube.com/watch?v=GMRINarIR_o&amp;list=PLFf1gA-ubk_SyRas2VM_kx-UEjKsEfawT&amp;index=15</a:t>
+            </a:r>
+            <a:endParaRPr lang="fr-FR" sz="1600" dirty="0"/>
           </a:p>
           <a:p>
             <a:pPr>
               <a:buFont typeface="Wingdings" panose="05000000000000000000" pitchFamily="2" charset="2"/>
               <a:buChar char="Ø"/>
             </a:pPr>
+            <a:r>
+              <a:rPr lang="fr-FR" sz="1600" dirty="0">
+                <a:hlinkClick r:id="rId8"/>
+              </a:rPr>
+              <a:t>https://www.youtube.com/watch?v=4CJgnT8Sl0I&amp;list=PLFf1gA-ubk_SyRas2VM_kx-UEjKsEfawT&amp;index=37</a:t>
+            </a:r>
+            <a:endParaRPr lang="fr-FR" sz="1600" dirty="0"/>
+          </a:p>
+          <a:p>
+            <a:pPr>
+              <a:buFont typeface="Wingdings" panose="05000000000000000000" pitchFamily="2" charset="2"/>
+              <a:buChar char="Ø"/>
+            </a:pPr>
+            <a:endParaRPr lang="fr-FR" sz="1600" dirty="0"/>
+          </a:p>
+        </p:txBody>
+      </p:sp>
+      <p:pic>
+        <p:nvPicPr>
+          <p:cNvPr id="6" name="Espace réservé du contenu 5">
+            <a:extLst>
+              <a:ext uri="{FF2B5EF4-FFF2-40B4-BE49-F238E27FC236}">
+                <a16:creationId xmlns:a16="http://schemas.microsoft.com/office/drawing/2014/main" id="{63ED69C0-C451-80C6-BE0E-C02751EAB802}"/>
+              </a:ext>
+            </a:extLst>
+          </p:cNvPr>
+          <p:cNvPicPr>
+            <a:picLocks noGrp="1" noChangeAspect="1"/>
+          </p:cNvPicPr>
+          <p:nvPr>
+            <p:ph sz="half" idx="2"/>
+          </p:nvPr>
+        </p:nvPicPr>
+        <p:blipFill>
+          <a:blip r:embed="rId9"/>
+          <a:stretch>
+            <a:fillRect/>
+          </a:stretch>
+        </p:blipFill>
+        <p:spPr>
+          <a:xfrm>
+            <a:off x="6096000" y="380818"/>
+            <a:ext cx="4143953" cy="866896"/>
+          </a:xfrm>
+          <a:prstGeom prst="rect">
+            <a:avLst/>
+          </a:prstGeom>
+        </p:spPr>
+      </p:pic>
+      <p:pic>
+        <p:nvPicPr>
+          <p:cNvPr id="8" name="Image 7">
+            <a:extLst>
+              <a:ext uri="{FF2B5EF4-FFF2-40B4-BE49-F238E27FC236}">
+                <a16:creationId xmlns:a16="http://schemas.microsoft.com/office/drawing/2014/main" id="{CB5961CA-6F32-EACA-9D06-10DFB44D1543}"/>
+              </a:ext>
+            </a:extLst>
+          </p:cNvPr>
+          <p:cNvPicPr>
+            <a:picLocks noChangeAspect="1"/>
+          </p:cNvPicPr>
+          <p:nvPr/>
+        </p:nvPicPr>
+        <p:blipFill>
+          <a:blip r:embed="rId10"/>
+          <a:stretch>
+            <a:fillRect/>
+          </a:stretch>
+        </p:blipFill>
+        <p:spPr>
+          <a:xfrm>
+            <a:off x="5957574" y="1290159"/>
+            <a:ext cx="3448531" cy="876422"/>
+          </a:xfrm>
+          <a:prstGeom prst="rect">
+            <a:avLst/>
+          </a:prstGeom>
+        </p:spPr>
+      </p:pic>
+      <p:pic>
+        <p:nvPicPr>
+          <p:cNvPr id="10" name="Image 9">
+            <a:extLst>
+              <a:ext uri="{FF2B5EF4-FFF2-40B4-BE49-F238E27FC236}">
+                <a16:creationId xmlns:a16="http://schemas.microsoft.com/office/drawing/2014/main" id="{A16B39CA-90EF-195C-A48A-2E6FDFC05838}"/>
+              </a:ext>
+            </a:extLst>
+          </p:cNvPr>
+          <p:cNvPicPr>
+            <a:picLocks noChangeAspect="1"/>
+          </p:cNvPicPr>
+          <p:nvPr/>
+        </p:nvPicPr>
+        <p:blipFill>
+          <a:blip r:embed="rId11"/>
+          <a:stretch>
+            <a:fillRect/>
+          </a:stretch>
+        </p:blipFill>
+        <p:spPr>
+          <a:xfrm>
+            <a:off x="5919057" y="2172747"/>
+            <a:ext cx="3172268" cy="885949"/>
+          </a:xfrm>
+          <a:prstGeom prst="rect">
+            <a:avLst/>
+          </a:prstGeom>
+        </p:spPr>
+      </p:pic>
+      <p:pic>
+        <p:nvPicPr>
+          <p:cNvPr id="12" name="Image 11">
+            <a:extLst>
+              <a:ext uri="{FF2B5EF4-FFF2-40B4-BE49-F238E27FC236}">
+                <a16:creationId xmlns:a16="http://schemas.microsoft.com/office/drawing/2014/main" id="{AA305E3E-77B6-069B-BC7C-0027439A405D}"/>
+              </a:ext>
+            </a:extLst>
+          </p:cNvPr>
+          <p:cNvPicPr>
+            <a:picLocks noChangeAspect="1"/>
+          </p:cNvPicPr>
+          <p:nvPr/>
+        </p:nvPicPr>
+        <p:blipFill>
+          <a:blip r:embed="rId12"/>
+          <a:stretch>
+            <a:fillRect/>
+          </a:stretch>
+        </p:blipFill>
+        <p:spPr>
+          <a:xfrm>
+            <a:off x="5919057" y="3091615"/>
+            <a:ext cx="3762900" cy="866896"/>
+          </a:xfrm>
+          <a:prstGeom prst="rect">
+            <a:avLst/>
+          </a:prstGeom>
+        </p:spPr>
+      </p:pic>
+      <p:pic>
+        <p:nvPicPr>
+          <p:cNvPr id="14" name="Image 13">
+            <a:extLst>
+              <a:ext uri="{FF2B5EF4-FFF2-40B4-BE49-F238E27FC236}">
+                <a16:creationId xmlns:a16="http://schemas.microsoft.com/office/drawing/2014/main" id="{982273F2-4E71-2D11-6A8C-ABEF857EC7A8}"/>
+              </a:ext>
+            </a:extLst>
+          </p:cNvPr>
+          <p:cNvPicPr>
+            <a:picLocks noChangeAspect="1"/>
+          </p:cNvPicPr>
+          <p:nvPr/>
+        </p:nvPicPr>
+        <p:blipFill>
+          <a:blip r:embed="rId13"/>
+          <a:stretch>
+            <a:fillRect/>
+          </a:stretch>
+        </p:blipFill>
+        <p:spPr>
+          <a:xfrm>
+            <a:off x="5955345" y="3969017"/>
+            <a:ext cx="3515216" cy="914528"/>
+          </a:xfrm>
+          <a:prstGeom prst="rect">
+            <a:avLst/>
+          </a:prstGeom>
+        </p:spPr>
+      </p:pic>
+      <p:pic>
+        <p:nvPicPr>
+          <p:cNvPr id="16" name="Image 15">
+            <a:extLst>
+              <a:ext uri="{FF2B5EF4-FFF2-40B4-BE49-F238E27FC236}">
+                <a16:creationId xmlns:a16="http://schemas.microsoft.com/office/drawing/2014/main" id="{03112457-0A60-4D4C-995C-FE8158D17B84}"/>
+              </a:ext>
+            </a:extLst>
+          </p:cNvPr>
+          <p:cNvPicPr>
+            <a:picLocks noChangeAspect="1"/>
+          </p:cNvPicPr>
+          <p:nvPr/>
+        </p:nvPicPr>
+        <p:blipFill>
+          <a:blip r:embed="rId14"/>
+          <a:stretch>
+            <a:fillRect/>
+          </a:stretch>
+        </p:blipFill>
+        <p:spPr>
+          <a:xfrm>
+            <a:off x="5919057" y="4756794"/>
+            <a:ext cx="4401164" cy="924054"/>
+          </a:xfrm>
+          <a:prstGeom prst="rect">
+            <a:avLst/>
+          </a:prstGeom>
+        </p:spPr>
+      </p:pic>
+      <p:pic>
+        <p:nvPicPr>
+          <p:cNvPr id="18" name="Image 17">
+            <a:extLst>
+              <a:ext uri="{FF2B5EF4-FFF2-40B4-BE49-F238E27FC236}">
+                <a16:creationId xmlns:a16="http://schemas.microsoft.com/office/drawing/2014/main" id="{9E2C2636-A3FB-73AC-B9B0-D9BC7BFCFDAC}"/>
+              </a:ext>
+            </a:extLst>
+          </p:cNvPr>
+          <p:cNvPicPr>
+            <a:picLocks noChangeAspect="1"/>
+          </p:cNvPicPr>
+          <p:nvPr/>
+        </p:nvPicPr>
+        <p:blipFill>
+          <a:blip r:embed="rId15"/>
+          <a:stretch>
+            <a:fillRect/>
+          </a:stretch>
+        </p:blipFill>
+        <p:spPr>
+          <a:xfrm>
+            <a:off x="6054254" y="5638959"/>
+            <a:ext cx="3343742" cy="971686"/>
+          </a:xfrm>
+          <a:prstGeom prst="rect">
+            <a:avLst/>
+          </a:prstGeom>
+        </p:spPr>
+      </p:pic>
+    </p:spTree>
+    <p:extLst>
+      <p:ext uri="{BB962C8B-B14F-4D97-AF65-F5344CB8AC3E}">
+        <p14:creationId xmlns:p14="http://schemas.microsoft.com/office/powerpoint/2010/main" val="2689911748"/>
+      </p:ext>
+    </p:extLst>
+  </p:cSld>
+  <p:clrMapOvr>
+    <a:masterClrMapping/>
+  </p:clrMapOvr>
+</p:sld>
+</file>
+
+<file path=ppt/slides/slide6.xml><?xml version="1.0" encoding="utf-8"?>
+<p:sld xmlns:a="http://schemas.openxmlformats.org/drawingml/2006/main" xmlns:r="http://schemas.openxmlformats.org/officeDocument/2006/relationships" xmlns:p="http://schemas.openxmlformats.org/presentationml/2006/main">
+  <p:cSld>
+    <p:spTree>
+      <p:nvGrpSpPr>
+        <p:cNvPr id="1" name="">
+          <a:extLst>
+            <a:ext uri="{FF2B5EF4-FFF2-40B4-BE49-F238E27FC236}">
+              <a16:creationId xmlns:a16="http://schemas.microsoft.com/office/drawing/2014/main" id="{4CA142D4-EDA3-A61E-CF87-19E9A8041FD1}"/>
+            </a:ext>
+          </a:extLst>
+        </p:cNvPr>
+        <p:cNvGrpSpPr/>
+        <p:nvPr/>
+      </p:nvGrpSpPr>
+      <p:grpSpPr>
+        <a:xfrm>
+          <a:off x="0" y="0"/>
+          <a:ext cx="0" cy="0"/>
+          <a:chOff x="0" y="0"/>
+          <a:chExt cx="0" cy="0"/>
+        </a:xfrm>
+      </p:grpSpPr>
+      <p:sp>
+        <p:nvSpPr>
+          <p:cNvPr id="2" name="Titre 1">
+            <a:extLst>
+              <a:ext uri="{FF2B5EF4-FFF2-40B4-BE49-F238E27FC236}">
+                <a16:creationId xmlns:a16="http://schemas.microsoft.com/office/drawing/2014/main" id="{994DBC00-C4E0-FF4F-507F-E0DCB0CB3588}"/>
+              </a:ext>
+            </a:extLst>
+          </p:cNvPr>
+          <p:cNvSpPr>
+            <a:spLocks noGrp="1"/>
+          </p:cNvSpPr>
+          <p:nvPr>
+            <p:ph type="title"/>
+          </p:nvPr>
+        </p:nvSpPr>
+        <p:spPr/>
+        <p:txBody>
+          <a:bodyPr/>
+          <a:lstStyle/>
+          <a:p>
+            <a:r>
+              <a:rPr lang="fr-FR" dirty="0"/>
+              <a:t>ATOME ou </a:t>
+            </a:r>
+            <a:r>
+              <a:rPr lang="fr-FR" cap="all" dirty="0"/>
+              <a:t>molécule</a:t>
+            </a:r>
+            <a:r>
+              <a:rPr lang="fr-FR" dirty="0"/>
+              <a:t> ?</a:t>
+            </a:r>
+          </a:p>
+        </p:txBody>
+      </p:sp>
+      <p:sp>
+        <p:nvSpPr>
+          <p:cNvPr id="3" name="Espace réservé du contenu 2">
+            <a:extLst>
+              <a:ext uri="{FF2B5EF4-FFF2-40B4-BE49-F238E27FC236}">
+                <a16:creationId xmlns:a16="http://schemas.microsoft.com/office/drawing/2014/main" id="{5836BE72-3667-1401-3A34-D1B464A45901}"/>
+              </a:ext>
+            </a:extLst>
+          </p:cNvPr>
+          <p:cNvSpPr>
+            <a:spLocks noGrp="1"/>
+          </p:cNvSpPr>
+          <p:nvPr>
+            <p:ph sz="half" idx="1"/>
+          </p:nvPr>
+        </p:nvSpPr>
+        <p:spPr/>
+        <p:txBody>
+          <a:bodyPr/>
+          <a:lstStyle/>
+          <a:p>
             <a:endParaRPr lang="fr-FR" dirty="0"/>
+          </a:p>
+        </p:txBody>
+      </p:sp>
+      <p:sp>
+        <p:nvSpPr>
+          <p:cNvPr id="4" name="Espace réservé du contenu 3">
+            <a:extLst>
+              <a:ext uri="{FF2B5EF4-FFF2-40B4-BE49-F238E27FC236}">
+                <a16:creationId xmlns:a16="http://schemas.microsoft.com/office/drawing/2014/main" id="{FA405473-4C49-96F7-A3FD-5A9C3E1A2176}"/>
+              </a:ext>
+            </a:extLst>
+          </p:cNvPr>
+          <p:cNvSpPr>
+            <a:spLocks noGrp="1"/>
+          </p:cNvSpPr>
+          <p:nvPr>
+            <p:ph sz="half" idx="2"/>
+          </p:nvPr>
+        </p:nvSpPr>
+        <p:spPr/>
+        <p:txBody>
+          <a:bodyPr/>
+          <a:lstStyle/>
+          <a:p>
+            <a:endParaRPr lang="fr-FR"/>
           </a:p>
         </p:txBody>
       </p:sp>
     </p:spTree>
     <p:extLst>
       <p:ext uri="{BB962C8B-B14F-4D97-AF65-F5344CB8AC3E}">
-        <p14:creationId xmlns:p14="http://schemas.microsoft.com/office/powerpoint/2010/main" val="4048115305"/>
+        <p14:creationId xmlns:p14="http://schemas.microsoft.com/office/powerpoint/2010/main" val="639779425"/>
+      </p:ext>
+    </p:extLst>
+  </p:cSld>
+  <p:clrMapOvr>
+    <a:masterClrMapping/>
+  </p:clrMapOvr>
+</p:sld>
+</file>
+
+<file path=ppt/slides/slide7.xml><?xml version="1.0" encoding="utf-8"?>
+<p:sld xmlns:a="http://schemas.openxmlformats.org/drawingml/2006/main" xmlns:r="http://schemas.openxmlformats.org/officeDocument/2006/relationships" xmlns:p="http://schemas.openxmlformats.org/presentationml/2006/main">
+  <p:cSld>
+    <p:spTree>
+      <p:nvGrpSpPr>
+        <p:cNvPr id="1" name=""/>
+        <p:cNvGrpSpPr/>
+        <p:nvPr/>
+      </p:nvGrpSpPr>
+      <p:grpSpPr>
+        <a:xfrm>
+          <a:off x="0" y="0"/>
+          <a:ext cx="0" cy="0"/>
+          <a:chOff x="0" y="0"/>
+          <a:chExt cx="0" cy="0"/>
+        </a:xfrm>
+      </p:grpSpPr>
+      <p:sp>
+        <p:nvSpPr>
+          <p:cNvPr id="2" name="Titre 1">
+            <a:extLst>
+              <a:ext uri="{FF2B5EF4-FFF2-40B4-BE49-F238E27FC236}">
+                <a16:creationId xmlns:a16="http://schemas.microsoft.com/office/drawing/2014/main" id="{935E015A-E660-F052-098B-5C061837531A}"/>
+              </a:ext>
+            </a:extLst>
+          </p:cNvPr>
+          <p:cNvSpPr>
+            <a:spLocks noGrp="1"/>
+          </p:cNvSpPr>
+          <p:nvPr>
+            <p:ph type="title"/>
+          </p:nvPr>
+        </p:nvSpPr>
+        <p:spPr/>
+        <p:txBody>
+          <a:bodyPr/>
+          <a:lstStyle/>
+          <a:p>
+            <a:r>
+              <a:rPr lang="fr-FR" dirty="0"/>
+              <a:t>Graphe atomique</a:t>
+            </a:r>
+          </a:p>
+        </p:txBody>
+      </p:sp>
+      <p:graphicFrame>
+        <p:nvGraphicFramePr>
+          <p:cNvPr id="4" name="Espace réservé du contenu 3">
+            <a:extLst>
+              <a:ext uri="{FF2B5EF4-FFF2-40B4-BE49-F238E27FC236}">
+                <a16:creationId xmlns:a16="http://schemas.microsoft.com/office/drawing/2014/main" id="{E18895B5-BBB1-287D-E459-93323835BFB3}"/>
+              </a:ext>
+            </a:extLst>
+          </p:cNvPr>
+          <p:cNvGraphicFramePr>
+            <a:graphicFrameLocks noGrp="1"/>
+          </p:cNvGraphicFramePr>
+          <p:nvPr>
+            <p:ph idx="1"/>
+            <p:extLst>
+              <p:ext uri="{D42A27DB-BD31-4B8C-83A1-F6EECF244321}">
+                <p14:modId xmlns:p14="http://schemas.microsoft.com/office/powerpoint/2010/main" val="1116319175"/>
+              </p:ext>
+            </p:extLst>
+          </p:nvPr>
+        </p:nvGraphicFramePr>
+        <p:xfrm>
+          <a:off x="838200" y="1825625"/>
+          <a:ext cx="10515600" cy="4351338"/>
+        </p:xfrm>
+        <a:graphic>
+          <a:graphicData uri="http://schemas.openxmlformats.org/drawingml/2006/diagram">
+            <dgm:relIds xmlns:dgm="http://schemas.openxmlformats.org/drawingml/2006/diagram" xmlns:r="http://schemas.openxmlformats.org/officeDocument/2006/relationships" r:dm="rId2" r:lo="rId3" r:qs="rId4" r:cs="rId5"/>
+          </a:graphicData>
+        </a:graphic>
+      </p:graphicFrame>
+    </p:spTree>
+    <p:extLst>
+      <p:ext uri="{BB962C8B-B14F-4D97-AF65-F5344CB8AC3E}">
+        <p14:creationId xmlns:p14="http://schemas.microsoft.com/office/powerpoint/2010/main" val="3524820913"/>
       </p:ext>
     </p:extLst>
   </p:cSld>

--- a/Pending/Prolegomenes_ATOME.pptx
+++ b/Pending/Prolegomenes_ATOME.pptx
@@ -5,7 +5,7 @@
     <p:sldMasterId id="2147483648" r:id="rId1"/>
   </p:sldMasterIdLst>
   <p:notesMasterIdLst>
-    <p:notesMasterId r:id="rId9"/>
+    <p:notesMasterId r:id="rId12"/>
   </p:notesMasterIdLst>
   <p:sldIdLst>
     <p:sldId id="256" r:id="rId2"/>
@@ -14,7 +14,10 @@
     <p:sldId id="258" r:id="rId5"/>
     <p:sldId id="260" r:id="rId6"/>
     <p:sldId id="261" r:id="rId7"/>
-    <p:sldId id="262" r:id="rId8"/>
+    <p:sldId id="263" r:id="rId8"/>
+    <p:sldId id="264" r:id="rId9"/>
+    <p:sldId id="265" r:id="rId10"/>
+    <p:sldId id="262" r:id="rId11"/>
   </p:sldIdLst>
   <p:sldSz cx="12192000" cy="6858000"/>
   <p:notesSz cx="6858000" cy="9144000"/>
@@ -4251,7 +4254,7 @@
           <a:p>
             <a:fld id="{00800C16-166E-4128-B1A4-EE56D90A0968}" type="datetimeFigureOut">
               <a:rPr lang="fr-FR" smtClean="0"/>
-              <a:t>07/11/2025</a:t>
+              <a:t>08/11/2025</a:t>
             </a:fld>
             <a:endParaRPr lang="fr-FR"/>
           </a:p>
@@ -4755,7 +4758,7 @@
           <a:p>
             <a:fld id="{5845F2E3-C3A1-4457-B247-9ACE515F3E84}" type="datetimeFigureOut">
               <a:rPr lang="fr-FR" smtClean="0"/>
-              <a:t>07/11/2025</a:t>
+              <a:t>08/11/2025</a:t>
             </a:fld>
             <a:endParaRPr lang="fr-FR"/>
           </a:p>
@@ -4953,7 +4956,7 @@
           <a:p>
             <a:fld id="{5845F2E3-C3A1-4457-B247-9ACE515F3E84}" type="datetimeFigureOut">
               <a:rPr lang="fr-FR" smtClean="0"/>
-              <a:t>07/11/2025</a:t>
+              <a:t>08/11/2025</a:t>
             </a:fld>
             <a:endParaRPr lang="fr-FR"/>
           </a:p>
@@ -5161,7 +5164,7 @@
           <a:p>
             <a:fld id="{5845F2E3-C3A1-4457-B247-9ACE515F3E84}" type="datetimeFigureOut">
               <a:rPr lang="fr-FR" smtClean="0"/>
-              <a:t>07/11/2025</a:t>
+              <a:t>08/11/2025</a:t>
             </a:fld>
             <a:endParaRPr lang="fr-FR"/>
           </a:p>
@@ -5359,7 +5362,7 @@
           <a:p>
             <a:fld id="{5845F2E3-C3A1-4457-B247-9ACE515F3E84}" type="datetimeFigureOut">
               <a:rPr lang="fr-FR" smtClean="0"/>
-              <a:t>07/11/2025</a:t>
+              <a:t>08/11/2025</a:t>
             </a:fld>
             <a:endParaRPr lang="fr-FR"/>
           </a:p>
@@ -5634,7 +5637,7 @@
           <a:p>
             <a:fld id="{5845F2E3-C3A1-4457-B247-9ACE515F3E84}" type="datetimeFigureOut">
               <a:rPr lang="fr-FR" smtClean="0"/>
-              <a:t>07/11/2025</a:t>
+              <a:t>08/11/2025</a:t>
             </a:fld>
             <a:endParaRPr lang="fr-FR"/>
           </a:p>
@@ -5899,7 +5902,7 @@
           <a:p>
             <a:fld id="{5845F2E3-C3A1-4457-B247-9ACE515F3E84}" type="datetimeFigureOut">
               <a:rPr lang="fr-FR" smtClean="0"/>
-              <a:t>07/11/2025</a:t>
+              <a:t>08/11/2025</a:t>
             </a:fld>
             <a:endParaRPr lang="fr-FR"/>
           </a:p>
@@ -6311,7 +6314,7 @@
           <a:p>
             <a:fld id="{5845F2E3-C3A1-4457-B247-9ACE515F3E84}" type="datetimeFigureOut">
               <a:rPr lang="fr-FR" smtClean="0"/>
-              <a:t>07/11/2025</a:t>
+              <a:t>08/11/2025</a:t>
             </a:fld>
             <a:endParaRPr lang="fr-FR"/>
           </a:p>
@@ -6452,7 +6455,7 @@
           <a:p>
             <a:fld id="{5845F2E3-C3A1-4457-B247-9ACE515F3E84}" type="datetimeFigureOut">
               <a:rPr lang="fr-FR" smtClean="0"/>
-              <a:t>07/11/2025</a:t>
+              <a:t>08/11/2025</a:t>
             </a:fld>
             <a:endParaRPr lang="fr-FR"/>
           </a:p>
@@ -6565,7 +6568,7 @@
           <a:p>
             <a:fld id="{5845F2E3-C3A1-4457-B247-9ACE515F3E84}" type="datetimeFigureOut">
               <a:rPr lang="fr-FR" smtClean="0"/>
-              <a:t>07/11/2025</a:t>
+              <a:t>08/11/2025</a:t>
             </a:fld>
             <a:endParaRPr lang="fr-FR"/>
           </a:p>
@@ -6876,7 +6879,7 @@
           <a:p>
             <a:fld id="{5845F2E3-C3A1-4457-B247-9ACE515F3E84}" type="datetimeFigureOut">
               <a:rPr lang="fr-FR" smtClean="0"/>
-              <a:t>07/11/2025</a:t>
+              <a:t>08/11/2025</a:t>
             </a:fld>
             <a:endParaRPr lang="fr-FR"/>
           </a:p>
@@ -7164,7 +7167,7 @@
           <a:p>
             <a:fld id="{5845F2E3-C3A1-4457-B247-9ACE515F3E84}" type="datetimeFigureOut">
               <a:rPr lang="fr-FR" smtClean="0"/>
-              <a:t>07/11/2025</a:t>
+              <a:t>08/11/2025</a:t>
             </a:fld>
             <a:endParaRPr lang="fr-FR"/>
           </a:p>
@@ -7405,7 +7408,7 @@
           <a:p>
             <a:fld id="{5845F2E3-C3A1-4457-B247-9ACE515F3E84}" type="datetimeFigureOut">
               <a:rPr lang="fr-FR" smtClean="0"/>
-              <a:t>07/11/2025</a:t>
+              <a:t>08/11/2025</a:t>
             </a:fld>
             <a:endParaRPr lang="fr-FR"/>
           </a:p>
@@ -7891,6 +7894,95 @@
 </p:sld>
 </file>
 
+<file path=ppt/slides/slide10.xml><?xml version="1.0" encoding="utf-8"?>
+<p:sld xmlns:a="http://schemas.openxmlformats.org/drawingml/2006/main" xmlns:r="http://schemas.openxmlformats.org/officeDocument/2006/relationships" xmlns:p="http://schemas.openxmlformats.org/presentationml/2006/main">
+  <p:cSld>
+    <p:spTree>
+      <p:nvGrpSpPr>
+        <p:cNvPr id="1" name=""/>
+        <p:cNvGrpSpPr/>
+        <p:nvPr/>
+      </p:nvGrpSpPr>
+      <p:grpSpPr>
+        <a:xfrm>
+          <a:off x="0" y="0"/>
+          <a:ext cx="0" cy="0"/>
+          <a:chOff x="0" y="0"/>
+          <a:chExt cx="0" cy="0"/>
+        </a:xfrm>
+      </p:grpSpPr>
+      <p:sp>
+        <p:nvSpPr>
+          <p:cNvPr id="2" name="Titre 1">
+            <a:extLst>
+              <a:ext uri="{FF2B5EF4-FFF2-40B4-BE49-F238E27FC236}">
+                <a16:creationId xmlns:a16="http://schemas.microsoft.com/office/drawing/2014/main" id="{935E015A-E660-F052-098B-5C061837531A}"/>
+              </a:ext>
+            </a:extLst>
+          </p:cNvPr>
+          <p:cNvSpPr>
+            <a:spLocks noGrp="1"/>
+          </p:cNvSpPr>
+          <p:nvPr>
+            <p:ph type="title"/>
+          </p:nvPr>
+        </p:nvSpPr>
+        <p:spPr/>
+        <p:txBody>
+          <a:bodyPr/>
+          <a:lstStyle/>
+          <a:p>
+            <a:r>
+              <a:rPr lang="fr-FR" dirty="0"/>
+              <a:t>Graphe atomique</a:t>
+            </a:r>
+          </a:p>
+        </p:txBody>
+      </p:sp>
+      <p:graphicFrame>
+        <p:nvGraphicFramePr>
+          <p:cNvPr id="4" name="Espace réservé du contenu 3">
+            <a:extLst>
+              <a:ext uri="{FF2B5EF4-FFF2-40B4-BE49-F238E27FC236}">
+                <a16:creationId xmlns:a16="http://schemas.microsoft.com/office/drawing/2014/main" id="{E18895B5-BBB1-287D-E459-93323835BFB3}"/>
+              </a:ext>
+            </a:extLst>
+          </p:cNvPr>
+          <p:cNvGraphicFramePr>
+            <a:graphicFrameLocks noGrp="1"/>
+          </p:cNvGraphicFramePr>
+          <p:nvPr>
+            <p:ph idx="1"/>
+            <p:extLst>
+              <p:ext uri="{D42A27DB-BD31-4B8C-83A1-F6EECF244321}">
+                <p14:modId xmlns:p14="http://schemas.microsoft.com/office/powerpoint/2010/main" val="1116319175"/>
+              </p:ext>
+            </p:extLst>
+          </p:nvPr>
+        </p:nvGraphicFramePr>
+        <p:xfrm>
+          <a:off x="838200" y="1825625"/>
+          <a:ext cx="10515600" cy="4351338"/>
+        </p:xfrm>
+        <a:graphic>
+          <a:graphicData uri="http://schemas.openxmlformats.org/drawingml/2006/diagram">
+            <dgm:relIds xmlns:dgm="http://schemas.openxmlformats.org/drawingml/2006/diagram" xmlns:r="http://schemas.openxmlformats.org/officeDocument/2006/relationships" r:dm="rId2" r:lo="rId3" r:qs="rId4" r:cs="rId5"/>
+          </a:graphicData>
+        </a:graphic>
+      </p:graphicFrame>
+    </p:spTree>
+    <p:extLst>
+      <p:ext uri="{BB962C8B-B14F-4D97-AF65-F5344CB8AC3E}">
+        <p14:creationId xmlns:p14="http://schemas.microsoft.com/office/powerpoint/2010/main" val="3524820913"/>
+      </p:ext>
+    </p:extLst>
+  </p:cSld>
+  <p:clrMapOvr>
+    <a:masterClrMapping/>
+  </p:clrMapOvr>
+</p:sld>
+</file>
+
 <file path=ppt/slides/slide2.xml><?xml version="1.0" encoding="utf-8"?>
 <p:sld xmlns:a="http://schemas.openxmlformats.org/drawingml/2006/main" xmlns:r="http://schemas.openxmlformats.org/officeDocument/2006/relationships" xmlns:p="http://schemas.openxmlformats.org/presentationml/2006/main">
   <p:cSld>
@@ -9139,40 +9231,286 @@
             <p:ph sz="half" idx="1"/>
           </p:nvPr>
         </p:nvSpPr>
-        <p:spPr/>
+        <p:spPr>
+          <a:xfrm>
+            <a:off x="812847" y="1347731"/>
+            <a:ext cx="5181600" cy="4351338"/>
+          </a:xfrm>
+        </p:spPr>
         <p:txBody>
-          <a:bodyPr/>
+          <a:bodyPr>
+            <a:normAutofit fontScale="62500" lnSpcReduction="20000"/>
+          </a:bodyPr>
           <a:lstStyle/>
           <a:p>
+            <a:pPr>
+              <a:buFont typeface="Wingdings" panose="05000000000000000000" pitchFamily="2" charset="2"/>
+              <a:buChar char="Ø"/>
+            </a:pPr>
+            <a:r>
+              <a:rPr lang="fr-FR" dirty="0">
+                <a:hlinkClick r:id="rId2"/>
+              </a:rPr>
+              <a:t>https://www.youtube.com/watch?v=vGxtE9WnwS0&amp;list=PLFf1gA-ubk_SyRas2VM_kx-UEjKsEfawT&amp;index=8</a:t>
+            </a:r>
+            <a:endParaRPr lang="fr-FR" dirty="0"/>
+          </a:p>
+          <a:p>
+            <a:pPr>
+              <a:buFont typeface="Wingdings" panose="05000000000000000000" pitchFamily="2" charset="2"/>
+              <a:buChar char="Ø"/>
+            </a:pPr>
+            <a:r>
+              <a:rPr lang="fr-FR" dirty="0">
+                <a:hlinkClick r:id="rId3"/>
+              </a:rPr>
+              <a:t>https://www.youtube.com/watch?v=yRZxFKbLSvg&amp;list=PLFf1gA-ubk_SyRas2VM_kx-UEjKsEfawT&amp;index=18</a:t>
+            </a:r>
+            <a:endParaRPr lang="fr-FR" dirty="0"/>
+          </a:p>
+          <a:p>
+            <a:pPr>
+              <a:buFont typeface="Wingdings" panose="05000000000000000000" pitchFamily="2" charset="2"/>
+              <a:buChar char="Ø"/>
+            </a:pPr>
+            <a:r>
+              <a:rPr lang="fr-FR" dirty="0">
+                <a:hlinkClick r:id="rId4"/>
+              </a:rPr>
+              <a:t>https://www.youtube.com/watch?v=3nmxug62vmA&amp;list=PLFf1gA-ubk_SyRas2VM_kx-UEjKsEfawT&amp;index=22</a:t>
+            </a:r>
+            <a:endParaRPr lang="fr-FR" dirty="0"/>
+          </a:p>
+          <a:p>
+            <a:pPr>
+              <a:buFont typeface="Wingdings" panose="05000000000000000000" pitchFamily="2" charset="2"/>
+              <a:buChar char="Ø"/>
+            </a:pPr>
+            <a:r>
+              <a:rPr lang="fr-FR" dirty="0">
+                <a:hlinkClick r:id="rId5"/>
+              </a:rPr>
+              <a:t>https://www.youtube.com/watch?v=FoaG3_bTXk8&amp;list=PLFf1gA-ubk_SyRas2VM_kx-UEjKsEfawT&amp;index=23</a:t>
+            </a:r>
+            <a:endParaRPr lang="fr-FR" dirty="0"/>
+          </a:p>
+          <a:p>
+            <a:pPr>
+              <a:buFont typeface="Wingdings" panose="05000000000000000000" pitchFamily="2" charset="2"/>
+              <a:buChar char="Ø"/>
+            </a:pPr>
+            <a:r>
+              <a:rPr lang="fr-FR" dirty="0">
+                <a:hlinkClick r:id="rId6"/>
+              </a:rPr>
+              <a:t>https://www.youtube.com/watch?v=_EhWg8lytkA&amp;list=PLFf1gA-ubk_SyRas2VM_kx-UEjKsEfawT&amp;index=38</a:t>
+            </a:r>
+            <a:endParaRPr lang="fr-FR" dirty="0"/>
+          </a:p>
+          <a:p>
+            <a:pPr>
+              <a:buFont typeface="Wingdings" panose="05000000000000000000" pitchFamily="2" charset="2"/>
+              <a:buChar char="Ø"/>
+            </a:pPr>
+            <a:r>
+              <a:rPr lang="fr-FR" dirty="0">
+                <a:hlinkClick r:id="rId7"/>
+              </a:rPr>
+              <a:t>https://www.youtube.com/watch?v=fAn05YORyGs&amp;list=PLFf1gA-ubk_SyRas2VM_kx-UEjKsEfawT&amp;index=31</a:t>
+            </a:r>
+            <a:endParaRPr lang="fr-FR" dirty="0"/>
+          </a:p>
+          <a:p>
+            <a:pPr>
+              <a:buFont typeface="Wingdings" panose="05000000000000000000" pitchFamily="2" charset="2"/>
+              <a:buChar char="Ø"/>
+            </a:pPr>
             <a:endParaRPr lang="fr-FR" dirty="0"/>
           </a:p>
         </p:txBody>
       </p:sp>
-      <p:sp>
-        <p:nvSpPr>
-          <p:cNvPr id="4" name="Espace réservé du contenu 3">
-            <a:extLst>
-              <a:ext uri="{FF2B5EF4-FFF2-40B4-BE49-F238E27FC236}">
-                <a16:creationId xmlns:a16="http://schemas.microsoft.com/office/drawing/2014/main" id="{FA405473-4C49-96F7-A3FD-5A9C3E1A2176}"/>
-              </a:ext>
-            </a:extLst>
-          </p:cNvPr>
-          <p:cNvSpPr>
-            <a:spLocks noGrp="1"/>
-          </p:cNvSpPr>
+      <p:pic>
+        <p:nvPicPr>
+          <p:cNvPr id="6" name="Espace réservé du contenu 5">
+            <a:extLst>
+              <a:ext uri="{FF2B5EF4-FFF2-40B4-BE49-F238E27FC236}">
+                <a16:creationId xmlns:a16="http://schemas.microsoft.com/office/drawing/2014/main" id="{9878CFA2-0478-0D4C-1272-FAD128D94258}"/>
+              </a:ext>
+            </a:extLst>
+          </p:cNvPr>
+          <p:cNvPicPr>
+            <a:picLocks noGrp="1" noChangeAspect="1"/>
+          </p:cNvPicPr>
           <p:nvPr>
             <p:ph sz="half" idx="2"/>
           </p:nvPr>
-        </p:nvSpPr>
-        <p:spPr/>
-        <p:txBody>
-          <a:bodyPr/>
-          <a:lstStyle/>
-          <a:p>
-            <a:endParaRPr lang="fr-FR"/>
-          </a:p>
-        </p:txBody>
-      </p:sp>
+        </p:nvPicPr>
+        <p:blipFill>
+          <a:blip r:embed="rId8"/>
+          <a:stretch>
+            <a:fillRect/>
+          </a:stretch>
+        </p:blipFill>
+        <p:spPr>
+          <a:xfrm>
+            <a:off x="6265737" y="346922"/>
+            <a:ext cx="3781953" cy="914528"/>
+          </a:xfrm>
+          <a:prstGeom prst="rect">
+            <a:avLst/>
+          </a:prstGeom>
+        </p:spPr>
+      </p:pic>
+      <p:pic>
+        <p:nvPicPr>
+          <p:cNvPr id="8" name="Image 7">
+            <a:extLst>
+              <a:ext uri="{FF2B5EF4-FFF2-40B4-BE49-F238E27FC236}">
+                <a16:creationId xmlns:a16="http://schemas.microsoft.com/office/drawing/2014/main" id="{506EB94B-90AE-0692-4A27-16526D0D7685}"/>
+              </a:ext>
+            </a:extLst>
+          </p:cNvPr>
+          <p:cNvPicPr>
+            <a:picLocks noChangeAspect="1"/>
+          </p:cNvPicPr>
+          <p:nvPr/>
+        </p:nvPicPr>
+        <p:blipFill>
+          <a:blip r:embed="rId9"/>
+          <a:stretch>
+            <a:fillRect/>
+          </a:stretch>
+        </p:blipFill>
+        <p:spPr>
+          <a:xfrm>
+            <a:off x="6172202" y="1228661"/>
+            <a:ext cx="4410691" cy="924054"/>
+          </a:xfrm>
+          <a:prstGeom prst="rect">
+            <a:avLst/>
+          </a:prstGeom>
+        </p:spPr>
+      </p:pic>
+      <p:pic>
+        <p:nvPicPr>
+          <p:cNvPr id="10" name="Image 9">
+            <a:extLst>
+              <a:ext uri="{FF2B5EF4-FFF2-40B4-BE49-F238E27FC236}">
+                <a16:creationId xmlns:a16="http://schemas.microsoft.com/office/drawing/2014/main" id="{DF689056-D9D7-5A2E-8A37-E38CF472630C}"/>
+              </a:ext>
+            </a:extLst>
+          </p:cNvPr>
+          <p:cNvPicPr>
+            <a:picLocks noChangeAspect="1"/>
+          </p:cNvPicPr>
+          <p:nvPr/>
+        </p:nvPicPr>
+        <p:blipFill>
+          <a:blip r:embed="rId10"/>
+          <a:stretch>
+            <a:fillRect/>
+          </a:stretch>
+        </p:blipFill>
+        <p:spPr>
+          <a:xfrm>
+            <a:off x="6265737" y="2165899"/>
+            <a:ext cx="3381847" cy="905001"/>
+          </a:xfrm>
+          <a:prstGeom prst="rect">
+            <a:avLst/>
+          </a:prstGeom>
+        </p:spPr>
+      </p:pic>
+      <p:pic>
+        <p:nvPicPr>
+          <p:cNvPr id="12" name="Image 11">
+            <a:extLst>
+              <a:ext uri="{FF2B5EF4-FFF2-40B4-BE49-F238E27FC236}">
+                <a16:creationId xmlns:a16="http://schemas.microsoft.com/office/drawing/2014/main" id="{99F091CC-14F0-C847-34E0-765108F03CE3}"/>
+              </a:ext>
+            </a:extLst>
+          </p:cNvPr>
+          <p:cNvPicPr>
+            <a:picLocks noChangeAspect="1"/>
+          </p:cNvPicPr>
+          <p:nvPr/>
+        </p:nvPicPr>
+        <p:blipFill>
+          <a:blip r:embed="rId11"/>
+          <a:stretch>
+            <a:fillRect/>
+          </a:stretch>
+        </p:blipFill>
+        <p:spPr>
+          <a:xfrm>
+            <a:off x="5910227" y="3070900"/>
+            <a:ext cx="4934639" cy="905001"/>
+          </a:xfrm>
+          <a:prstGeom prst="rect">
+            <a:avLst/>
+          </a:prstGeom>
+        </p:spPr>
+      </p:pic>
+      <p:pic>
+        <p:nvPicPr>
+          <p:cNvPr id="14" name="Image 13">
+            <a:extLst>
+              <a:ext uri="{FF2B5EF4-FFF2-40B4-BE49-F238E27FC236}">
+                <a16:creationId xmlns:a16="http://schemas.microsoft.com/office/drawing/2014/main" id="{93D97769-4884-20D9-1BAB-B6994444D83E}"/>
+              </a:ext>
+            </a:extLst>
+          </p:cNvPr>
+          <p:cNvPicPr>
+            <a:picLocks noChangeAspect="1"/>
+          </p:cNvPicPr>
+          <p:nvPr/>
+        </p:nvPicPr>
+        <p:blipFill>
+          <a:blip r:embed="rId12"/>
+          <a:stretch>
+            <a:fillRect/>
+          </a:stretch>
+        </p:blipFill>
+        <p:spPr>
+          <a:xfrm>
+            <a:off x="5945400" y="4001294"/>
+            <a:ext cx="3153215" cy="981212"/>
+          </a:xfrm>
+          <a:prstGeom prst="rect">
+            <a:avLst/>
+          </a:prstGeom>
+        </p:spPr>
+      </p:pic>
+      <p:pic>
+        <p:nvPicPr>
+          <p:cNvPr id="16" name="Image 15">
+            <a:extLst>
+              <a:ext uri="{FF2B5EF4-FFF2-40B4-BE49-F238E27FC236}">
+                <a16:creationId xmlns:a16="http://schemas.microsoft.com/office/drawing/2014/main" id="{4E4D7B5A-4968-D6C3-7684-BD0B9168D68E}"/>
+              </a:ext>
+            </a:extLst>
+          </p:cNvPr>
+          <p:cNvPicPr>
+            <a:picLocks noChangeAspect="1"/>
+          </p:cNvPicPr>
+          <p:nvPr/>
+        </p:nvPicPr>
+        <p:blipFill>
+          <a:blip r:embed="rId13"/>
+          <a:stretch>
+            <a:fillRect/>
+          </a:stretch>
+        </p:blipFill>
+        <p:spPr>
+          <a:xfrm>
+            <a:off x="6096000" y="4982506"/>
+            <a:ext cx="4925112" cy="943107"/>
+          </a:xfrm>
+          <a:prstGeom prst="rect">
+            <a:avLst/>
+          </a:prstGeom>
+        </p:spPr>
+      </p:pic>
     </p:spTree>
     <p:extLst>
       <p:ext uri="{BB962C8B-B14F-4D97-AF65-F5344CB8AC3E}">
@@ -9187,6 +9525,201 @@
 </file>
 
 <file path=ppt/slides/slide7.xml><?xml version="1.0" encoding="utf-8"?>
+<p:sld xmlns:a="http://schemas.openxmlformats.org/drawingml/2006/main" xmlns:r="http://schemas.openxmlformats.org/officeDocument/2006/relationships" xmlns:p="http://schemas.openxmlformats.org/presentationml/2006/main">
+  <p:cSld>
+    <p:spTree>
+      <p:nvGrpSpPr>
+        <p:cNvPr id="1" name="">
+          <a:extLst>
+            <a:ext uri="{FF2B5EF4-FFF2-40B4-BE49-F238E27FC236}">
+              <a16:creationId xmlns:a16="http://schemas.microsoft.com/office/drawing/2014/main" id="{FAE502BC-EE28-8E2B-D8C4-682A3B534344}"/>
+            </a:ext>
+          </a:extLst>
+        </p:cNvPr>
+        <p:cNvGrpSpPr/>
+        <p:nvPr/>
+      </p:nvGrpSpPr>
+      <p:grpSpPr>
+        <a:xfrm>
+          <a:off x="0" y="0"/>
+          <a:ext cx="0" cy="0"/>
+          <a:chOff x="0" y="0"/>
+          <a:chExt cx="0" cy="0"/>
+        </a:xfrm>
+      </p:grpSpPr>
+      <p:sp>
+        <p:nvSpPr>
+          <p:cNvPr id="2" name="Titre 1">
+            <a:extLst>
+              <a:ext uri="{FF2B5EF4-FFF2-40B4-BE49-F238E27FC236}">
+                <a16:creationId xmlns:a16="http://schemas.microsoft.com/office/drawing/2014/main" id="{BE950B98-B821-8227-B093-119651C3D82C}"/>
+              </a:ext>
+            </a:extLst>
+          </p:cNvPr>
+          <p:cNvSpPr>
+            <a:spLocks noGrp="1"/>
+          </p:cNvSpPr>
+          <p:nvPr>
+            <p:ph type="title"/>
+          </p:nvPr>
+        </p:nvSpPr>
+        <p:spPr>
+          <a:xfrm>
+            <a:off x="556591" y="365125"/>
+            <a:ext cx="11022496" cy="1325563"/>
+          </a:xfrm>
+        </p:spPr>
+        <p:txBody>
+          <a:bodyPr>
+            <a:normAutofit/>
+          </a:bodyPr>
+          <a:lstStyle/>
+          <a:p>
+            <a:r>
+              <a:rPr lang="fr-FR" sz="3900" dirty="0"/>
+              <a:t>Formule : H2O  &amp;  COMPOSITION (simplifiée) DE L'AIR </a:t>
+            </a:r>
+          </a:p>
+        </p:txBody>
+      </p:sp>
+      <p:sp>
+        <p:nvSpPr>
+          <p:cNvPr id="3" name="Espace réservé du contenu 2">
+            <a:extLst>
+              <a:ext uri="{FF2B5EF4-FFF2-40B4-BE49-F238E27FC236}">
+                <a16:creationId xmlns:a16="http://schemas.microsoft.com/office/drawing/2014/main" id="{71E512C7-F483-4AC5-A884-4C1971E4ACEF}"/>
+              </a:ext>
+            </a:extLst>
+          </p:cNvPr>
+          <p:cNvSpPr>
+            <a:spLocks noGrp="1"/>
+          </p:cNvSpPr>
+          <p:nvPr>
+            <p:ph sz="half" idx="1"/>
+          </p:nvPr>
+        </p:nvSpPr>
+        <p:spPr/>
+        <p:txBody>
+          <a:bodyPr/>
+          <a:lstStyle/>
+          <a:p>
+            <a:pPr>
+              <a:buFont typeface="Wingdings" panose="05000000000000000000" pitchFamily="2" charset="2"/>
+              <a:buChar char="Ø"/>
+            </a:pPr>
+            <a:r>
+              <a:rPr lang="fr-FR" dirty="0">
+                <a:hlinkClick r:id="rId2"/>
+              </a:rPr>
+              <a:t>https://www.youtube.com/watch?v=vHWqOwxyDJw&amp;list=PLFf1gA-ubk_SyRas2VM_kx-UEjKsEfawT&amp;index=33</a:t>
+            </a:r>
+            <a:endParaRPr lang="fr-FR" dirty="0"/>
+          </a:p>
+          <a:p>
+            <a:pPr>
+              <a:buFont typeface="Wingdings" panose="05000000000000000000" pitchFamily="2" charset="2"/>
+              <a:buChar char="Ø"/>
+            </a:pPr>
+            <a:r>
+              <a:rPr lang="fr-FR" dirty="0">
+                <a:hlinkClick r:id="rId3"/>
+              </a:rPr>
+              <a:t>https://www.youtube.com/watch?v=16rVrxhuUME&amp;list=PLFf1gA-ubk_SyRas2VM_kx-UEjKsEfawT&amp;index=13</a:t>
+            </a:r>
+            <a:endParaRPr lang="fr-FR" dirty="0"/>
+          </a:p>
+          <a:p>
+            <a:pPr>
+              <a:buFont typeface="Wingdings" panose="05000000000000000000" pitchFamily="2" charset="2"/>
+              <a:buChar char="Ø"/>
+            </a:pPr>
+            <a:endParaRPr lang="fr-FR" dirty="0"/>
+          </a:p>
+          <a:p>
+            <a:pPr>
+              <a:buFont typeface="Wingdings" panose="05000000000000000000" pitchFamily="2" charset="2"/>
+              <a:buChar char="Ø"/>
+            </a:pPr>
+            <a:endParaRPr lang="fr-FR" dirty="0"/>
+          </a:p>
+        </p:txBody>
+      </p:sp>
+      <p:pic>
+        <p:nvPicPr>
+          <p:cNvPr id="6" name="Espace réservé du contenu 5">
+            <a:extLst>
+              <a:ext uri="{FF2B5EF4-FFF2-40B4-BE49-F238E27FC236}">
+                <a16:creationId xmlns:a16="http://schemas.microsoft.com/office/drawing/2014/main" id="{E1C85503-AC06-971D-AFBE-4585E49F17E1}"/>
+              </a:ext>
+            </a:extLst>
+          </p:cNvPr>
+          <p:cNvPicPr>
+            <a:picLocks noGrp="1" noChangeAspect="1"/>
+          </p:cNvPicPr>
+          <p:nvPr>
+            <p:ph sz="half" idx="2"/>
+          </p:nvPr>
+        </p:nvPicPr>
+        <p:blipFill>
+          <a:blip r:embed="rId4"/>
+          <a:stretch>
+            <a:fillRect/>
+          </a:stretch>
+        </p:blipFill>
+        <p:spPr>
+          <a:xfrm>
+            <a:off x="6172201" y="1924364"/>
+            <a:ext cx="4802769" cy="1136887"/>
+          </a:xfrm>
+          <a:prstGeom prst="rect">
+            <a:avLst/>
+          </a:prstGeom>
+        </p:spPr>
+      </p:pic>
+      <p:pic>
+        <p:nvPicPr>
+          <p:cNvPr id="8" name="Image 7">
+            <a:extLst>
+              <a:ext uri="{FF2B5EF4-FFF2-40B4-BE49-F238E27FC236}">
+                <a16:creationId xmlns:a16="http://schemas.microsoft.com/office/drawing/2014/main" id="{1F299888-6494-5821-246B-37253323DB08}"/>
+              </a:ext>
+            </a:extLst>
+          </p:cNvPr>
+          <p:cNvPicPr>
+            <a:picLocks noChangeAspect="1"/>
+          </p:cNvPicPr>
+          <p:nvPr/>
+        </p:nvPicPr>
+        <p:blipFill>
+          <a:blip r:embed="rId5"/>
+          <a:stretch>
+            <a:fillRect/>
+          </a:stretch>
+        </p:blipFill>
+        <p:spPr>
+          <a:xfrm>
+            <a:off x="6172201" y="3392487"/>
+            <a:ext cx="4854973" cy="1050303"/>
+          </a:xfrm>
+          <a:prstGeom prst="rect">
+            <a:avLst/>
+          </a:prstGeom>
+        </p:spPr>
+      </p:pic>
+    </p:spTree>
+    <p:extLst>
+      <p:ext uri="{BB962C8B-B14F-4D97-AF65-F5344CB8AC3E}">
+        <p14:creationId xmlns:p14="http://schemas.microsoft.com/office/powerpoint/2010/main" val="3549211697"/>
+      </p:ext>
+    </p:extLst>
+  </p:cSld>
+  <p:clrMapOvr>
+    <a:masterClrMapping/>
+  </p:clrMapOvr>
+</p:sld>
+</file>
+
+<file path=ppt/slides/slide8.xml><?xml version="1.0" encoding="utf-8"?>
 <p:sld xmlns:a="http://schemas.openxmlformats.org/drawingml/2006/main" xmlns:r="http://schemas.openxmlformats.org/officeDocument/2006/relationships" xmlns:p="http://schemas.openxmlformats.org/presentationml/2006/main">
   <p:cSld>
     <p:spTree>
@@ -9208,7 +9741,7 @@
           <p:cNvPr id="2" name="Titre 1">
             <a:extLst>
               <a:ext uri="{FF2B5EF4-FFF2-40B4-BE49-F238E27FC236}">
-                <a16:creationId xmlns:a16="http://schemas.microsoft.com/office/drawing/2014/main" id="{935E015A-E660-F052-098B-5C061837531A}"/>
+                <a16:creationId xmlns:a16="http://schemas.microsoft.com/office/drawing/2014/main" id="{8C9553ED-DF82-1986-D70A-DC0FF863FDD8}"/>
               </a:ext>
             </a:extLst>
           </p:cNvPr>
@@ -9226,46 +9759,187 @@
           <a:p>
             <a:r>
               <a:rPr lang="fr-FR" dirty="0"/>
-              <a:t>Graphe atomique</a:t>
+              <a:t>La </a:t>
+            </a:r>
+            <a:r>
+              <a:rPr lang="fr-FR" cap="all" dirty="0"/>
+              <a:t>mole</a:t>
+            </a:r>
+            <a:r>
+              <a:rPr lang="fr-FR" dirty="0"/>
+              <a:t> </a:t>
             </a:r>
           </a:p>
         </p:txBody>
       </p:sp>
-      <p:graphicFrame>
-        <p:nvGraphicFramePr>
+      <p:sp>
+        <p:nvSpPr>
+          <p:cNvPr id="3" name="Espace réservé du contenu 2">
+            <a:extLst>
+              <a:ext uri="{FF2B5EF4-FFF2-40B4-BE49-F238E27FC236}">
+                <a16:creationId xmlns:a16="http://schemas.microsoft.com/office/drawing/2014/main" id="{A666DE7A-205C-B4E6-69B5-50E97FFF2B93}"/>
+              </a:ext>
+            </a:extLst>
+          </p:cNvPr>
+          <p:cNvSpPr>
+            <a:spLocks noGrp="1"/>
+          </p:cNvSpPr>
+          <p:nvPr>
+            <p:ph sz="half" idx="1"/>
+          </p:nvPr>
+        </p:nvSpPr>
+        <p:spPr/>
+        <p:txBody>
+          <a:bodyPr/>
+          <a:lstStyle/>
+          <a:p>
+            <a:endParaRPr lang="fr-FR"/>
+          </a:p>
+        </p:txBody>
+      </p:sp>
+      <p:sp>
+        <p:nvSpPr>
           <p:cNvPr id="4" name="Espace réservé du contenu 3">
             <a:extLst>
               <a:ext uri="{FF2B5EF4-FFF2-40B4-BE49-F238E27FC236}">
-                <a16:creationId xmlns:a16="http://schemas.microsoft.com/office/drawing/2014/main" id="{E18895B5-BBB1-287D-E459-93323835BFB3}"/>
-              </a:ext>
-            </a:extLst>
-          </p:cNvPr>
-          <p:cNvGraphicFramePr>
-            <a:graphicFrameLocks noGrp="1"/>
-          </p:cNvGraphicFramePr>
+                <a16:creationId xmlns:a16="http://schemas.microsoft.com/office/drawing/2014/main" id="{33BC5C3D-ABAB-93CD-32DF-E627C4F8654F}"/>
+              </a:ext>
+            </a:extLst>
+          </p:cNvPr>
+          <p:cNvSpPr>
+            <a:spLocks noGrp="1"/>
+          </p:cNvSpPr>
           <p:nvPr>
-            <p:ph idx="1"/>
-            <p:extLst>
-              <p:ext uri="{D42A27DB-BD31-4B8C-83A1-F6EECF244321}">
-                <p14:modId xmlns:p14="http://schemas.microsoft.com/office/powerpoint/2010/main" val="1116319175"/>
-              </p:ext>
-            </p:extLst>
+            <p:ph sz="half" idx="2"/>
           </p:nvPr>
-        </p:nvGraphicFramePr>
-        <p:xfrm>
-          <a:off x="838200" y="1825625"/>
-          <a:ext cx="10515600" cy="4351338"/>
-        </p:xfrm>
-        <a:graphic>
-          <a:graphicData uri="http://schemas.openxmlformats.org/drawingml/2006/diagram">
-            <dgm:relIds xmlns:dgm="http://schemas.openxmlformats.org/drawingml/2006/diagram" xmlns:r="http://schemas.openxmlformats.org/officeDocument/2006/relationships" r:dm="rId2" r:lo="rId3" r:qs="rId4" r:cs="rId5"/>
-          </a:graphicData>
-        </a:graphic>
-      </p:graphicFrame>
+        </p:nvSpPr>
+        <p:spPr/>
+        <p:txBody>
+          <a:bodyPr/>
+          <a:lstStyle/>
+          <a:p>
+            <a:endParaRPr lang="fr-FR"/>
+          </a:p>
+        </p:txBody>
+      </p:sp>
     </p:spTree>
     <p:extLst>
       <p:ext uri="{BB962C8B-B14F-4D97-AF65-F5344CB8AC3E}">
-        <p14:creationId xmlns:p14="http://schemas.microsoft.com/office/powerpoint/2010/main" val="3524820913"/>
+        <p14:creationId xmlns:p14="http://schemas.microsoft.com/office/powerpoint/2010/main" val="1019961113"/>
+      </p:ext>
+    </p:extLst>
+  </p:cSld>
+  <p:clrMapOvr>
+    <a:masterClrMapping/>
+  </p:clrMapOvr>
+</p:sld>
+</file>
+
+<file path=ppt/slides/slide9.xml><?xml version="1.0" encoding="utf-8"?>
+<p:sld xmlns:a="http://schemas.openxmlformats.org/drawingml/2006/main" xmlns:r="http://schemas.openxmlformats.org/officeDocument/2006/relationships" xmlns:p="http://schemas.openxmlformats.org/presentationml/2006/main">
+  <p:cSld>
+    <p:spTree>
+      <p:nvGrpSpPr>
+        <p:cNvPr id="1" name="">
+          <a:extLst>
+            <a:ext uri="{FF2B5EF4-FFF2-40B4-BE49-F238E27FC236}">
+              <a16:creationId xmlns:a16="http://schemas.microsoft.com/office/drawing/2014/main" id="{FE074AFB-B888-686C-BCA5-AE1E7D92AD06}"/>
+            </a:ext>
+          </a:extLst>
+        </p:cNvPr>
+        <p:cNvGrpSpPr/>
+        <p:nvPr/>
+      </p:nvGrpSpPr>
+      <p:grpSpPr>
+        <a:xfrm>
+          <a:off x="0" y="0"/>
+          <a:ext cx="0" cy="0"/>
+          <a:chOff x="0" y="0"/>
+          <a:chExt cx="0" cy="0"/>
+        </a:xfrm>
+      </p:grpSpPr>
+      <p:sp>
+        <p:nvSpPr>
+          <p:cNvPr id="2" name="Titre 1">
+            <a:extLst>
+              <a:ext uri="{FF2B5EF4-FFF2-40B4-BE49-F238E27FC236}">
+                <a16:creationId xmlns:a16="http://schemas.microsoft.com/office/drawing/2014/main" id="{8BD2174F-6550-925B-4A59-C1DB9C5302F0}"/>
+              </a:ext>
+            </a:extLst>
+          </p:cNvPr>
+          <p:cNvSpPr>
+            <a:spLocks noGrp="1"/>
+          </p:cNvSpPr>
+          <p:nvPr>
+            <p:ph type="title"/>
+          </p:nvPr>
+        </p:nvSpPr>
+        <p:spPr/>
+        <p:txBody>
+          <a:bodyPr/>
+          <a:lstStyle/>
+          <a:p>
+            <a:r>
+              <a:rPr lang="fr-FR" dirty="0"/>
+              <a:t>Next </a:t>
+            </a:r>
+          </a:p>
+        </p:txBody>
+      </p:sp>
+      <p:sp>
+        <p:nvSpPr>
+          <p:cNvPr id="3" name="Espace réservé du contenu 2">
+            <a:extLst>
+              <a:ext uri="{FF2B5EF4-FFF2-40B4-BE49-F238E27FC236}">
+                <a16:creationId xmlns:a16="http://schemas.microsoft.com/office/drawing/2014/main" id="{4F496CFC-8F22-88E5-4815-4F2591419A91}"/>
+              </a:ext>
+            </a:extLst>
+          </p:cNvPr>
+          <p:cNvSpPr>
+            <a:spLocks noGrp="1"/>
+          </p:cNvSpPr>
+          <p:nvPr>
+            <p:ph sz="half" idx="1"/>
+          </p:nvPr>
+        </p:nvSpPr>
+        <p:spPr/>
+        <p:txBody>
+          <a:bodyPr/>
+          <a:lstStyle/>
+          <a:p>
+            <a:endParaRPr lang="fr-FR"/>
+          </a:p>
+        </p:txBody>
+      </p:sp>
+      <p:sp>
+        <p:nvSpPr>
+          <p:cNvPr id="4" name="Espace réservé du contenu 3">
+            <a:extLst>
+              <a:ext uri="{FF2B5EF4-FFF2-40B4-BE49-F238E27FC236}">
+                <a16:creationId xmlns:a16="http://schemas.microsoft.com/office/drawing/2014/main" id="{84EE9AEB-76AE-327D-DF71-A0BBDC168DC6}"/>
+              </a:ext>
+            </a:extLst>
+          </p:cNvPr>
+          <p:cNvSpPr>
+            <a:spLocks noGrp="1"/>
+          </p:cNvSpPr>
+          <p:nvPr>
+            <p:ph sz="half" idx="2"/>
+          </p:nvPr>
+        </p:nvSpPr>
+        <p:spPr/>
+        <p:txBody>
+          <a:bodyPr/>
+          <a:lstStyle/>
+          <a:p>
+            <a:endParaRPr lang="fr-FR"/>
+          </a:p>
+        </p:txBody>
+      </p:sp>
+    </p:spTree>
+    <p:extLst>
+      <p:ext uri="{BB962C8B-B14F-4D97-AF65-F5344CB8AC3E}">
+        <p14:creationId xmlns:p14="http://schemas.microsoft.com/office/powerpoint/2010/main" val="2674756373"/>
       </p:ext>
     </p:extLst>
   </p:cSld>
